--- a/Pneumonia Classification Using Chest X-Ray with Probabilistic Neural Network.pptx
+++ b/Pneumonia Classification Using Chest X-Ray with Probabilistic Neural Network.pptx
@@ -1,29 +1,28 @@
 
 <file path=ppt/presentation.xml><?xml version="1.0" encoding="utf-8"?>
-<p:presentation xmlns:a="http://schemas.openxmlformats.org/drawingml/2006/main" xmlns:r="http://schemas.openxmlformats.org/officeDocument/2006/relationships" xmlns:mc="http://schemas.openxmlformats.org/markup-compatibility/2006" xmlns:mv="urn:schemas-microsoft-com:mac:vml" xmlns:p="http://schemas.openxmlformats.org/presentationml/2006/main" xmlns:c="http://schemas.openxmlformats.org/drawingml/2006/chart" xmlns:dgm="http://schemas.openxmlformats.org/drawingml/2006/diagram" xmlns:o="urn:schemas-microsoft-com:office:office" xmlns:v="urn:schemas-microsoft-com:vml" xmlns:pvml="urn:schemas-microsoft-com:office:powerpoint" xmlns:com="http://schemas.openxmlformats.org/drawingml/2006/compatibility" xmlns:p14="http://schemas.microsoft.com/office/powerpoint/2010/main" xmlns:p15="http://schemas.microsoft.com/office/powerpoint/2012/main" xmlns:ahyp="http://schemas.microsoft.com/office/drawing/2018/hyperlinkcolor" autoCompressPictures="0" strictFirstAndLastChars="0" saveSubsetFonts="1">
+<p:presentation xmlns:a="http://schemas.openxmlformats.org/drawingml/2006/main" xmlns:r="http://schemas.openxmlformats.org/officeDocument/2006/relationships" xmlns:p="http://schemas.openxmlformats.org/presentationml/2006/main" strictFirstAndLastChars="0" saveSubsetFonts="1" autoCompressPictures="0">
   <p:sldMasterIdLst>
-    <p:sldMasterId id="2147483659" r:id="rId4"/>
+    <p:sldMasterId id="2147483659" r:id="rId1"/>
   </p:sldMasterIdLst>
   <p:notesMasterIdLst>
-    <p:notesMasterId r:id="rId5"/>
+    <p:notesMasterId r:id="rId12"/>
   </p:notesMasterIdLst>
   <p:sldIdLst>
-    <p:sldId id="256" r:id="rId6"/>
-    <p:sldId id="257" r:id="rId7"/>
-    <p:sldId id="258" r:id="rId8"/>
-    <p:sldId id="259" r:id="rId9"/>
-    <p:sldId id="260" r:id="rId10"/>
-    <p:sldId id="261" r:id="rId11"/>
-    <p:sldId id="262" r:id="rId12"/>
-    <p:sldId id="263" r:id="rId13"/>
-    <p:sldId id="264" r:id="rId14"/>
-    <p:sldId id="265" r:id="rId15"/>
-    <p:sldId id="266" r:id="rId16"/>
+    <p:sldId id="256" r:id="rId2"/>
+    <p:sldId id="257" r:id="rId3"/>
+    <p:sldId id="258" r:id="rId4"/>
+    <p:sldId id="259" r:id="rId5"/>
+    <p:sldId id="260" r:id="rId6"/>
+    <p:sldId id="261" r:id="rId7"/>
+    <p:sldId id="262" r:id="rId8"/>
+    <p:sldId id="263" r:id="rId9"/>
+    <p:sldId id="264" r:id="rId10"/>
+    <p:sldId id="266" r:id="rId11"/>
   </p:sldIdLst>
-  <p:sldSz cy="5143500" cx="9144000"/>
+  <p:sldSz cx="9144000" cy="5143500" type="screen16x9"/>
   <p:notesSz cx="6858000" cy="9144000"/>
   <p:defaultTextStyle>
-    <a:defPPr lvl="0" marR="0" rtl="0" algn="l">
+    <a:defPPr marR="0" lvl="0" algn="l" rtl="0">
       <a:lnSpc>
         <a:spcPct val="100000"/>
       </a:lnSpc>
@@ -34,7 +33,7 @@
         <a:spcPts val="0"/>
       </a:spcAft>
     </a:defPPr>
-    <a:lvl1pPr lvl="0" marR="0" rtl="0" algn="l">
+    <a:lvl1pPr marR="0" lvl="0" algn="l" rtl="0">
       <a:lnSpc>
         <a:spcPct val="100000"/>
       </a:lnSpc>
@@ -48,7 +47,7 @@
         <a:srgbClr val="000000"/>
       </a:buClr>
       <a:buFont typeface="Arial"/>
-      <a:defRPr b="0" i="0" sz="1400" u="none" cap="none" strike="noStrike">
+      <a:defRPr sz="1400" b="0" i="0" u="none" strike="noStrike" cap="none">
         <a:solidFill>
           <a:srgbClr val="000000"/>
         </a:solidFill>
@@ -58,7 +57,7 @@
         <a:sym typeface="Arial"/>
       </a:defRPr>
     </a:lvl1pPr>
-    <a:lvl2pPr lvl="1" marR="0" rtl="0" algn="l">
+    <a:lvl2pPr marR="0" lvl="1" algn="l" rtl="0">
       <a:lnSpc>
         <a:spcPct val="100000"/>
       </a:lnSpc>
@@ -72,7 +71,7 @@
         <a:srgbClr val="000000"/>
       </a:buClr>
       <a:buFont typeface="Arial"/>
-      <a:defRPr b="0" i="0" sz="1400" u="none" cap="none" strike="noStrike">
+      <a:defRPr sz="1400" b="0" i="0" u="none" strike="noStrike" cap="none">
         <a:solidFill>
           <a:srgbClr val="000000"/>
         </a:solidFill>
@@ -82,7 +81,7 @@
         <a:sym typeface="Arial"/>
       </a:defRPr>
     </a:lvl2pPr>
-    <a:lvl3pPr lvl="2" marR="0" rtl="0" algn="l">
+    <a:lvl3pPr marR="0" lvl="2" algn="l" rtl="0">
       <a:lnSpc>
         <a:spcPct val="100000"/>
       </a:lnSpc>
@@ -96,7 +95,7 @@
         <a:srgbClr val="000000"/>
       </a:buClr>
       <a:buFont typeface="Arial"/>
-      <a:defRPr b="0" i="0" sz="1400" u="none" cap="none" strike="noStrike">
+      <a:defRPr sz="1400" b="0" i="0" u="none" strike="noStrike" cap="none">
         <a:solidFill>
           <a:srgbClr val="000000"/>
         </a:solidFill>
@@ -106,7 +105,7 @@
         <a:sym typeface="Arial"/>
       </a:defRPr>
     </a:lvl3pPr>
-    <a:lvl4pPr lvl="3" marR="0" rtl="0" algn="l">
+    <a:lvl4pPr marR="0" lvl="3" algn="l" rtl="0">
       <a:lnSpc>
         <a:spcPct val="100000"/>
       </a:lnSpc>
@@ -120,7 +119,7 @@
         <a:srgbClr val="000000"/>
       </a:buClr>
       <a:buFont typeface="Arial"/>
-      <a:defRPr b="0" i="0" sz="1400" u="none" cap="none" strike="noStrike">
+      <a:defRPr sz="1400" b="0" i="0" u="none" strike="noStrike" cap="none">
         <a:solidFill>
           <a:srgbClr val="000000"/>
         </a:solidFill>
@@ -130,7 +129,7 @@
         <a:sym typeface="Arial"/>
       </a:defRPr>
     </a:lvl4pPr>
-    <a:lvl5pPr lvl="4" marR="0" rtl="0" algn="l">
+    <a:lvl5pPr marR="0" lvl="4" algn="l" rtl="0">
       <a:lnSpc>
         <a:spcPct val="100000"/>
       </a:lnSpc>
@@ -144,7 +143,7 @@
         <a:srgbClr val="000000"/>
       </a:buClr>
       <a:buFont typeface="Arial"/>
-      <a:defRPr b="0" i="0" sz="1400" u="none" cap="none" strike="noStrike">
+      <a:defRPr sz="1400" b="0" i="0" u="none" strike="noStrike" cap="none">
         <a:solidFill>
           <a:srgbClr val="000000"/>
         </a:solidFill>
@@ -154,7 +153,7 @@
         <a:sym typeface="Arial"/>
       </a:defRPr>
     </a:lvl5pPr>
-    <a:lvl6pPr lvl="5" marR="0" rtl="0" algn="l">
+    <a:lvl6pPr marR="0" lvl="5" algn="l" rtl="0">
       <a:lnSpc>
         <a:spcPct val="100000"/>
       </a:lnSpc>
@@ -168,7 +167,7 @@
         <a:srgbClr val="000000"/>
       </a:buClr>
       <a:buFont typeface="Arial"/>
-      <a:defRPr b="0" i="0" sz="1400" u="none" cap="none" strike="noStrike">
+      <a:defRPr sz="1400" b="0" i="0" u="none" strike="noStrike" cap="none">
         <a:solidFill>
           <a:srgbClr val="000000"/>
         </a:solidFill>
@@ -178,7 +177,7 @@
         <a:sym typeface="Arial"/>
       </a:defRPr>
     </a:lvl6pPr>
-    <a:lvl7pPr lvl="6" marR="0" rtl="0" algn="l">
+    <a:lvl7pPr marR="0" lvl="6" algn="l" rtl="0">
       <a:lnSpc>
         <a:spcPct val="100000"/>
       </a:lnSpc>
@@ -192,7 +191,7 @@
         <a:srgbClr val="000000"/>
       </a:buClr>
       <a:buFont typeface="Arial"/>
-      <a:defRPr b="0" i="0" sz="1400" u="none" cap="none" strike="noStrike">
+      <a:defRPr sz="1400" b="0" i="0" u="none" strike="noStrike" cap="none">
         <a:solidFill>
           <a:srgbClr val="000000"/>
         </a:solidFill>
@@ -202,7 +201,7 @@
         <a:sym typeface="Arial"/>
       </a:defRPr>
     </a:lvl7pPr>
-    <a:lvl8pPr lvl="7" marR="0" rtl="0" algn="l">
+    <a:lvl8pPr marR="0" lvl="7" algn="l" rtl="0">
       <a:lnSpc>
         <a:spcPct val="100000"/>
       </a:lnSpc>
@@ -216,7 +215,7 @@
         <a:srgbClr val="000000"/>
       </a:buClr>
       <a:buFont typeface="Arial"/>
-      <a:defRPr b="0" i="0" sz="1400" u="none" cap="none" strike="noStrike">
+      <a:defRPr sz="1400" b="0" i="0" u="none" strike="noStrike" cap="none">
         <a:solidFill>
           <a:srgbClr val="000000"/>
         </a:solidFill>
@@ -226,7 +225,7 @@
         <a:sym typeface="Arial"/>
       </a:defRPr>
     </a:lvl8pPr>
-    <a:lvl9pPr lvl="8" marR="0" rtl="0" algn="l">
+    <a:lvl9pPr marR="0" lvl="8" algn="l" rtl="0">
       <a:lnSpc>
         <a:spcPct val="100000"/>
       </a:lnSpc>
@@ -240,7 +239,7 @@
         <a:srgbClr val="000000"/>
       </a:buClr>
       <a:buFont typeface="Arial"/>
-      <a:defRPr b="0" i="0" sz="1400" u="none" cap="none" strike="noStrike">
+      <a:defRPr sz="1400" b="0" i="0" u="none" strike="noStrike" cap="none">
         <a:solidFill>
           <a:srgbClr val="000000"/>
         </a:solidFill>
@@ -253,7 +252,7 @@
   </p:defaultTextStyle>
   <p:extLst>
     <p:ext uri="{EFAFB233-063F-42B5-8137-9DF3F51BA10A}">
-      <p15:sldGuideLst>
+      <p15:sldGuideLst xmlns:p15="http://schemas.microsoft.com/office/powerpoint/2012/main">
         <p15:guide id="1" orient="horz" pos="1620">
           <p15:clr>
             <a:srgbClr val="A4A3A4"/>
@@ -271,11 +270,16 @@
 </file>
 
 <file path=ppt/notesMasters/notesMaster1.xml><?xml version="1.0" encoding="utf-8"?>
-<p:notesMaster xmlns:a="http://schemas.openxmlformats.org/drawingml/2006/main" xmlns:r="http://schemas.openxmlformats.org/officeDocument/2006/relationships" xmlns:mc="http://schemas.openxmlformats.org/markup-compatibility/2006" xmlns:mv="urn:schemas-microsoft-com:mac:vml" xmlns:p="http://schemas.openxmlformats.org/presentationml/2006/main" xmlns:c="http://schemas.openxmlformats.org/drawingml/2006/chart" xmlns:dgm="http://schemas.openxmlformats.org/drawingml/2006/diagram" xmlns:o="urn:schemas-microsoft-com:office:office" xmlns:v="urn:schemas-microsoft-com:vml" xmlns:pvml="urn:schemas-microsoft-com:office:powerpoint" xmlns:com="http://schemas.openxmlformats.org/drawingml/2006/compatibility" xmlns:p14="http://schemas.microsoft.com/office/powerpoint/2010/main" xmlns:p15="http://schemas.microsoft.com/office/powerpoint/2012/main" xmlns:ahyp="http://schemas.microsoft.com/office/drawing/2018/hyperlinkcolor">
+<p:notesMaster xmlns:a="http://schemas.openxmlformats.org/drawingml/2006/main" xmlns:r="http://schemas.openxmlformats.org/officeDocument/2006/relationships" xmlns:p="http://schemas.openxmlformats.org/presentationml/2006/main">
   <p:cSld>
+    <p:bg>
+      <p:bgRef idx="1001">
+        <a:schemeClr val="bg1"/>
+      </p:bgRef>
+    </p:bg>
     <p:spTree>
       <p:nvGrpSpPr>
-        <p:cNvPr id="2" name="Shape 2"/>
+        <p:cNvPr id="1" name="Shape 2"/>
         <p:cNvGrpSpPr/>
         <p:nvPr/>
       </p:nvGrpSpPr>
@@ -290,9 +294,11 @@
       <p:sp>
         <p:nvSpPr>
           <p:cNvPr id="3" name="Google Shape;3;n"/>
-          <p:cNvSpPr/>
+          <p:cNvSpPr>
+            <a:spLocks noGrp="1" noRot="1" noChangeAspect="1"/>
+          </p:cNvSpPr>
           <p:nvPr>
-            <p:ph idx="2" type="sldImg"/>
+            <p:ph type="sldImg" idx="2"/>
           </p:nvPr>
         </p:nvSpPr>
         <p:spPr>
@@ -301,9 +307,13 @@
             <a:ext cx="6096075" cy="3429000"/>
           </a:xfrm>
           <a:custGeom>
-            <a:rect b="b" l="l" r="r" t="t"/>
+            <a:avLst/>
+            <a:gdLst/>
+            <a:ahLst/>
+            <a:cxnLst/>
+            <a:rect l="l" t="t" r="r" b="b"/>
             <a:pathLst>
-              <a:path extrusionOk="0" h="120000" w="120000">
+              <a:path w="120000" h="120000" extrusionOk="0">
                 <a:moveTo>
                   <a:pt x="0" y="0"/>
                 </a:moveTo>
@@ -321,23 +331,25 @@
             </a:pathLst>
           </a:custGeom>
           <a:noFill/>
-          <a:ln cap="flat" cmpd="sng" w="9525">
+          <a:ln w="9525" cap="flat" cmpd="sng">
             <a:solidFill>
               <a:srgbClr val="000000"/>
             </a:solidFill>
             <a:prstDash val="solid"/>
             <a:round/>
-            <a:headEnd len="sm" w="sm" type="none"/>
-            <a:tailEnd len="sm" w="sm" type="none"/>
+            <a:headEnd type="none" w="sm" len="sm"/>
+            <a:tailEnd type="none" w="sm" len="sm"/>
           </a:ln>
         </p:spPr>
       </p:sp>
       <p:sp>
         <p:nvSpPr>
           <p:cNvPr id="4" name="Google Shape;4;n"/>
-          <p:cNvSpPr txBox="1"/>
+          <p:cNvSpPr txBox="1">
+            <a:spLocks noGrp="1"/>
+          </p:cNvSpPr>
           <p:nvPr>
-            <p:ph idx="1" type="body"/>
+            <p:ph type="body" idx="1"/>
           </p:nvPr>
         </p:nvSpPr>
         <p:spPr>
@@ -354,11 +366,11 @@
           </a:ln>
         </p:spPr>
         <p:txBody>
-          <a:bodyPr anchorCtr="0" anchor="t" bIns="91425" lIns="91425" spcFirstLastPara="1" rIns="91425" wrap="square" tIns="91425">
+          <a:bodyPr spcFirstLastPara="1" wrap="square" lIns="91425" tIns="91425" rIns="91425" bIns="91425" anchor="t" anchorCtr="0">
             <a:noAutofit/>
           </a:bodyPr>
           <a:lstStyle>
-            <a:lvl1pPr indent="-298450" lvl="0" marL="457200">
+            <a:lvl1pPr marL="457200" lvl="0" indent="-298450">
               <a:spcBef>
                 <a:spcPts val="0"/>
               </a:spcBef>
@@ -369,7 +381,7 @@
               <a:buChar char="●"/>
               <a:defRPr sz="1100"/>
             </a:lvl1pPr>
-            <a:lvl2pPr indent="-298450" lvl="1" marL="914400">
+            <a:lvl2pPr marL="914400" lvl="1" indent="-298450">
               <a:spcBef>
                 <a:spcPts val="0"/>
               </a:spcBef>
@@ -380,7 +392,7 @@
               <a:buChar char="○"/>
               <a:defRPr sz="1100"/>
             </a:lvl2pPr>
-            <a:lvl3pPr indent="-298450" lvl="2" marL="1371600">
+            <a:lvl3pPr marL="1371600" lvl="2" indent="-298450">
               <a:spcBef>
                 <a:spcPts val="0"/>
               </a:spcBef>
@@ -391,7 +403,7 @@
               <a:buChar char="■"/>
               <a:defRPr sz="1100"/>
             </a:lvl3pPr>
-            <a:lvl4pPr indent="-298450" lvl="3" marL="1828800">
+            <a:lvl4pPr marL="1828800" lvl="3" indent="-298450">
               <a:spcBef>
                 <a:spcPts val="0"/>
               </a:spcBef>
@@ -402,7 +414,7 @@
               <a:buChar char="●"/>
               <a:defRPr sz="1100"/>
             </a:lvl4pPr>
-            <a:lvl5pPr indent="-298450" lvl="4" marL="2286000">
+            <a:lvl5pPr marL="2286000" lvl="4" indent="-298450">
               <a:spcBef>
                 <a:spcPts val="0"/>
               </a:spcBef>
@@ -413,7 +425,7 @@
               <a:buChar char="○"/>
               <a:defRPr sz="1100"/>
             </a:lvl5pPr>
-            <a:lvl6pPr indent="-298450" lvl="5" marL="2743200">
+            <a:lvl6pPr marL="2743200" lvl="5" indent="-298450">
               <a:spcBef>
                 <a:spcPts val="0"/>
               </a:spcBef>
@@ -424,7 +436,7 @@
               <a:buChar char="■"/>
               <a:defRPr sz="1100"/>
             </a:lvl6pPr>
-            <a:lvl7pPr indent="-298450" lvl="6" marL="3200400">
+            <a:lvl7pPr marL="3200400" lvl="6" indent="-298450">
               <a:spcBef>
                 <a:spcPts val="0"/>
               </a:spcBef>
@@ -435,7 +447,7 @@
               <a:buChar char="●"/>
               <a:defRPr sz="1100"/>
             </a:lvl7pPr>
-            <a:lvl8pPr indent="-298450" lvl="7" marL="3657600">
+            <a:lvl8pPr marL="3657600" lvl="7" indent="-298450">
               <a:spcBef>
                 <a:spcPts val="0"/>
               </a:spcBef>
@@ -446,7 +458,7 @@
               <a:buChar char="○"/>
               <a:defRPr sz="1100"/>
             </a:lvl8pPr>
-            <a:lvl9pPr indent="-298450" lvl="8" marL="4114800">
+            <a:lvl9pPr marL="4114800" lvl="8" indent="-298450">
               <a:spcBef>
                 <a:spcPts val="0"/>
               </a:spcBef>
@@ -458,14 +470,16 @@
               <a:defRPr sz="1100"/>
             </a:lvl9pPr>
           </a:lstStyle>
-          <a:p/>
+          <a:p>
+            <a:endParaRPr/>
+          </a:p>
         </p:txBody>
       </p:sp>
     </p:spTree>
   </p:cSld>
-  <p:clrMap accent1="accent1" accent2="accent2" accent3="accent3" accent4="accent4" accent5="accent5" accent6="accent6" bg1="lt1" bg2="dk2" tx1="dk1" tx2="lt2" folHlink="folHlink" hlink="hlink"/>
+  <p:clrMap bg1="lt1" tx1="dk1" bg2="dk2" tx2="lt2" accent1="accent1" accent2="accent2" accent3="accent3" accent4="accent4" accent5="accent5" accent6="accent6" hlink="hlink" folHlink="folHlink"/>
   <p:notesStyle>
-    <a:defPPr lvl="0" marR="0" rtl="0" algn="l">
+    <a:defPPr marR="0" lvl="0" algn="l" rtl="0">
       <a:lnSpc>
         <a:spcPct val="100000"/>
       </a:lnSpc>
@@ -476,7 +490,7 @@
         <a:spcPts val="0"/>
       </a:spcAft>
     </a:defPPr>
-    <a:lvl1pPr lvl="0" marR="0" rtl="0" algn="l">
+    <a:lvl1pPr marR="0" lvl="0" algn="l" rtl="0">
       <a:lnSpc>
         <a:spcPct val="100000"/>
       </a:lnSpc>
@@ -490,7 +504,7 @@
         <a:srgbClr val="000000"/>
       </a:buClr>
       <a:buFont typeface="Arial"/>
-      <a:defRPr b="0" i="0" sz="1400" u="none" cap="none" strike="noStrike">
+      <a:defRPr sz="1400" b="0" i="0" u="none" strike="noStrike" cap="none">
         <a:solidFill>
           <a:srgbClr val="000000"/>
         </a:solidFill>
@@ -500,7 +514,7 @@
         <a:sym typeface="Arial"/>
       </a:defRPr>
     </a:lvl1pPr>
-    <a:lvl2pPr lvl="1" marR="0" rtl="0" algn="l">
+    <a:lvl2pPr marR="0" lvl="1" algn="l" rtl="0">
       <a:lnSpc>
         <a:spcPct val="100000"/>
       </a:lnSpc>
@@ -514,7 +528,7 @@
         <a:srgbClr val="000000"/>
       </a:buClr>
       <a:buFont typeface="Arial"/>
-      <a:defRPr b="0" i="0" sz="1400" u="none" cap="none" strike="noStrike">
+      <a:defRPr sz="1400" b="0" i="0" u="none" strike="noStrike" cap="none">
         <a:solidFill>
           <a:srgbClr val="000000"/>
         </a:solidFill>
@@ -524,7 +538,7 @@
         <a:sym typeface="Arial"/>
       </a:defRPr>
     </a:lvl2pPr>
-    <a:lvl3pPr lvl="2" marR="0" rtl="0" algn="l">
+    <a:lvl3pPr marR="0" lvl="2" algn="l" rtl="0">
       <a:lnSpc>
         <a:spcPct val="100000"/>
       </a:lnSpc>
@@ -538,7 +552,7 @@
         <a:srgbClr val="000000"/>
       </a:buClr>
       <a:buFont typeface="Arial"/>
-      <a:defRPr b="0" i="0" sz="1400" u="none" cap="none" strike="noStrike">
+      <a:defRPr sz="1400" b="0" i="0" u="none" strike="noStrike" cap="none">
         <a:solidFill>
           <a:srgbClr val="000000"/>
         </a:solidFill>
@@ -548,7 +562,7 @@
         <a:sym typeface="Arial"/>
       </a:defRPr>
     </a:lvl3pPr>
-    <a:lvl4pPr lvl="3" marR="0" rtl="0" algn="l">
+    <a:lvl4pPr marR="0" lvl="3" algn="l" rtl="0">
       <a:lnSpc>
         <a:spcPct val="100000"/>
       </a:lnSpc>
@@ -562,7 +576,7 @@
         <a:srgbClr val="000000"/>
       </a:buClr>
       <a:buFont typeface="Arial"/>
-      <a:defRPr b="0" i="0" sz="1400" u="none" cap="none" strike="noStrike">
+      <a:defRPr sz="1400" b="0" i="0" u="none" strike="noStrike" cap="none">
         <a:solidFill>
           <a:srgbClr val="000000"/>
         </a:solidFill>
@@ -572,7 +586,7 @@
         <a:sym typeface="Arial"/>
       </a:defRPr>
     </a:lvl4pPr>
-    <a:lvl5pPr lvl="4" marR="0" rtl="0" algn="l">
+    <a:lvl5pPr marR="0" lvl="4" algn="l" rtl="0">
       <a:lnSpc>
         <a:spcPct val="100000"/>
       </a:lnSpc>
@@ -586,7 +600,7 @@
         <a:srgbClr val="000000"/>
       </a:buClr>
       <a:buFont typeface="Arial"/>
-      <a:defRPr b="0" i="0" sz="1400" u="none" cap="none" strike="noStrike">
+      <a:defRPr sz="1400" b="0" i="0" u="none" strike="noStrike" cap="none">
         <a:solidFill>
           <a:srgbClr val="000000"/>
         </a:solidFill>
@@ -596,7 +610,7 @@
         <a:sym typeface="Arial"/>
       </a:defRPr>
     </a:lvl5pPr>
-    <a:lvl6pPr lvl="5" marR="0" rtl="0" algn="l">
+    <a:lvl6pPr marR="0" lvl="5" algn="l" rtl="0">
       <a:lnSpc>
         <a:spcPct val="100000"/>
       </a:lnSpc>
@@ -610,7 +624,7 @@
         <a:srgbClr val="000000"/>
       </a:buClr>
       <a:buFont typeface="Arial"/>
-      <a:defRPr b="0" i="0" sz="1400" u="none" cap="none" strike="noStrike">
+      <a:defRPr sz="1400" b="0" i="0" u="none" strike="noStrike" cap="none">
         <a:solidFill>
           <a:srgbClr val="000000"/>
         </a:solidFill>
@@ -620,7 +634,7 @@
         <a:sym typeface="Arial"/>
       </a:defRPr>
     </a:lvl6pPr>
-    <a:lvl7pPr lvl="6" marR="0" rtl="0" algn="l">
+    <a:lvl7pPr marR="0" lvl="6" algn="l" rtl="0">
       <a:lnSpc>
         <a:spcPct val="100000"/>
       </a:lnSpc>
@@ -634,7 +648,7 @@
         <a:srgbClr val="000000"/>
       </a:buClr>
       <a:buFont typeface="Arial"/>
-      <a:defRPr b="0" i="0" sz="1400" u="none" cap="none" strike="noStrike">
+      <a:defRPr sz="1400" b="0" i="0" u="none" strike="noStrike" cap="none">
         <a:solidFill>
           <a:srgbClr val="000000"/>
         </a:solidFill>
@@ -644,7 +658,7 @@
         <a:sym typeface="Arial"/>
       </a:defRPr>
     </a:lvl7pPr>
-    <a:lvl8pPr lvl="7" marR="0" rtl="0" algn="l">
+    <a:lvl8pPr marR="0" lvl="7" algn="l" rtl="0">
       <a:lnSpc>
         <a:spcPct val="100000"/>
       </a:lnSpc>
@@ -658,7 +672,7 @@
         <a:srgbClr val="000000"/>
       </a:buClr>
       <a:buFont typeface="Arial"/>
-      <a:defRPr b="0" i="0" sz="1400" u="none" cap="none" strike="noStrike">
+      <a:defRPr sz="1400" b="0" i="0" u="none" strike="noStrike" cap="none">
         <a:solidFill>
           <a:srgbClr val="000000"/>
         </a:solidFill>
@@ -668,7 +682,7 @@
         <a:sym typeface="Arial"/>
       </a:defRPr>
     </a:lvl8pPr>
-    <a:lvl9pPr lvl="8" marR="0" rtl="0" algn="l">
+    <a:lvl9pPr marR="0" lvl="8" algn="l" rtl="0">
       <a:lnSpc>
         <a:spcPct val="100000"/>
       </a:lnSpc>
@@ -682,7 +696,7 @@
         <a:srgbClr val="000000"/>
       </a:buClr>
       <a:buFont typeface="Arial"/>
-      <a:defRPr b="0" i="0" sz="1400" u="none" cap="none" strike="noStrike">
+      <a:defRPr sz="1400" b="0" i="0" u="none" strike="noStrike" cap="none">
         <a:solidFill>
           <a:srgbClr val="000000"/>
         </a:solidFill>
@@ -697,11 +711,11 @@
 </file>
 
 <file path=ppt/notesSlides/notesSlide1.xml><?xml version="1.0" encoding="utf-8"?>
-<p:notes xmlns:a="http://schemas.openxmlformats.org/drawingml/2006/main" xmlns:r="http://schemas.openxmlformats.org/officeDocument/2006/relationships" xmlns:mc="http://schemas.openxmlformats.org/markup-compatibility/2006" xmlns:mv="urn:schemas-microsoft-com:mac:vml" xmlns:p="http://schemas.openxmlformats.org/presentationml/2006/main" xmlns:c="http://schemas.openxmlformats.org/drawingml/2006/chart" xmlns:dgm="http://schemas.openxmlformats.org/drawingml/2006/diagram" xmlns:o="urn:schemas-microsoft-com:office:office" xmlns:v="urn:schemas-microsoft-com:vml" xmlns:pvml="urn:schemas-microsoft-com:office:powerpoint" xmlns:com="http://schemas.openxmlformats.org/drawingml/2006/compatibility" xmlns:p14="http://schemas.microsoft.com/office/powerpoint/2010/main" xmlns:p15="http://schemas.microsoft.com/office/powerpoint/2012/main" xmlns:ahyp="http://schemas.microsoft.com/office/drawing/2018/hyperlinkcolor" showMasterPhAnim="0" showMasterSp="0">
+<p:notes xmlns:a="http://schemas.openxmlformats.org/drawingml/2006/main" xmlns:r="http://schemas.openxmlformats.org/officeDocument/2006/relationships" xmlns:p="http://schemas.openxmlformats.org/presentationml/2006/main" showMasterSp="0" showMasterPhAnim="0">
   <p:cSld>
     <p:spTree>
       <p:nvGrpSpPr>
-        <p:cNvPr id="50" name="Shape 50"/>
+        <p:cNvPr id="1" name="Shape 50"/>
         <p:cNvGrpSpPr/>
         <p:nvPr/>
       </p:nvGrpSpPr>
@@ -716,9 +730,11 @@
       <p:sp>
         <p:nvSpPr>
           <p:cNvPr id="51" name="Google Shape;51;p:notes"/>
-          <p:cNvSpPr/>
+          <p:cNvSpPr>
+            <a:spLocks noGrp="1" noRot="1" noChangeAspect="1"/>
+          </p:cNvSpPr>
           <p:nvPr>
-            <p:ph idx="2" type="sldImg"/>
+            <p:ph type="sldImg" idx="2"/>
           </p:nvPr>
         </p:nvSpPr>
         <p:spPr>
@@ -727,9 +743,13 @@
             <a:ext cx="6096075" cy="3429000"/>
           </a:xfrm>
           <a:custGeom>
-            <a:rect b="b" l="l" r="r" t="t"/>
+            <a:avLst/>
+            <a:gdLst/>
+            <a:ahLst/>
+            <a:cxnLst/>
+            <a:rect l="l" t="t" r="r" b="b"/>
             <a:pathLst>
-              <a:path extrusionOk="0" h="120000" w="120000">
+              <a:path w="120000" h="120000" extrusionOk="0">
                 <a:moveTo>
                   <a:pt x="0" y="0"/>
                 </a:moveTo>
@@ -751,9 +771,11 @@
       <p:sp>
         <p:nvSpPr>
           <p:cNvPr id="52" name="Google Shape;52;p:notes"/>
-          <p:cNvSpPr txBox="1"/>
+          <p:cNvSpPr txBox="1">
+            <a:spLocks noGrp="1"/>
+          </p:cNvSpPr>
           <p:nvPr>
-            <p:ph idx="1" type="body"/>
+            <p:ph type="body" idx="1"/>
           </p:nvPr>
         </p:nvSpPr>
         <p:spPr>
@@ -766,12 +788,12 @@
           </a:prstGeom>
         </p:spPr>
         <p:txBody>
-          <a:bodyPr anchorCtr="0" anchor="t" bIns="91425" lIns="91425" spcFirstLastPara="1" rIns="91425" wrap="square" tIns="91425">
+          <a:bodyPr spcFirstLastPara="1" wrap="square" lIns="91425" tIns="91425" rIns="91425" bIns="91425" anchor="t" anchorCtr="0">
             <a:noAutofit/>
           </a:bodyPr>
           <a:lstStyle/>
           <a:p>
-            <a:pPr indent="0" lvl="0" marL="0" rtl="0" algn="l">
+            <a:pPr marL="0" lvl="0" indent="0" algn="l" rtl="0">
               <a:spcBef>
                 <a:spcPts val="0"/>
               </a:spcBef>
@@ -780,9 +802,6 @@
               </a:spcAft>
               <a:buNone/>
             </a:pPr>
-            <a:r>
-              <a:t/>
-            </a:r>
             <a:endParaRPr/>
           </a:p>
         </p:txBody>
@@ -796,110 +815,11 @@
 </file>
 
 <file path=ppt/notesSlides/notesSlide10.xml><?xml version="1.0" encoding="utf-8"?>
-<p:notes xmlns:a="http://schemas.openxmlformats.org/drawingml/2006/main" xmlns:r="http://schemas.openxmlformats.org/officeDocument/2006/relationships" xmlns:mc="http://schemas.openxmlformats.org/markup-compatibility/2006" xmlns:mv="urn:schemas-microsoft-com:mac:vml" xmlns:p="http://schemas.openxmlformats.org/presentationml/2006/main" xmlns:c="http://schemas.openxmlformats.org/drawingml/2006/chart" xmlns:dgm="http://schemas.openxmlformats.org/drawingml/2006/diagram" xmlns:o="urn:schemas-microsoft-com:office:office" xmlns:v="urn:schemas-microsoft-com:vml" xmlns:pvml="urn:schemas-microsoft-com:office:powerpoint" xmlns:com="http://schemas.openxmlformats.org/drawingml/2006/compatibility" xmlns:p14="http://schemas.microsoft.com/office/powerpoint/2010/main" xmlns:p15="http://schemas.microsoft.com/office/powerpoint/2012/main" xmlns:ahyp="http://schemas.microsoft.com/office/drawing/2018/hyperlinkcolor" showMasterPhAnim="0" showMasterSp="0">
+<p:notes xmlns:a="http://schemas.openxmlformats.org/drawingml/2006/main" xmlns:r="http://schemas.openxmlformats.org/officeDocument/2006/relationships" xmlns:p="http://schemas.openxmlformats.org/presentationml/2006/main" showMasterSp="0" showMasterPhAnim="0">
   <p:cSld>
     <p:spTree>
       <p:nvGrpSpPr>
-        <p:cNvPr id="107" name="Shape 107"/>
-        <p:cNvGrpSpPr/>
-        <p:nvPr/>
-      </p:nvGrpSpPr>
-      <p:grpSpPr>
-        <a:xfrm>
-          <a:off x="0" y="0"/>
-          <a:ext cx="0" cy="0"/>
-          <a:chOff x="0" y="0"/>
-          <a:chExt cx="0" cy="0"/>
-        </a:xfrm>
-      </p:grpSpPr>
-      <p:sp>
-        <p:nvSpPr>
-          <p:cNvPr id="108" name="Google Shape;108;g1116db56c8d_0_22:notes"/>
-          <p:cNvSpPr/>
-          <p:nvPr>
-            <p:ph idx="2" type="sldImg"/>
-          </p:nvPr>
-        </p:nvSpPr>
-        <p:spPr>
-          <a:xfrm>
-            <a:off x="381300" y="685800"/>
-            <a:ext cx="6096000" cy="3429000"/>
-          </a:xfrm>
-          <a:custGeom>
-            <a:rect b="b" l="l" r="r" t="t"/>
-            <a:pathLst>
-              <a:path extrusionOk="0" h="120000" w="120000">
-                <a:moveTo>
-                  <a:pt x="0" y="0"/>
-                </a:moveTo>
-                <a:lnTo>
-                  <a:pt x="120000" y="0"/>
-                </a:lnTo>
-                <a:lnTo>
-                  <a:pt x="120000" y="120000"/>
-                </a:lnTo>
-                <a:lnTo>
-                  <a:pt x="0" y="120000"/>
-                </a:lnTo>
-                <a:close/>
-              </a:path>
-            </a:pathLst>
-          </a:custGeom>
-        </p:spPr>
-      </p:sp>
-      <p:sp>
-        <p:nvSpPr>
-          <p:cNvPr id="109" name="Google Shape;109;g1116db56c8d_0_22:notes"/>
-          <p:cNvSpPr txBox="1"/>
-          <p:nvPr>
-            <p:ph idx="1" type="body"/>
-          </p:nvPr>
-        </p:nvSpPr>
-        <p:spPr>
-          <a:xfrm>
-            <a:off x="685800" y="4343400"/>
-            <a:ext cx="5486400" cy="4114800"/>
-          </a:xfrm>
-          <a:prstGeom prst="rect">
-            <a:avLst/>
-          </a:prstGeom>
-        </p:spPr>
-        <p:txBody>
-          <a:bodyPr anchorCtr="0" anchor="t" bIns="91425" lIns="91425" spcFirstLastPara="1" rIns="91425" wrap="square" tIns="91425">
-            <a:noAutofit/>
-          </a:bodyPr>
-          <a:lstStyle/>
-          <a:p>
-            <a:pPr indent="0" lvl="0" marL="0" rtl="0" algn="l">
-              <a:spcBef>
-                <a:spcPts val="0"/>
-              </a:spcBef>
-              <a:spcAft>
-                <a:spcPts val="0"/>
-              </a:spcAft>
-              <a:buNone/>
-            </a:pPr>
-            <a:r>
-              <a:t/>
-            </a:r>
-            <a:endParaRPr/>
-          </a:p>
-        </p:txBody>
-      </p:sp>
-    </p:spTree>
-  </p:cSld>
-  <p:clrMapOvr>
-    <a:masterClrMapping/>
-  </p:clrMapOvr>
-</p:notes>
-</file>
-
-<file path=ppt/notesSlides/notesSlide11.xml><?xml version="1.0" encoding="utf-8"?>
-<p:notes xmlns:a="http://schemas.openxmlformats.org/drawingml/2006/main" xmlns:r="http://schemas.openxmlformats.org/officeDocument/2006/relationships" xmlns:mc="http://schemas.openxmlformats.org/markup-compatibility/2006" xmlns:mv="urn:schemas-microsoft-com:mac:vml" xmlns:p="http://schemas.openxmlformats.org/presentationml/2006/main" xmlns:c="http://schemas.openxmlformats.org/drawingml/2006/chart" xmlns:dgm="http://schemas.openxmlformats.org/drawingml/2006/diagram" xmlns:o="urn:schemas-microsoft-com:office:office" xmlns:v="urn:schemas-microsoft-com:vml" xmlns:pvml="urn:schemas-microsoft-com:office:powerpoint" xmlns:com="http://schemas.openxmlformats.org/drawingml/2006/compatibility" xmlns:p14="http://schemas.microsoft.com/office/powerpoint/2010/main" xmlns:p15="http://schemas.microsoft.com/office/powerpoint/2012/main" xmlns:ahyp="http://schemas.microsoft.com/office/drawing/2018/hyperlinkcolor" showMasterPhAnim="0" showMasterSp="0">
-  <p:cSld>
-    <p:spTree>
-      <p:nvGrpSpPr>
-        <p:cNvPr id="114" name="Shape 114"/>
+        <p:cNvPr id="1" name="Shape 114"/>
         <p:cNvGrpSpPr/>
         <p:nvPr/>
       </p:nvGrpSpPr>
@@ -914,20 +834,26 @@
       <p:sp>
         <p:nvSpPr>
           <p:cNvPr id="115" name="Google Shape;115;g10f80d30a0d_0_66:notes"/>
-          <p:cNvSpPr/>
+          <p:cNvSpPr>
+            <a:spLocks noGrp="1" noRot="1" noChangeAspect="1"/>
+          </p:cNvSpPr>
           <p:nvPr>
-            <p:ph idx="2" type="sldImg"/>
+            <p:ph type="sldImg" idx="2"/>
           </p:nvPr>
         </p:nvSpPr>
         <p:spPr>
           <a:xfrm>
-            <a:off x="381300" y="685800"/>
+            <a:off x="381000" y="685800"/>
             <a:ext cx="6096000" cy="3429000"/>
           </a:xfrm>
           <a:custGeom>
-            <a:rect b="b" l="l" r="r" t="t"/>
+            <a:avLst/>
+            <a:gdLst/>
+            <a:ahLst/>
+            <a:cxnLst/>
+            <a:rect l="l" t="t" r="r" b="b"/>
             <a:pathLst>
-              <a:path extrusionOk="0" h="120000" w="120000">
+              <a:path w="120000" h="120000" extrusionOk="0">
                 <a:moveTo>
                   <a:pt x="0" y="0"/>
                 </a:moveTo>
@@ -949,9 +875,11 @@
       <p:sp>
         <p:nvSpPr>
           <p:cNvPr id="116" name="Google Shape;116;g10f80d30a0d_0_66:notes"/>
-          <p:cNvSpPr txBox="1"/>
+          <p:cNvSpPr txBox="1">
+            <a:spLocks noGrp="1"/>
+          </p:cNvSpPr>
           <p:nvPr>
-            <p:ph idx="1" type="body"/>
+            <p:ph type="body" idx="1"/>
           </p:nvPr>
         </p:nvSpPr>
         <p:spPr>
@@ -964,12 +892,12 @@
           </a:prstGeom>
         </p:spPr>
         <p:txBody>
-          <a:bodyPr anchorCtr="0" anchor="t" bIns="91425" lIns="91425" spcFirstLastPara="1" rIns="91425" wrap="square" tIns="91425">
+          <a:bodyPr spcFirstLastPara="1" wrap="square" lIns="91425" tIns="91425" rIns="91425" bIns="91425" anchor="t" anchorCtr="0">
             <a:noAutofit/>
           </a:bodyPr>
           <a:lstStyle/>
           <a:p>
-            <a:pPr indent="0" lvl="0" marL="0" rtl="0" algn="l">
+            <a:pPr marL="0" lvl="0" indent="0" algn="l" rtl="0">
               <a:spcBef>
                 <a:spcPts val="0"/>
               </a:spcBef>
@@ -978,9 +906,6 @@
               </a:spcAft>
               <a:buNone/>
             </a:pPr>
-            <a:r>
-              <a:t/>
-            </a:r>
             <a:endParaRPr/>
           </a:p>
         </p:txBody>
@@ -994,11 +919,11 @@
 </file>
 
 <file path=ppt/notesSlides/notesSlide2.xml><?xml version="1.0" encoding="utf-8"?>
-<p:notes xmlns:a="http://schemas.openxmlformats.org/drawingml/2006/main" xmlns:r="http://schemas.openxmlformats.org/officeDocument/2006/relationships" xmlns:mc="http://schemas.openxmlformats.org/markup-compatibility/2006" xmlns:mv="urn:schemas-microsoft-com:mac:vml" xmlns:p="http://schemas.openxmlformats.org/presentationml/2006/main" xmlns:c="http://schemas.openxmlformats.org/drawingml/2006/chart" xmlns:dgm="http://schemas.openxmlformats.org/drawingml/2006/diagram" xmlns:o="urn:schemas-microsoft-com:office:office" xmlns:v="urn:schemas-microsoft-com:vml" xmlns:pvml="urn:schemas-microsoft-com:office:powerpoint" xmlns:com="http://schemas.openxmlformats.org/drawingml/2006/compatibility" xmlns:p14="http://schemas.microsoft.com/office/powerpoint/2010/main" xmlns:p15="http://schemas.microsoft.com/office/powerpoint/2012/main" xmlns:ahyp="http://schemas.microsoft.com/office/drawing/2018/hyperlinkcolor" showMasterPhAnim="0" showMasterSp="0">
+<p:notes xmlns:a="http://schemas.openxmlformats.org/drawingml/2006/main" xmlns:r="http://schemas.openxmlformats.org/officeDocument/2006/relationships" xmlns:p="http://schemas.openxmlformats.org/presentationml/2006/main" showMasterSp="0" showMasterPhAnim="0">
   <p:cSld>
     <p:spTree>
       <p:nvGrpSpPr>
-        <p:cNvPr id="55" name="Shape 55"/>
+        <p:cNvPr id="1" name="Shape 55"/>
         <p:cNvGrpSpPr/>
         <p:nvPr/>
       </p:nvGrpSpPr>
@@ -1013,9 +938,11 @@
       <p:sp>
         <p:nvSpPr>
           <p:cNvPr id="56" name="Google Shape;56;g10f80d30a0d_0_1:notes"/>
-          <p:cNvSpPr/>
+          <p:cNvSpPr>
+            <a:spLocks noGrp="1" noRot="1" noChangeAspect="1"/>
+          </p:cNvSpPr>
           <p:nvPr>
-            <p:ph idx="2" type="sldImg"/>
+            <p:ph type="sldImg" idx="2"/>
           </p:nvPr>
         </p:nvSpPr>
         <p:spPr>
@@ -1024,9 +951,13 @@
             <a:ext cx="6096000" cy="3429000"/>
           </a:xfrm>
           <a:custGeom>
-            <a:rect b="b" l="l" r="r" t="t"/>
+            <a:avLst/>
+            <a:gdLst/>
+            <a:ahLst/>
+            <a:cxnLst/>
+            <a:rect l="l" t="t" r="r" b="b"/>
             <a:pathLst>
-              <a:path extrusionOk="0" h="120000" w="120000">
+              <a:path w="120000" h="120000" extrusionOk="0">
                 <a:moveTo>
                   <a:pt x="0" y="0"/>
                 </a:moveTo>
@@ -1048,9 +979,11 @@
       <p:sp>
         <p:nvSpPr>
           <p:cNvPr id="57" name="Google Shape;57;g10f80d30a0d_0_1:notes"/>
-          <p:cNvSpPr txBox="1"/>
+          <p:cNvSpPr txBox="1">
+            <a:spLocks noGrp="1"/>
+          </p:cNvSpPr>
           <p:nvPr>
-            <p:ph idx="1" type="body"/>
+            <p:ph type="body" idx="1"/>
           </p:nvPr>
         </p:nvSpPr>
         <p:spPr>
@@ -1063,12 +996,12 @@
           </a:prstGeom>
         </p:spPr>
         <p:txBody>
-          <a:bodyPr anchorCtr="0" anchor="t" bIns="91425" lIns="91425" spcFirstLastPara="1" rIns="91425" wrap="square" tIns="91425">
+          <a:bodyPr spcFirstLastPara="1" wrap="square" lIns="91425" tIns="91425" rIns="91425" bIns="91425" anchor="t" anchorCtr="0">
             <a:noAutofit/>
           </a:bodyPr>
           <a:lstStyle/>
           <a:p>
-            <a:pPr indent="0" lvl="0" marL="0" rtl="0" algn="l">
+            <a:pPr marL="0" lvl="0" indent="0" algn="l" rtl="0">
               <a:spcBef>
                 <a:spcPts val="0"/>
               </a:spcBef>
@@ -1077,9 +1010,6 @@
               </a:spcAft>
               <a:buNone/>
             </a:pPr>
-            <a:r>
-              <a:t/>
-            </a:r>
             <a:endParaRPr/>
           </a:p>
         </p:txBody>
@@ -1093,11 +1023,11 @@
 </file>
 
 <file path=ppt/notesSlides/notesSlide3.xml><?xml version="1.0" encoding="utf-8"?>
-<p:notes xmlns:a="http://schemas.openxmlformats.org/drawingml/2006/main" xmlns:r="http://schemas.openxmlformats.org/officeDocument/2006/relationships" xmlns:mc="http://schemas.openxmlformats.org/markup-compatibility/2006" xmlns:mv="urn:schemas-microsoft-com:mac:vml" xmlns:p="http://schemas.openxmlformats.org/presentationml/2006/main" xmlns:c="http://schemas.openxmlformats.org/drawingml/2006/chart" xmlns:dgm="http://schemas.openxmlformats.org/drawingml/2006/diagram" xmlns:o="urn:schemas-microsoft-com:office:office" xmlns:v="urn:schemas-microsoft-com:vml" xmlns:pvml="urn:schemas-microsoft-com:office:powerpoint" xmlns:com="http://schemas.openxmlformats.org/drawingml/2006/compatibility" xmlns:p14="http://schemas.microsoft.com/office/powerpoint/2010/main" xmlns:p15="http://schemas.microsoft.com/office/powerpoint/2012/main" xmlns:ahyp="http://schemas.microsoft.com/office/drawing/2018/hyperlinkcolor" showMasterPhAnim="0" showMasterSp="0">
+<p:notes xmlns:a="http://schemas.openxmlformats.org/drawingml/2006/main" xmlns:r="http://schemas.openxmlformats.org/officeDocument/2006/relationships" xmlns:p="http://schemas.openxmlformats.org/presentationml/2006/main" showMasterSp="0" showMasterPhAnim="0">
   <p:cSld>
     <p:spTree>
       <p:nvGrpSpPr>
-        <p:cNvPr id="61" name="Shape 61"/>
+        <p:cNvPr id="1" name="Shape 61"/>
         <p:cNvGrpSpPr/>
         <p:nvPr/>
       </p:nvGrpSpPr>
@@ -1112,9 +1042,11 @@
       <p:sp>
         <p:nvSpPr>
           <p:cNvPr id="62" name="Google Shape;62;g10f80d30a0d_0_11:notes"/>
-          <p:cNvSpPr/>
+          <p:cNvSpPr>
+            <a:spLocks noGrp="1" noRot="1" noChangeAspect="1"/>
+          </p:cNvSpPr>
           <p:nvPr>
-            <p:ph idx="2" type="sldImg"/>
+            <p:ph type="sldImg" idx="2"/>
           </p:nvPr>
         </p:nvSpPr>
         <p:spPr>
@@ -1123,9 +1055,13 @@
             <a:ext cx="6096000" cy="3429000"/>
           </a:xfrm>
           <a:custGeom>
-            <a:rect b="b" l="l" r="r" t="t"/>
+            <a:avLst/>
+            <a:gdLst/>
+            <a:ahLst/>
+            <a:cxnLst/>
+            <a:rect l="l" t="t" r="r" b="b"/>
             <a:pathLst>
-              <a:path extrusionOk="0" h="120000" w="120000">
+              <a:path w="120000" h="120000" extrusionOk="0">
                 <a:moveTo>
                   <a:pt x="0" y="0"/>
                 </a:moveTo>
@@ -1147,9 +1083,11 @@
       <p:sp>
         <p:nvSpPr>
           <p:cNvPr id="63" name="Google Shape;63;g10f80d30a0d_0_11:notes"/>
-          <p:cNvSpPr txBox="1"/>
+          <p:cNvSpPr txBox="1">
+            <a:spLocks noGrp="1"/>
+          </p:cNvSpPr>
           <p:nvPr>
-            <p:ph idx="1" type="body"/>
+            <p:ph type="body" idx="1"/>
           </p:nvPr>
         </p:nvSpPr>
         <p:spPr>
@@ -1162,12 +1100,12 @@
           </a:prstGeom>
         </p:spPr>
         <p:txBody>
-          <a:bodyPr anchorCtr="0" anchor="t" bIns="91425" lIns="91425" spcFirstLastPara="1" rIns="91425" wrap="square" tIns="91425">
+          <a:bodyPr spcFirstLastPara="1" wrap="square" lIns="91425" tIns="91425" rIns="91425" bIns="91425" anchor="t" anchorCtr="0">
             <a:noAutofit/>
           </a:bodyPr>
           <a:lstStyle/>
           <a:p>
-            <a:pPr indent="0" lvl="0" marL="0" rtl="0" algn="l">
+            <a:pPr marL="0" lvl="0" indent="0" algn="l" rtl="0">
               <a:spcBef>
                 <a:spcPts val="0"/>
               </a:spcBef>
@@ -1176,9 +1114,6 @@
               </a:spcAft>
               <a:buNone/>
             </a:pPr>
-            <a:r>
-              <a:t/>
-            </a:r>
             <a:endParaRPr/>
           </a:p>
         </p:txBody>
@@ -1192,11 +1127,11 @@
 </file>
 
 <file path=ppt/notesSlides/notesSlide4.xml><?xml version="1.0" encoding="utf-8"?>
-<p:notes xmlns:a="http://schemas.openxmlformats.org/drawingml/2006/main" xmlns:r="http://schemas.openxmlformats.org/officeDocument/2006/relationships" xmlns:mc="http://schemas.openxmlformats.org/markup-compatibility/2006" xmlns:mv="urn:schemas-microsoft-com:mac:vml" xmlns:p="http://schemas.openxmlformats.org/presentationml/2006/main" xmlns:c="http://schemas.openxmlformats.org/drawingml/2006/chart" xmlns:dgm="http://schemas.openxmlformats.org/drawingml/2006/diagram" xmlns:o="urn:schemas-microsoft-com:office:office" xmlns:v="urn:schemas-microsoft-com:vml" xmlns:pvml="urn:schemas-microsoft-com:office:powerpoint" xmlns:com="http://schemas.openxmlformats.org/drawingml/2006/compatibility" xmlns:p14="http://schemas.microsoft.com/office/powerpoint/2010/main" xmlns:p15="http://schemas.microsoft.com/office/powerpoint/2012/main" xmlns:ahyp="http://schemas.microsoft.com/office/drawing/2018/hyperlinkcolor" showMasterPhAnim="0" showMasterSp="0">
+<p:notes xmlns:a="http://schemas.openxmlformats.org/drawingml/2006/main" xmlns:r="http://schemas.openxmlformats.org/officeDocument/2006/relationships" xmlns:p="http://schemas.openxmlformats.org/presentationml/2006/main" showMasterSp="0" showMasterPhAnim="0">
   <p:cSld>
     <p:spTree>
       <p:nvGrpSpPr>
-        <p:cNvPr id="67" name="Shape 67"/>
+        <p:cNvPr id="1" name="Shape 67"/>
         <p:cNvGrpSpPr/>
         <p:nvPr/>
       </p:nvGrpSpPr>
@@ -1211,9 +1146,11 @@
       <p:sp>
         <p:nvSpPr>
           <p:cNvPr id="68" name="Google Shape;68;g1116db56c8d_0_3:notes"/>
-          <p:cNvSpPr/>
+          <p:cNvSpPr>
+            <a:spLocks noGrp="1" noRot="1" noChangeAspect="1"/>
+          </p:cNvSpPr>
           <p:nvPr>
-            <p:ph idx="2" type="sldImg"/>
+            <p:ph type="sldImg" idx="2"/>
           </p:nvPr>
         </p:nvSpPr>
         <p:spPr>
@@ -1222,9 +1159,13 @@
             <a:ext cx="6096000" cy="3429000"/>
           </a:xfrm>
           <a:custGeom>
-            <a:rect b="b" l="l" r="r" t="t"/>
+            <a:avLst/>
+            <a:gdLst/>
+            <a:ahLst/>
+            <a:cxnLst/>
+            <a:rect l="l" t="t" r="r" b="b"/>
             <a:pathLst>
-              <a:path extrusionOk="0" h="120000" w="120000">
+              <a:path w="120000" h="120000" extrusionOk="0">
                 <a:moveTo>
                   <a:pt x="0" y="0"/>
                 </a:moveTo>
@@ -1246,9 +1187,11 @@
       <p:sp>
         <p:nvSpPr>
           <p:cNvPr id="69" name="Google Shape;69;g1116db56c8d_0_3:notes"/>
-          <p:cNvSpPr txBox="1"/>
+          <p:cNvSpPr txBox="1">
+            <a:spLocks noGrp="1"/>
+          </p:cNvSpPr>
           <p:nvPr>
-            <p:ph idx="1" type="body"/>
+            <p:ph type="body" idx="1"/>
           </p:nvPr>
         </p:nvSpPr>
         <p:spPr>
@@ -1261,12 +1204,12 @@
           </a:prstGeom>
         </p:spPr>
         <p:txBody>
-          <a:bodyPr anchorCtr="0" anchor="t" bIns="91425" lIns="91425" spcFirstLastPara="1" rIns="91425" wrap="square" tIns="91425">
+          <a:bodyPr spcFirstLastPara="1" wrap="square" lIns="91425" tIns="91425" rIns="91425" bIns="91425" anchor="t" anchorCtr="0">
             <a:noAutofit/>
           </a:bodyPr>
           <a:lstStyle/>
           <a:p>
-            <a:pPr indent="0" lvl="0" marL="0" rtl="0" algn="l">
+            <a:pPr marL="0" lvl="0" indent="0" algn="l" rtl="0">
               <a:spcBef>
                 <a:spcPts val="0"/>
               </a:spcBef>
@@ -1275,9 +1218,6 @@
               </a:spcAft>
               <a:buNone/>
             </a:pPr>
-            <a:r>
-              <a:t/>
-            </a:r>
             <a:endParaRPr/>
           </a:p>
         </p:txBody>
@@ -1291,11 +1231,11 @@
 </file>
 
 <file path=ppt/notesSlides/notesSlide5.xml><?xml version="1.0" encoding="utf-8"?>
-<p:notes xmlns:a="http://schemas.openxmlformats.org/drawingml/2006/main" xmlns:r="http://schemas.openxmlformats.org/officeDocument/2006/relationships" xmlns:mc="http://schemas.openxmlformats.org/markup-compatibility/2006" xmlns:mv="urn:schemas-microsoft-com:mac:vml" xmlns:p="http://schemas.openxmlformats.org/presentationml/2006/main" xmlns:c="http://schemas.openxmlformats.org/drawingml/2006/chart" xmlns:dgm="http://schemas.openxmlformats.org/drawingml/2006/diagram" xmlns:o="urn:schemas-microsoft-com:office:office" xmlns:v="urn:schemas-microsoft-com:vml" xmlns:pvml="urn:schemas-microsoft-com:office:powerpoint" xmlns:com="http://schemas.openxmlformats.org/drawingml/2006/compatibility" xmlns:p14="http://schemas.microsoft.com/office/powerpoint/2010/main" xmlns:p15="http://schemas.microsoft.com/office/powerpoint/2012/main" xmlns:ahyp="http://schemas.microsoft.com/office/drawing/2018/hyperlinkcolor" showMasterPhAnim="0" showMasterSp="0">
+<p:notes xmlns:a="http://schemas.openxmlformats.org/drawingml/2006/main" xmlns:r="http://schemas.openxmlformats.org/officeDocument/2006/relationships" xmlns:p="http://schemas.openxmlformats.org/presentationml/2006/main" showMasterSp="0" showMasterPhAnim="0">
   <p:cSld>
     <p:spTree>
       <p:nvGrpSpPr>
-        <p:cNvPr id="75" name="Shape 75"/>
+        <p:cNvPr id="1" name="Shape 75"/>
         <p:cNvGrpSpPr/>
         <p:nvPr/>
       </p:nvGrpSpPr>
@@ -1310,9 +1250,11 @@
       <p:sp>
         <p:nvSpPr>
           <p:cNvPr id="76" name="Google Shape;76;g10f80d30a0d_0_21:notes"/>
-          <p:cNvSpPr/>
+          <p:cNvSpPr>
+            <a:spLocks noGrp="1" noRot="1" noChangeAspect="1"/>
+          </p:cNvSpPr>
           <p:nvPr>
-            <p:ph idx="2" type="sldImg"/>
+            <p:ph type="sldImg" idx="2"/>
           </p:nvPr>
         </p:nvSpPr>
         <p:spPr>
@@ -1321,9 +1263,13 @@
             <a:ext cx="6096000" cy="3429000"/>
           </a:xfrm>
           <a:custGeom>
-            <a:rect b="b" l="l" r="r" t="t"/>
+            <a:avLst/>
+            <a:gdLst/>
+            <a:ahLst/>
+            <a:cxnLst/>
+            <a:rect l="l" t="t" r="r" b="b"/>
             <a:pathLst>
-              <a:path extrusionOk="0" h="120000" w="120000">
+              <a:path w="120000" h="120000" extrusionOk="0">
                 <a:moveTo>
                   <a:pt x="0" y="0"/>
                 </a:moveTo>
@@ -1345,9 +1291,11 @@
       <p:sp>
         <p:nvSpPr>
           <p:cNvPr id="77" name="Google Shape;77;g10f80d30a0d_0_21:notes"/>
-          <p:cNvSpPr txBox="1"/>
+          <p:cNvSpPr txBox="1">
+            <a:spLocks noGrp="1"/>
+          </p:cNvSpPr>
           <p:nvPr>
-            <p:ph idx="1" type="body"/>
+            <p:ph type="body" idx="1"/>
           </p:nvPr>
         </p:nvSpPr>
         <p:spPr>
@@ -1360,12 +1308,12 @@
           </a:prstGeom>
         </p:spPr>
         <p:txBody>
-          <a:bodyPr anchorCtr="0" anchor="t" bIns="91425" lIns="91425" spcFirstLastPara="1" rIns="91425" wrap="square" tIns="91425">
+          <a:bodyPr spcFirstLastPara="1" wrap="square" lIns="91425" tIns="91425" rIns="91425" bIns="91425" anchor="t" anchorCtr="0">
             <a:noAutofit/>
           </a:bodyPr>
           <a:lstStyle/>
           <a:p>
-            <a:pPr indent="0" lvl="0" marL="0" rtl="0" algn="l">
+            <a:pPr marL="0" lvl="0" indent="0" algn="l" rtl="0">
               <a:spcBef>
                 <a:spcPts val="0"/>
               </a:spcBef>
@@ -1374,9 +1322,6 @@
               </a:spcAft>
               <a:buNone/>
             </a:pPr>
-            <a:r>
-              <a:t/>
-            </a:r>
             <a:endParaRPr/>
           </a:p>
         </p:txBody>
@@ -1390,11 +1335,11 @@
 </file>
 
 <file path=ppt/notesSlides/notesSlide6.xml><?xml version="1.0" encoding="utf-8"?>
-<p:notes xmlns:a="http://schemas.openxmlformats.org/drawingml/2006/main" xmlns:r="http://schemas.openxmlformats.org/officeDocument/2006/relationships" xmlns:mc="http://schemas.openxmlformats.org/markup-compatibility/2006" xmlns:mv="urn:schemas-microsoft-com:mac:vml" xmlns:p="http://schemas.openxmlformats.org/presentationml/2006/main" xmlns:c="http://schemas.openxmlformats.org/drawingml/2006/chart" xmlns:dgm="http://schemas.openxmlformats.org/drawingml/2006/diagram" xmlns:o="urn:schemas-microsoft-com:office:office" xmlns:v="urn:schemas-microsoft-com:vml" xmlns:pvml="urn:schemas-microsoft-com:office:powerpoint" xmlns:com="http://schemas.openxmlformats.org/drawingml/2006/compatibility" xmlns:p14="http://schemas.microsoft.com/office/powerpoint/2010/main" xmlns:p15="http://schemas.microsoft.com/office/powerpoint/2012/main" xmlns:ahyp="http://schemas.microsoft.com/office/drawing/2018/hyperlinkcolor" showMasterPhAnim="0" showMasterSp="0">
+<p:notes xmlns:a="http://schemas.openxmlformats.org/drawingml/2006/main" xmlns:r="http://schemas.openxmlformats.org/officeDocument/2006/relationships" xmlns:p="http://schemas.openxmlformats.org/presentationml/2006/main" showMasterSp="0" showMasterPhAnim="0">
   <p:cSld>
     <p:spTree>
       <p:nvGrpSpPr>
-        <p:cNvPr id="82" name="Shape 82"/>
+        <p:cNvPr id="1" name="Shape 82"/>
         <p:cNvGrpSpPr/>
         <p:nvPr/>
       </p:nvGrpSpPr>
@@ -1409,9 +1354,11 @@
       <p:sp>
         <p:nvSpPr>
           <p:cNvPr id="83" name="Google Shape;83;g1116db56c8d_0_31:notes"/>
-          <p:cNvSpPr/>
+          <p:cNvSpPr>
+            <a:spLocks noGrp="1" noRot="1" noChangeAspect="1"/>
+          </p:cNvSpPr>
           <p:nvPr>
-            <p:ph idx="2" type="sldImg"/>
+            <p:ph type="sldImg" idx="2"/>
           </p:nvPr>
         </p:nvSpPr>
         <p:spPr>
@@ -1420,9 +1367,13 @@
             <a:ext cx="6096000" cy="3429000"/>
           </a:xfrm>
           <a:custGeom>
-            <a:rect b="b" l="l" r="r" t="t"/>
+            <a:avLst/>
+            <a:gdLst/>
+            <a:ahLst/>
+            <a:cxnLst/>
+            <a:rect l="l" t="t" r="r" b="b"/>
             <a:pathLst>
-              <a:path extrusionOk="0" h="120000" w="120000">
+              <a:path w="120000" h="120000" extrusionOk="0">
                 <a:moveTo>
                   <a:pt x="0" y="0"/>
                 </a:moveTo>
@@ -1444,9 +1395,11 @@
       <p:sp>
         <p:nvSpPr>
           <p:cNvPr id="84" name="Google Shape;84;g1116db56c8d_0_31:notes"/>
-          <p:cNvSpPr txBox="1"/>
+          <p:cNvSpPr txBox="1">
+            <a:spLocks noGrp="1"/>
+          </p:cNvSpPr>
           <p:nvPr>
-            <p:ph idx="1" type="body"/>
+            <p:ph type="body" idx="1"/>
           </p:nvPr>
         </p:nvSpPr>
         <p:spPr>
@@ -1459,12 +1412,12 @@
           </a:prstGeom>
         </p:spPr>
         <p:txBody>
-          <a:bodyPr anchorCtr="0" anchor="t" bIns="91425" lIns="91425" spcFirstLastPara="1" rIns="91425" wrap="square" tIns="91425">
+          <a:bodyPr spcFirstLastPara="1" wrap="square" lIns="91425" tIns="91425" rIns="91425" bIns="91425" anchor="t" anchorCtr="0">
             <a:noAutofit/>
           </a:bodyPr>
           <a:lstStyle/>
           <a:p>
-            <a:pPr indent="0" lvl="0" marL="0" rtl="0" algn="l">
+            <a:pPr marL="0" lvl="0" indent="0" algn="l" rtl="0">
               <a:spcBef>
                 <a:spcPts val="0"/>
               </a:spcBef>
@@ -1473,9 +1426,6 @@
               </a:spcAft>
               <a:buNone/>
             </a:pPr>
-            <a:r>
-              <a:t/>
-            </a:r>
             <a:endParaRPr/>
           </a:p>
         </p:txBody>
@@ -1489,11 +1439,11 @@
 </file>
 
 <file path=ppt/notesSlides/notesSlide7.xml><?xml version="1.0" encoding="utf-8"?>
-<p:notes xmlns:a="http://schemas.openxmlformats.org/drawingml/2006/main" xmlns:r="http://schemas.openxmlformats.org/officeDocument/2006/relationships" xmlns:mc="http://schemas.openxmlformats.org/markup-compatibility/2006" xmlns:mv="urn:schemas-microsoft-com:mac:vml" xmlns:p="http://schemas.openxmlformats.org/presentationml/2006/main" xmlns:c="http://schemas.openxmlformats.org/drawingml/2006/chart" xmlns:dgm="http://schemas.openxmlformats.org/drawingml/2006/diagram" xmlns:o="urn:schemas-microsoft-com:office:office" xmlns:v="urn:schemas-microsoft-com:vml" xmlns:pvml="urn:schemas-microsoft-com:office:powerpoint" xmlns:com="http://schemas.openxmlformats.org/drawingml/2006/compatibility" xmlns:p14="http://schemas.microsoft.com/office/powerpoint/2010/main" xmlns:p15="http://schemas.microsoft.com/office/powerpoint/2012/main" xmlns:ahyp="http://schemas.microsoft.com/office/drawing/2018/hyperlinkcolor" showMasterPhAnim="0" showMasterSp="0">
+<p:notes xmlns:a="http://schemas.openxmlformats.org/drawingml/2006/main" xmlns:r="http://schemas.openxmlformats.org/officeDocument/2006/relationships" xmlns:p="http://schemas.openxmlformats.org/presentationml/2006/main" showMasterSp="0" showMasterPhAnim="0">
   <p:cSld>
     <p:spTree>
       <p:nvGrpSpPr>
-        <p:cNvPr id="88" name="Shape 88"/>
+        <p:cNvPr id="1" name="Shape 88"/>
         <p:cNvGrpSpPr/>
         <p:nvPr/>
       </p:nvGrpSpPr>
@@ -1508,9 +1458,11 @@
       <p:sp>
         <p:nvSpPr>
           <p:cNvPr id="89" name="Google Shape;89;g1116db56c8d_0_40:notes"/>
-          <p:cNvSpPr/>
+          <p:cNvSpPr>
+            <a:spLocks noGrp="1" noRot="1" noChangeAspect="1"/>
+          </p:cNvSpPr>
           <p:nvPr>
-            <p:ph idx="2" type="sldImg"/>
+            <p:ph type="sldImg" idx="2"/>
           </p:nvPr>
         </p:nvSpPr>
         <p:spPr>
@@ -1519,9 +1471,13 @@
             <a:ext cx="6096000" cy="3429000"/>
           </a:xfrm>
           <a:custGeom>
-            <a:rect b="b" l="l" r="r" t="t"/>
+            <a:avLst/>
+            <a:gdLst/>
+            <a:ahLst/>
+            <a:cxnLst/>
+            <a:rect l="l" t="t" r="r" b="b"/>
             <a:pathLst>
-              <a:path extrusionOk="0" h="120000" w="120000">
+              <a:path w="120000" h="120000" extrusionOk="0">
                 <a:moveTo>
                   <a:pt x="0" y="0"/>
                 </a:moveTo>
@@ -1543,9 +1499,11 @@
       <p:sp>
         <p:nvSpPr>
           <p:cNvPr id="90" name="Google Shape;90;g1116db56c8d_0_40:notes"/>
-          <p:cNvSpPr txBox="1"/>
+          <p:cNvSpPr txBox="1">
+            <a:spLocks noGrp="1"/>
+          </p:cNvSpPr>
           <p:nvPr>
-            <p:ph idx="1" type="body"/>
+            <p:ph type="body" idx="1"/>
           </p:nvPr>
         </p:nvSpPr>
         <p:spPr>
@@ -1558,12 +1516,12 @@
           </a:prstGeom>
         </p:spPr>
         <p:txBody>
-          <a:bodyPr anchorCtr="0" anchor="t" bIns="91425" lIns="91425" spcFirstLastPara="1" rIns="91425" wrap="square" tIns="91425">
+          <a:bodyPr spcFirstLastPara="1" wrap="square" lIns="91425" tIns="91425" rIns="91425" bIns="91425" anchor="t" anchorCtr="0">
             <a:noAutofit/>
           </a:bodyPr>
           <a:lstStyle/>
           <a:p>
-            <a:pPr indent="0" lvl="0" marL="0" rtl="0" algn="l">
+            <a:pPr marL="0" lvl="0" indent="0" algn="l" rtl="0">
               <a:spcBef>
                 <a:spcPts val="0"/>
               </a:spcBef>
@@ -1572,9 +1530,6 @@
               </a:spcAft>
               <a:buNone/>
             </a:pPr>
-            <a:r>
-              <a:t/>
-            </a:r>
             <a:endParaRPr/>
           </a:p>
         </p:txBody>
@@ -1588,11 +1543,11 @@
 </file>
 
 <file path=ppt/notesSlides/notesSlide8.xml><?xml version="1.0" encoding="utf-8"?>
-<p:notes xmlns:a="http://schemas.openxmlformats.org/drawingml/2006/main" xmlns:r="http://schemas.openxmlformats.org/officeDocument/2006/relationships" xmlns:mc="http://schemas.openxmlformats.org/markup-compatibility/2006" xmlns:mv="urn:schemas-microsoft-com:mac:vml" xmlns:p="http://schemas.openxmlformats.org/presentationml/2006/main" xmlns:c="http://schemas.openxmlformats.org/drawingml/2006/chart" xmlns:dgm="http://schemas.openxmlformats.org/drawingml/2006/diagram" xmlns:o="urn:schemas-microsoft-com:office:office" xmlns:v="urn:schemas-microsoft-com:vml" xmlns:pvml="urn:schemas-microsoft-com:office:powerpoint" xmlns:com="http://schemas.openxmlformats.org/drawingml/2006/compatibility" xmlns:p14="http://schemas.microsoft.com/office/powerpoint/2010/main" xmlns:p15="http://schemas.microsoft.com/office/powerpoint/2012/main" xmlns:ahyp="http://schemas.microsoft.com/office/drawing/2018/hyperlinkcolor" showMasterPhAnim="0" showMasterSp="0">
+<p:notes xmlns:a="http://schemas.openxmlformats.org/drawingml/2006/main" xmlns:r="http://schemas.openxmlformats.org/officeDocument/2006/relationships" xmlns:p="http://schemas.openxmlformats.org/presentationml/2006/main" showMasterSp="0" showMasterPhAnim="0">
   <p:cSld>
     <p:spTree>
       <p:nvGrpSpPr>
-        <p:cNvPr id="95" name="Shape 95"/>
+        <p:cNvPr id="1" name="Shape 95"/>
         <p:cNvGrpSpPr/>
         <p:nvPr/>
       </p:nvGrpSpPr>
@@ -1607,9 +1562,11 @@
       <p:sp>
         <p:nvSpPr>
           <p:cNvPr id="96" name="Google Shape;96;g10f80d30a0d_0_78:notes"/>
-          <p:cNvSpPr/>
+          <p:cNvSpPr>
+            <a:spLocks noGrp="1" noRot="1" noChangeAspect="1"/>
+          </p:cNvSpPr>
           <p:nvPr>
-            <p:ph idx="2" type="sldImg"/>
+            <p:ph type="sldImg" idx="2"/>
           </p:nvPr>
         </p:nvSpPr>
         <p:spPr>
@@ -1618,9 +1575,13 @@
             <a:ext cx="6096000" cy="3429000"/>
           </a:xfrm>
           <a:custGeom>
-            <a:rect b="b" l="l" r="r" t="t"/>
+            <a:avLst/>
+            <a:gdLst/>
+            <a:ahLst/>
+            <a:cxnLst/>
+            <a:rect l="l" t="t" r="r" b="b"/>
             <a:pathLst>
-              <a:path extrusionOk="0" h="120000" w="120000">
+              <a:path w="120000" h="120000" extrusionOk="0">
                 <a:moveTo>
                   <a:pt x="0" y="0"/>
                 </a:moveTo>
@@ -1642,9 +1603,11 @@
       <p:sp>
         <p:nvSpPr>
           <p:cNvPr id="97" name="Google Shape;97;g10f80d30a0d_0_78:notes"/>
-          <p:cNvSpPr txBox="1"/>
+          <p:cNvSpPr txBox="1">
+            <a:spLocks noGrp="1"/>
+          </p:cNvSpPr>
           <p:nvPr>
-            <p:ph idx="1" type="body"/>
+            <p:ph type="body" idx="1"/>
           </p:nvPr>
         </p:nvSpPr>
         <p:spPr>
@@ -1657,12 +1620,12 @@
           </a:prstGeom>
         </p:spPr>
         <p:txBody>
-          <a:bodyPr anchorCtr="0" anchor="t" bIns="91425" lIns="91425" spcFirstLastPara="1" rIns="91425" wrap="square" tIns="91425">
+          <a:bodyPr spcFirstLastPara="1" wrap="square" lIns="91425" tIns="91425" rIns="91425" bIns="91425" anchor="t" anchorCtr="0">
             <a:noAutofit/>
           </a:bodyPr>
           <a:lstStyle/>
           <a:p>
-            <a:pPr indent="0" lvl="0" marL="0" rtl="0" algn="l">
+            <a:pPr marL="0" lvl="0" indent="0" algn="l" rtl="0">
               <a:spcBef>
                 <a:spcPts val="0"/>
               </a:spcBef>
@@ -1671,9 +1634,6 @@
               </a:spcAft>
               <a:buNone/>
             </a:pPr>
-            <a:r>
-              <a:t/>
-            </a:r>
             <a:endParaRPr/>
           </a:p>
         </p:txBody>
@@ -1687,11 +1647,11 @@
 </file>
 
 <file path=ppt/notesSlides/notesSlide9.xml><?xml version="1.0" encoding="utf-8"?>
-<p:notes xmlns:a="http://schemas.openxmlformats.org/drawingml/2006/main" xmlns:r="http://schemas.openxmlformats.org/officeDocument/2006/relationships" xmlns:mc="http://schemas.openxmlformats.org/markup-compatibility/2006" xmlns:mv="urn:schemas-microsoft-com:mac:vml" xmlns:p="http://schemas.openxmlformats.org/presentationml/2006/main" xmlns:c="http://schemas.openxmlformats.org/drawingml/2006/chart" xmlns:dgm="http://schemas.openxmlformats.org/drawingml/2006/diagram" xmlns:o="urn:schemas-microsoft-com:office:office" xmlns:v="urn:schemas-microsoft-com:vml" xmlns:pvml="urn:schemas-microsoft-com:office:powerpoint" xmlns:com="http://schemas.openxmlformats.org/drawingml/2006/compatibility" xmlns:p14="http://schemas.microsoft.com/office/powerpoint/2010/main" xmlns:p15="http://schemas.microsoft.com/office/powerpoint/2012/main" xmlns:ahyp="http://schemas.microsoft.com/office/drawing/2018/hyperlinkcolor" showMasterPhAnim="0" showMasterSp="0">
+<p:notes xmlns:a="http://schemas.openxmlformats.org/drawingml/2006/main" xmlns:r="http://schemas.openxmlformats.org/officeDocument/2006/relationships" xmlns:p="http://schemas.openxmlformats.org/presentationml/2006/main" showMasterSp="0" showMasterPhAnim="0">
   <p:cSld>
     <p:spTree>
       <p:nvGrpSpPr>
-        <p:cNvPr id="101" name="Shape 101"/>
+        <p:cNvPr id="1" name="Shape 101"/>
         <p:cNvGrpSpPr/>
         <p:nvPr/>
       </p:nvGrpSpPr>
@@ -1706,20 +1666,26 @@
       <p:sp>
         <p:nvSpPr>
           <p:cNvPr id="102" name="Google Shape;102;g10f80d30a0d_0_61:notes"/>
-          <p:cNvSpPr/>
+          <p:cNvSpPr>
+            <a:spLocks noGrp="1" noRot="1" noChangeAspect="1"/>
+          </p:cNvSpPr>
           <p:nvPr>
-            <p:ph idx="2" type="sldImg"/>
+            <p:ph type="sldImg" idx="2"/>
           </p:nvPr>
         </p:nvSpPr>
         <p:spPr>
           <a:xfrm>
-            <a:off x="381300" y="685800"/>
+            <a:off x="381000" y="685800"/>
             <a:ext cx="6096000" cy="3429000"/>
           </a:xfrm>
           <a:custGeom>
-            <a:rect b="b" l="l" r="r" t="t"/>
+            <a:avLst/>
+            <a:gdLst/>
+            <a:ahLst/>
+            <a:cxnLst/>
+            <a:rect l="l" t="t" r="r" b="b"/>
             <a:pathLst>
-              <a:path extrusionOk="0" h="120000" w="120000">
+              <a:path w="120000" h="120000" extrusionOk="0">
                 <a:moveTo>
                   <a:pt x="0" y="0"/>
                 </a:moveTo>
@@ -1741,9 +1707,11 @@
       <p:sp>
         <p:nvSpPr>
           <p:cNvPr id="103" name="Google Shape;103;g10f80d30a0d_0_61:notes"/>
-          <p:cNvSpPr txBox="1"/>
+          <p:cNvSpPr txBox="1">
+            <a:spLocks noGrp="1"/>
+          </p:cNvSpPr>
           <p:nvPr>
-            <p:ph idx="1" type="body"/>
+            <p:ph type="body" idx="1"/>
           </p:nvPr>
         </p:nvSpPr>
         <p:spPr>
@@ -1756,12 +1724,12 @@
           </a:prstGeom>
         </p:spPr>
         <p:txBody>
-          <a:bodyPr anchorCtr="0" anchor="t" bIns="91425" lIns="91425" spcFirstLastPara="1" rIns="91425" wrap="square" tIns="91425">
+          <a:bodyPr spcFirstLastPara="1" wrap="square" lIns="91425" tIns="91425" rIns="91425" bIns="91425" anchor="t" anchorCtr="0">
             <a:noAutofit/>
           </a:bodyPr>
           <a:lstStyle/>
           <a:p>
-            <a:pPr indent="0" lvl="0" marL="0" rtl="0" algn="l">
+            <a:pPr marL="0" lvl="0" indent="0" algn="l" rtl="0">
               <a:spcBef>
                 <a:spcPts val="0"/>
               </a:spcBef>
@@ -1770,9 +1738,6 @@
               </a:spcAft>
               <a:buNone/>
             </a:pPr>
-            <a:r>
-              <a:t/>
-            </a:r>
             <a:endParaRPr/>
           </a:p>
         </p:txBody>
@@ -1786,11 +1751,11 @@
 </file>
 
 <file path=ppt/slideLayouts/slideLayout1.xml><?xml version="1.0" encoding="utf-8"?>
-<p:sldLayout xmlns:a="http://schemas.openxmlformats.org/drawingml/2006/main" xmlns:r="http://schemas.openxmlformats.org/officeDocument/2006/relationships" xmlns:mc="http://schemas.openxmlformats.org/markup-compatibility/2006" xmlns:mv="urn:schemas-microsoft-com:mac:vml" xmlns:p="http://schemas.openxmlformats.org/presentationml/2006/main" xmlns:c="http://schemas.openxmlformats.org/drawingml/2006/chart" xmlns:dgm="http://schemas.openxmlformats.org/drawingml/2006/diagram" xmlns:o="urn:schemas-microsoft-com:office:office" xmlns:v="urn:schemas-microsoft-com:vml" xmlns:pvml="urn:schemas-microsoft-com:office:powerpoint" xmlns:com="http://schemas.openxmlformats.org/drawingml/2006/compatibility" xmlns:p14="http://schemas.microsoft.com/office/powerpoint/2010/main" xmlns:p15="http://schemas.microsoft.com/office/powerpoint/2012/main" xmlns:ahyp="http://schemas.microsoft.com/office/drawing/2018/hyperlinkcolor" matchingName="Title slide" type="title">
+<p:sldLayout xmlns:a="http://schemas.openxmlformats.org/drawingml/2006/main" xmlns:r="http://schemas.openxmlformats.org/officeDocument/2006/relationships" xmlns:p="http://schemas.openxmlformats.org/presentationml/2006/main" matchingName="Title slide" type="title">
   <p:cSld name="TITLE">
     <p:spTree>
       <p:nvGrpSpPr>
-        <p:cNvPr id="9" name="Shape 9"/>
+        <p:cNvPr id="1" name="Shape 9"/>
         <p:cNvGrpSpPr/>
         <p:nvPr/>
       </p:nvGrpSpPr>
@@ -1805,7 +1770,9 @@
       <p:sp>
         <p:nvSpPr>
           <p:cNvPr id="10" name="Google Shape;10;p2"/>
-          <p:cNvSpPr txBox="1"/>
+          <p:cNvSpPr txBox="1">
+            <a:spLocks noGrp="1"/>
+          </p:cNvSpPr>
           <p:nvPr>
             <p:ph type="ctrTitle"/>
           </p:nvPr>
@@ -1820,7 +1787,7 @@
           </a:prstGeom>
         </p:spPr>
         <p:txBody>
-          <a:bodyPr anchorCtr="0" anchor="b" bIns="91425" lIns="91425" spcFirstLastPara="1" rIns="91425" wrap="square" tIns="91425">
+          <a:bodyPr spcFirstLastPara="1" wrap="square" lIns="91425" tIns="91425" rIns="91425" bIns="91425" anchor="b" anchorCtr="0">
             <a:normAutofit/>
           </a:bodyPr>
           <a:lstStyle>
@@ -1924,15 +1891,19 @@
               <a:defRPr sz="5200"/>
             </a:lvl9pPr>
           </a:lstStyle>
-          <a:p/>
+          <a:p>
+            <a:endParaRPr/>
+          </a:p>
         </p:txBody>
       </p:sp>
       <p:sp>
         <p:nvSpPr>
           <p:cNvPr id="11" name="Google Shape;11;p2"/>
-          <p:cNvSpPr txBox="1"/>
+          <p:cNvSpPr txBox="1">
+            <a:spLocks noGrp="1"/>
+          </p:cNvSpPr>
           <p:nvPr>
-            <p:ph idx="1" type="subTitle"/>
+            <p:ph type="subTitle" idx="1"/>
           </p:nvPr>
         </p:nvSpPr>
         <p:spPr>
@@ -1945,7 +1916,7 @@
           </a:prstGeom>
         </p:spPr>
         <p:txBody>
-          <a:bodyPr anchorCtr="0" anchor="t" bIns="91425" lIns="91425" spcFirstLastPara="1" rIns="91425" wrap="square" tIns="91425">
+          <a:bodyPr spcFirstLastPara="1" wrap="square" lIns="91425" tIns="91425" rIns="91425" bIns="91425" anchor="t" anchorCtr="0">
             <a:normAutofit/>
           </a:bodyPr>
           <a:lstStyle>
@@ -2076,15 +2047,19 @@
               <a:defRPr sz="2800"/>
             </a:lvl9pPr>
           </a:lstStyle>
-          <a:p/>
+          <a:p>
+            <a:endParaRPr/>
+          </a:p>
         </p:txBody>
       </p:sp>
       <p:sp>
         <p:nvSpPr>
           <p:cNvPr id="12" name="Google Shape;12;p2"/>
-          <p:cNvSpPr txBox="1"/>
+          <p:cNvSpPr txBox="1">
+            <a:spLocks noGrp="1"/>
+          </p:cNvSpPr>
           <p:nvPr>
-            <p:ph idx="12" type="sldNum"/>
+            <p:ph type="sldNum" idx="12"/>
           </p:nvPr>
         </p:nvSpPr>
         <p:spPr>
@@ -2097,7 +2072,7 @@
           </a:prstGeom>
         </p:spPr>
         <p:txBody>
-          <a:bodyPr anchorCtr="0" anchor="ctr" bIns="91425" lIns="91425" spcFirstLastPara="1" rIns="91425" wrap="square" tIns="91425">
+          <a:bodyPr spcFirstLastPara="1" wrap="square" lIns="91425" tIns="91425" rIns="91425" bIns="91425" anchor="ctr" anchorCtr="0">
             <a:normAutofit/>
           </a:bodyPr>
           <a:lstStyle>
@@ -2139,7 +2114,7 @@
             </a:lvl9pPr>
           </a:lstStyle>
           <a:p>
-            <a:pPr indent="0" lvl="0" marL="0" rtl="0" algn="r">
+            <a:pPr marL="0" lvl="0" indent="0" algn="r" rtl="0">
               <a:spcBef>
                 <a:spcPts val="0"/>
               </a:spcBef>
@@ -2165,11 +2140,11 @@
 </file>
 
 <file path=ppt/slideLayouts/slideLayout10.xml><?xml version="1.0" encoding="utf-8"?>
-<p:sldLayout xmlns:a="http://schemas.openxmlformats.org/drawingml/2006/main" xmlns:r="http://schemas.openxmlformats.org/officeDocument/2006/relationships" xmlns:mc="http://schemas.openxmlformats.org/markup-compatibility/2006" xmlns:mv="urn:schemas-microsoft-com:mac:vml" xmlns:p="http://schemas.openxmlformats.org/presentationml/2006/main" xmlns:c="http://schemas.openxmlformats.org/drawingml/2006/chart" xmlns:dgm="http://schemas.openxmlformats.org/drawingml/2006/diagram" xmlns:o="urn:schemas-microsoft-com:office:office" xmlns:v="urn:schemas-microsoft-com:vml" xmlns:pvml="urn:schemas-microsoft-com:office:powerpoint" xmlns:com="http://schemas.openxmlformats.org/drawingml/2006/compatibility" xmlns:p14="http://schemas.microsoft.com/office/powerpoint/2010/main" xmlns:p15="http://schemas.microsoft.com/office/powerpoint/2012/main" xmlns:ahyp="http://schemas.microsoft.com/office/drawing/2018/hyperlinkcolor" matchingName="Big number">
+<p:sldLayout xmlns:a="http://schemas.openxmlformats.org/drawingml/2006/main" xmlns:r="http://schemas.openxmlformats.org/officeDocument/2006/relationships" xmlns:p="http://schemas.openxmlformats.org/presentationml/2006/main" matchingName="Big number">
   <p:cSld name="BIG_NUMBER">
     <p:spTree>
       <p:nvGrpSpPr>
-        <p:cNvPr id="44" name="Shape 44"/>
+        <p:cNvPr id="1" name="Shape 44"/>
         <p:cNvGrpSpPr/>
         <p:nvPr/>
       </p:nvGrpSpPr>
@@ -2184,9 +2159,11 @@
       <p:sp>
         <p:nvSpPr>
           <p:cNvPr id="45" name="Google Shape;45;p11"/>
-          <p:cNvSpPr txBox="1"/>
+          <p:cNvSpPr txBox="1">
+            <a:spLocks noGrp="1"/>
+          </p:cNvSpPr>
           <p:nvPr>
-            <p:ph hasCustomPrompt="1" type="title"/>
+            <p:ph type="title" hasCustomPrompt="1"/>
           </p:nvPr>
         </p:nvSpPr>
         <p:spPr>
@@ -2199,7 +2176,7 @@
           </a:prstGeom>
         </p:spPr>
         <p:txBody>
-          <a:bodyPr anchorCtr="0" anchor="b" bIns="91425" lIns="91425" spcFirstLastPara="1" rIns="91425" wrap="square" tIns="91425">
+          <a:bodyPr spcFirstLastPara="1" wrap="square" lIns="91425" tIns="91425" rIns="91425" bIns="91425" anchor="b" anchorCtr="0">
             <a:normAutofit/>
           </a:bodyPr>
           <a:lstStyle>
@@ -2313,9 +2290,11 @@
       <p:sp>
         <p:nvSpPr>
           <p:cNvPr id="46" name="Google Shape;46;p11"/>
-          <p:cNvSpPr txBox="1"/>
+          <p:cNvSpPr txBox="1">
+            <a:spLocks noGrp="1"/>
+          </p:cNvSpPr>
           <p:nvPr>
-            <p:ph idx="1" type="body"/>
+            <p:ph type="body" idx="1"/>
           </p:nvPr>
         </p:nvSpPr>
         <p:spPr>
@@ -2328,11 +2307,11 @@
           </a:prstGeom>
         </p:spPr>
         <p:txBody>
-          <a:bodyPr anchorCtr="0" anchor="t" bIns="91425" lIns="91425" spcFirstLastPara="1" rIns="91425" wrap="square" tIns="91425">
+          <a:bodyPr spcFirstLastPara="1" wrap="square" lIns="91425" tIns="91425" rIns="91425" bIns="91425" anchor="t" anchorCtr="0">
             <a:normAutofit/>
           </a:bodyPr>
           <a:lstStyle>
-            <a:lvl1pPr indent="-342900" lvl="0" marL="457200" algn="ctr">
+            <a:lvl1pPr marL="457200" lvl="0" indent="-342900" algn="ctr">
               <a:spcBef>
                 <a:spcPts val="0"/>
               </a:spcBef>
@@ -2343,7 +2322,7 @@
               <a:buChar char="●"/>
               <a:defRPr/>
             </a:lvl1pPr>
-            <a:lvl2pPr indent="-317500" lvl="1" marL="914400" algn="ctr">
+            <a:lvl2pPr marL="914400" lvl="1" indent="-317500" algn="ctr">
               <a:spcBef>
                 <a:spcPts val="0"/>
               </a:spcBef>
@@ -2354,7 +2333,7 @@
               <a:buChar char="○"/>
               <a:defRPr/>
             </a:lvl2pPr>
-            <a:lvl3pPr indent="-317500" lvl="2" marL="1371600" algn="ctr">
+            <a:lvl3pPr marL="1371600" lvl="2" indent="-317500" algn="ctr">
               <a:spcBef>
                 <a:spcPts val="0"/>
               </a:spcBef>
@@ -2365,7 +2344,7 @@
               <a:buChar char="■"/>
               <a:defRPr/>
             </a:lvl3pPr>
-            <a:lvl4pPr indent="-317500" lvl="3" marL="1828800" algn="ctr">
+            <a:lvl4pPr marL="1828800" lvl="3" indent="-317500" algn="ctr">
               <a:spcBef>
                 <a:spcPts val="0"/>
               </a:spcBef>
@@ -2376,7 +2355,7 @@
               <a:buChar char="●"/>
               <a:defRPr/>
             </a:lvl4pPr>
-            <a:lvl5pPr indent="-317500" lvl="4" marL="2286000" algn="ctr">
+            <a:lvl5pPr marL="2286000" lvl="4" indent="-317500" algn="ctr">
               <a:spcBef>
                 <a:spcPts val="0"/>
               </a:spcBef>
@@ -2387,7 +2366,7 @@
               <a:buChar char="○"/>
               <a:defRPr/>
             </a:lvl5pPr>
-            <a:lvl6pPr indent="-317500" lvl="5" marL="2743200" algn="ctr">
+            <a:lvl6pPr marL="2743200" lvl="5" indent="-317500" algn="ctr">
               <a:spcBef>
                 <a:spcPts val="0"/>
               </a:spcBef>
@@ -2398,7 +2377,7 @@
               <a:buChar char="■"/>
               <a:defRPr/>
             </a:lvl6pPr>
-            <a:lvl7pPr indent="-317500" lvl="6" marL="3200400" algn="ctr">
+            <a:lvl7pPr marL="3200400" lvl="6" indent="-317500" algn="ctr">
               <a:spcBef>
                 <a:spcPts val="0"/>
               </a:spcBef>
@@ -2409,7 +2388,7 @@
               <a:buChar char="●"/>
               <a:defRPr/>
             </a:lvl7pPr>
-            <a:lvl8pPr indent="-317500" lvl="7" marL="3657600" algn="ctr">
+            <a:lvl8pPr marL="3657600" lvl="7" indent="-317500" algn="ctr">
               <a:spcBef>
                 <a:spcPts val="0"/>
               </a:spcBef>
@@ -2420,7 +2399,7 @@
               <a:buChar char="○"/>
               <a:defRPr/>
             </a:lvl8pPr>
-            <a:lvl9pPr indent="-317500" lvl="8" marL="4114800" algn="ctr">
+            <a:lvl9pPr marL="4114800" lvl="8" indent="-317500" algn="ctr">
               <a:spcBef>
                 <a:spcPts val="0"/>
               </a:spcBef>
@@ -2432,15 +2411,19 @@
               <a:defRPr/>
             </a:lvl9pPr>
           </a:lstStyle>
-          <a:p/>
+          <a:p>
+            <a:endParaRPr/>
+          </a:p>
         </p:txBody>
       </p:sp>
       <p:sp>
         <p:nvSpPr>
           <p:cNvPr id="47" name="Google Shape;47;p11"/>
-          <p:cNvSpPr txBox="1"/>
+          <p:cNvSpPr txBox="1">
+            <a:spLocks noGrp="1"/>
+          </p:cNvSpPr>
           <p:nvPr>
-            <p:ph idx="12" type="sldNum"/>
+            <p:ph type="sldNum" idx="12"/>
           </p:nvPr>
         </p:nvSpPr>
         <p:spPr>
@@ -2453,7 +2436,7 @@
           </a:prstGeom>
         </p:spPr>
         <p:txBody>
-          <a:bodyPr anchorCtr="0" anchor="ctr" bIns="91425" lIns="91425" spcFirstLastPara="1" rIns="91425" wrap="square" tIns="91425">
+          <a:bodyPr spcFirstLastPara="1" wrap="square" lIns="91425" tIns="91425" rIns="91425" bIns="91425" anchor="ctr" anchorCtr="0">
             <a:normAutofit/>
           </a:bodyPr>
           <a:lstStyle>
@@ -2495,7 +2478,7 @@
             </a:lvl9pPr>
           </a:lstStyle>
           <a:p>
-            <a:pPr indent="0" lvl="0" marL="0" rtl="0" algn="r">
+            <a:pPr marL="0" lvl="0" indent="0" algn="r" rtl="0">
               <a:spcBef>
                 <a:spcPts val="0"/>
               </a:spcBef>
@@ -2521,11 +2504,11 @@
 </file>
 
 <file path=ppt/slideLayouts/slideLayout11.xml><?xml version="1.0" encoding="utf-8"?>
-<p:sldLayout xmlns:a="http://schemas.openxmlformats.org/drawingml/2006/main" xmlns:r="http://schemas.openxmlformats.org/officeDocument/2006/relationships" xmlns:mc="http://schemas.openxmlformats.org/markup-compatibility/2006" xmlns:mv="urn:schemas-microsoft-com:mac:vml" xmlns:p="http://schemas.openxmlformats.org/presentationml/2006/main" xmlns:c="http://schemas.openxmlformats.org/drawingml/2006/chart" xmlns:dgm="http://schemas.openxmlformats.org/drawingml/2006/diagram" xmlns:o="urn:schemas-microsoft-com:office:office" xmlns:v="urn:schemas-microsoft-com:vml" xmlns:pvml="urn:schemas-microsoft-com:office:powerpoint" xmlns:com="http://schemas.openxmlformats.org/drawingml/2006/compatibility" xmlns:p14="http://schemas.microsoft.com/office/powerpoint/2010/main" xmlns:p15="http://schemas.microsoft.com/office/powerpoint/2012/main" xmlns:ahyp="http://schemas.microsoft.com/office/drawing/2018/hyperlinkcolor" matchingName="Blank" type="blank">
+<p:sldLayout xmlns:a="http://schemas.openxmlformats.org/drawingml/2006/main" xmlns:r="http://schemas.openxmlformats.org/officeDocument/2006/relationships" xmlns:p="http://schemas.openxmlformats.org/presentationml/2006/main" matchingName="Blank" type="blank">
   <p:cSld name="BLANK">
     <p:spTree>
       <p:nvGrpSpPr>
-        <p:cNvPr id="48" name="Shape 48"/>
+        <p:cNvPr id="1" name="Shape 48"/>
         <p:cNvGrpSpPr/>
         <p:nvPr/>
       </p:nvGrpSpPr>
@@ -2540,9 +2523,11 @@
       <p:sp>
         <p:nvSpPr>
           <p:cNvPr id="49" name="Google Shape;49;p12"/>
-          <p:cNvSpPr txBox="1"/>
+          <p:cNvSpPr txBox="1">
+            <a:spLocks noGrp="1"/>
+          </p:cNvSpPr>
           <p:nvPr>
-            <p:ph idx="12" type="sldNum"/>
+            <p:ph type="sldNum" idx="12"/>
           </p:nvPr>
         </p:nvSpPr>
         <p:spPr>
@@ -2555,7 +2540,7 @@
           </a:prstGeom>
         </p:spPr>
         <p:txBody>
-          <a:bodyPr anchorCtr="0" anchor="ctr" bIns="91425" lIns="91425" spcFirstLastPara="1" rIns="91425" wrap="square" tIns="91425">
+          <a:bodyPr spcFirstLastPara="1" wrap="square" lIns="91425" tIns="91425" rIns="91425" bIns="91425" anchor="ctr" anchorCtr="0">
             <a:normAutofit/>
           </a:bodyPr>
           <a:lstStyle>
@@ -2597,7 +2582,7 @@
             </a:lvl9pPr>
           </a:lstStyle>
           <a:p>
-            <a:pPr indent="0" lvl="0" marL="0" rtl="0" algn="r">
+            <a:pPr marL="0" lvl="0" indent="0" algn="r" rtl="0">
               <a:spcBef>
                 <a:spcPts val="0"/>
               </a:spcBef>
@@ -2623,11 +2608,11 @@
 </file>
 
 <file path=ppt/slideLayouts/slideLayout2.xml><?xml version="1.0" encoding="utf-8"?>
-<p:sldLayout xmlns:a="http://schemas.openxmlformats.org/drawingml/2006/main" xmlns:r="http://schemas.openxmlformats.org/officeDocument/2006/relationships" xmlns:mc="http://schemas.openxmlformats.org/markup-compatibility/2006" xmlns:mv="urn:schemas-microsoft-com:mac:vml" xmlns:p="http://schemas.openxmlformats.org/presentationml/2006/main" xmlns:c="http://schemas.openxmlformats.org/drawingml/2006/chart" xmlns:dgm="http://schemas.openxmlformats.org/drawingml/2006/diagram" xmlns:o="urn:schemas-microsoft-com:office:office" xmlns:v="urn:schemas-microsoft-com:vml" xmlns:pvml="urn:schemas-microsoft-com:office:powerpoint" xmlns:com="http://schemas.openxmlformats.org/drawingml/2006/compatibility" xmlns:p14="http://schemas.microsoft.com/office/powerpoint/2010/main" xmlns:p15="http://schemas.microsoft.com/office/powerpoint/2012/main" xmlns:ahyp="http://schemas.microsoft.com/office/drawing/2018/hyperlinkcolor" matchingName="Section header" type="secHead">
+<p:sldLayout xmlns:a="http://schemas.openxmlformats.org/drawingml/2006/main" xmlns:r="http://schemas.openxmlformats.org/officeDocument/2006/relationships" xmlns:p="http://schemas.openxmlformats.org/presentationml/2006/main" matchingName="Section header" type="secHead">
   <p:cSld name="SECTION_HEADER">
     <p:spTree>
       <p:nvGrpSpPr>
-        <p:cNvPr id="13" name="Shape 13"/>
+        <p:cNvPr id="1" name="Shape 13"/>
         <p:cNvGrpSpPr/>
         <p:nvPr/>
       </p:nvGrpSpPr>
@@ -2642,7 +2627,9 @@
       <p:sp>
         <p:nvSpPr>
           <p:cNvPr id="14" name="Google Shape;14;p3"/>
-          <p:cNvSpPr txBox="1"/>
+          <p:cNvSpPr txBox="1">
+            <a:spLocks noGrp="1"/>
+          </p:cNvSpPr>
           <p:nvPr>
             <p:ph type="title"/>
           </p:nvPr>
@@ -2657,7 +2644,7 @@
           </a:prstGeom>
         </p:spPr>
         <p:txBody>
-          <a:bodyPr anchorCtr="0" anchor="ctr" bIns="91425" lIns="91425" spcFirstLastPara="1" rIns="91425" wrap="square" tIns="91425">
+          <a:bodyPr spcFirstLastPara="1" wrap="square" lIns="91425" tIns="91425" rIns="91425" bIns="91425" anchor="ctr" anchorCtr="0">
             <a:normAutofit/>
           </a:bodyPr>
           <a:lstStyle>
@@ -2761,15 +2748,19 @@
               <a:defRPr sz="3600"/>
             </a:lvl9pPr>
           </a:lstStyle>
-          <a:p/>
+          <a:p>
+            <a:endParaRPr/>
+          </a:p>
         </p:txBody>
       </p:sp>
       <p:sp>
         <p:nvSpPr>
           <p:cNvPr id="15" name="Google Shape;15;p3"/>
-          <p:cNvSpPr txBox="1"/>
+          <p:cNvSpPr txBox="1">
+            <a:spLocks noGrp="1"/>
+          </p:cNvSpPr>
           <p:nvPr>
-            <p:ph idx="12" type="sldNum"/>
+            <p:ph type="sldNum" idx="12"/>
           </p:nvPr>
         </p:nvSpPr>
         <p:spPr>
@@ -2782,7 +2773,7 @@
           </a:prstGeom>
         </p:spPr>
         <p:txBody>
-          <a:bodyPr anchorCtr="0" anchor="ctr" bIns="91425" lIns="91425" spcFirstLastPara="1" rIns="91425" wrap="square" tIns="91425">
+          <a:bodyPr spcFirstLastPara="1" wrap="square" lIns="91425" tIns="91425" rIns="91425" bIns="91425" anchor="ctr" anchorCtr="0">
             <a:normAutofit/>
           </a:bodyPr>
           <a:lstStyle>
@@ -2824,7 +2815,7 @@
             </a:lvl9pPr>
           </a:lstStyle>
           <a:p>
-            <a:pPr indent="0" lvl="0" marL="0" rtl="0" algn="r">
+            <a:pPr marL="0" lvl="0" indent="0" algn="r" rtl="0">
               <a:spcBef>
                 <a:spcPts val="0"/>
               </a:spcBef>
@@ -2850,11 +2841,11 @@
 </file>
 
 <file path=ppt/slideLayouts/slideLayout3.xml><?xml version="1.0" encoding="utf-8"?>
-<p:sldLayout xmlns:a="http://schemas.openxmlformats.org/drawingml/2006/main" xmlns:r="http://schemas.openxmlformats.org/officeDocument/2006/relationships" xmlns:mc="http://schemas.openxmlformats.org/markup-compatibility/2006" xmlns:mv="urn:schemas-microsoft-com:mac:vml" xmlns:p="http://schemas.openxmlformats.org/presentationml/2006/main" xmlns:c="http://schemas.openxmlformats.org/drawingml/2006/chart" xmlns:dgm="http://schemas.openxmlformats.org/drawingml/2006/diagram" xmlns:o="urn:schemas-microsoft-com:office:office" xmlns:v="urn:schemas-microsoft-com:vml" xmlns:pvml="urn:schemas-microsoft-com:office:powerpoint" xmlns:com="http://schemas.openxmlformats.org/drawingml/2006/compatibility" xmlns:p14="http://schemas.microsoft.com/office/powerpoint/2010/main" xmlns:p15="http://schemas.microsoft.com/office/powerpoint/2012/main" xmlns:ahyp="http://schemas.microsoft.com/office/drawing/2018/hyperlinkcolor" matchingName="Title and body" type="tx">
+<p:sldLayout xmlns:a="http://schemas.openxmlformats.org/drawingml/2006/main" xmlns:r="http://schemas.openxmlformats.org/officeDocument/2006/relationships" xmlns:p="http://schemas.openxmlformats.org/presentationml/2006/main" matchingName="Title and body" type="tx">
   <p:cSld name="TITLE_AND_BODY">
     <p:spTree>
       <p:nvGrpSpPr>
-        <p:cNvPr id="16" name="Shape 16"/>
+        <p:cNvPr id="1" name="Shape 16"/>
         <p:cNvGrpSpPr/>
         <p:nvPr/>
       </p:nvGrpSpPr>
@@ -2869,7 +2860,9 @@
       <p:sp>
         <p:nvSpPr>
           <p:cNvPr id="17" name="Google Shape;17;p4"/>
-          <p:cNvSpPr txBox="1"/>
+          <p:cNvSpPr txBox="1">
+            <a:spLocks noGrp="1"/>
+          </p:cNvSpPr>
           <p:nvPr>
             <p:ph type="title"/>
           </p:nvPr>
@@ -2884,7 +2877,7 @@
           </a:prstGeom>
         </p:spPr>
         <p:txBody>
-          <a:bodyPr anchorCtr="0" anchor="t" bIns="91425" lIns="91425" spcFirstLastPara="1" rIns="91425" wrap="square" tIns="91425">
+          <a:bodyPr spcFirstLastPara="1" wrap="square" lIns="91425" tIns="91425" rIns="91425" bIns="91425" anchor="t" anchorCtr="0">
             <a:normAutofit/>
           </a:bodyPr>
           <a:lstStyle>
@@ -2988,15 +2981,19 @@
               <a:defRPr/>
             </a:lvl9pPr>
           </a:lstStyle>
-          <a:p/>
+          <a:p>
+            <a:endParaRPr/>
+          </a:p>
         </p:txBody>
       </p:sp>
       <p:sp>
         <p:nvSpPr>
           <p:cNvPr id="18" name="Google Shape;18;p4"/>
-          <p:cNvSpPr txBox="1"/>
+          <p:cNvSpPr txBox="1">
+            <a:spLocks noGrp="1"/>
+          </p:cNvSpPr>
           <p:nvPr>
-            <p:ph idx="1" type="body"/>
+            <p:ph type="body" idx="1"/>
           </p:nvPr>
         </p:nvSpPr>
         <p:spPr>
@@ -3009,11 +3006,11 @@
           </a:prstGeom>
         </p:spPr>
         <p:txBody>
-          <a:bodyPr anchorCtr="0" anchor="t" bIns="91425" lIns="91425" spcFirstLastPara="1" rIns="91425" wrap="square" tIns="91425">
+          <a:bodyPr spcFirstLastPara="1" wrap="square" lIns="91425" tIns="91425" rIns="91425" bIns="91425" anchor="t" anchorCtr="0">
             <a:normAutofit/>
           </a:bodyPr>
           <a:lstStyle>
-            <a:lvl1pPr indent="-342900" lvl="0" marL="457200">
+            <a:lvl1pPr marL="457200" lvl="0" indent="-342900">
               <a:spcBef>
                 <a:spcPts val="0"/>
               </a:spcBef>
@@ -3024,7 +3021,7 @@
               <a:buChar char="●"/>
               <a:defRPr/>
             </a:lvl1pPr>
-            <a:lvl2pPr indent="-317500" lvl="1" marL="914400">
+            <a:lvl2pPr marL="914400" lvl="1" indent="-317500">
               <a:spcBef>
                 <a:spcPts val="0"/>
               </a:spcBef>
@@ -3035,7 +3032,7 @@
               <a:buChar char="○"/>
               <a:defRPr/>
             </a:lvl2pPr>
-            <a:lvl3pPr indent="-317500" lvl="2" marL="1371600">
+            <a:lvl3pPr marL="1371600" lvl="2" indent="-317500">
               <a:spcBef>
                 <a:spcPts val="0"/>
               </a:spcBef>
@@ -3046,7 +3043,7 @@
               <a:buChar char="■"/>
               <a:defRPr/>
             </a:lvl3pPr>
-            <a:lvl4pPr indent="-317500" lvl="3" marL="1828800">
+            <a:lvl4pPr marL="1828800" lvl="3" indent="-317500">
               <a:spcBef>
                 <a:spcPts val="0"/>
               </a:spcBef>
@@ -3057,7 +3054,7 @@
               <a:buChar char="●"/>
               <a:defRPr/>
             </a:lvl4pPr>
-            <a:lvl5pPr indent="-317500" lvl="4" marL="2286000">
+            <a:lvl5pPr marL="2286000" lvl="4" indent="-317500">
               <a:spcBef>
                 <a:spcPts val="0"/>
               </a:spcBef>
@@ -3068,7 +3065,7 @@
               <a:buChar char="○"/>
               <a:defRPr/>
             </a:lvl5pPr>
-            <a:lvl6pPr indent="-317500" lvl="5" marL="2743200">
+            <a:lvl6pPr marL="2743200" lvl="5" indent="-317500">
               <a:spcBef>
                 <a:spcPts val="0"/>
               </a:spcBef>
@@ -3079,7 +3076,7 @@
               <a:buChar char="■"/>
               <a:defRPr/>
             </a:lvl6pPr>
-            <a:lvl7pPr indent="-317500" lvl="6" marL="3200400">
+            <a:lvl7pPr marL="3200400" lvl="6" indent="-317500">
               <a:spcBef>
                 <a:spcPts val="0"/>
               </a:spcBef>
@@ -3090,7 +3087,7 @@
               <a:buChar char="●"/>
               <a:defRPr/>
             </a:lvl7pPr>
-            <a:lvl8pPr indent="-317500" lvl="7" marL="3657600">
+            <a:lvl8pPr marL="3657600" lvl="7" indent="-317500">
               <a:spcBef>
                 <a:spcPts val="0"/>
               </a:spcBef>
@@ -3101,7 +3098,7 @@
               <a:buChar char="○"/>
               <a:defRPr/>
             </a:lvl8pPr>
-            <a:lvl9pPr indent="-317500" lvl="8" marL="4114800">
+            <a:lvl9pPr marL="4114800" lvl="8" indent="-317500">
               <a:spcBef>
                 <a:spcPts val="0"/>
               </a:spcBef>
@@ -3113,15 +3110,19 @@
               <a:defRPr/>
             </a:lvl9pPr>
           </a:lstStyle>
-          <a:p/>
+          <a:p>
+            <a:endParaRPr/>
+          </a:p>
         </p:txBody>
       </p:sp>
       <p:sp>
         <p:nvSpPr>
           <p:cNvPr id="19" name="Google Shape;19;p4"/>
-          <p:cNvSpPr txBox="1"/>
+          <p:cNvSpPr txBox="1">
+            <a:spLocks noGrp="1"/>
+          </p:cNvSpPr>
           <p:nvPr>
-            <p:ph idx="12" type="sldNum"/>
+            <p:ph type="sldNum" idx="12"/>
           </p:nvPr>
         </p:nvSpPr>
         <p:spPr>
@@ -3134,7 +3135,7 @@
           </a:prstGeom>
         </p:spPr>
         <p:txBody>
-          <a:bodyPr anchorCtr="0" anchor="ctr" bIns="91425" lIns="91425" spcFirstLastPara="1" rIns="91425" wrap="square" tIns="91425">
+          <a:bodyPr spcFirstLastPara="1" wrap="square" lIns="91425" tIns="91425" rIns="91425" bIns="91425" anchor="ctr" anchorCtr="0">
             <a:normAutofit/>
           </a:bodyPr>
           <a:lstStyle>
@@ -3176,7 +3177,7 @@
             </a:lvl9pPr>
           </a:lstStyle>
           <a:p>
-            <a:pPr indent="0" lvl="0" marL="0" rtl="0" algn="r">
+            <a:pPr marL="0" lvl="0" indent="0" algn="r" rtl="0">
               <a:spcBef>
                 <a:spcPts val="0"/>
               </a:spcBef>
@@ -3202,11 +3203,11 @@
 </file>
 
 <file path=ppt/slideLayouts/slideLayout4.xml><?xml version="1.0" encoding="utf-8"?>
-<p:sldLayout xmlns:a="http://schemas.openxmlformats.org/drawingml/2006/main" xmlns:r="http://schemas.openxmlformats.org/officeDocument/2006/relationships" xmlns:mc="http://schemas.openxmlformats.org/markup-compatibility/2006" xmlns:mv="urn:schemas-microsoft-com:mac:vml" xmlns:p="http://schemas.openxmlformats.org/presentationml/2006/main" xmlns:c="http://schemas.openxmlformats.org/drawingml/2006/chart" xmlns:dgm="http://schemas.openxmlformats.org/drawingml/2006/diagram" xmlns:o="urn:schemas-microsoft-com:office:office" xmlns:v="urn:schemas-microsoft-com:vml" xmlns:pvml="urn:schemas-microsoft-com:office:powerpoint" xmlns:com="http://schemas.openxmlformats.org/drawingml/2006/compatibility" xmlns:p14="http://schemas.microsoft.com/office/powerpoint/2010/main" xmlns:p15="http://schemas.microsoft.com/office/powerpoint/2012/main" xmlns:ahyp="http://schemas.microsoft.com/office/drawing/2018/hyperlinkcolor" matchingName="Title and two columns" type="twoColTx">
+<p:sldLayout xmlns:a="http://schemas.openxmlformats.org/drawingml/2006/main" xmlns:r="http://schemas.openxmlformats.org/officeDocument/2006/relationships" xmlns:p="http://schemas.openxmlformats.org/presentationml/2006/main" matchingName="Title and two columns" type="twoColTx">
   <p:cSld name="TITLE_AND_TWO_COLUMNS">
     <p:spTree>
       <p:nvGrpSpPr>
-        <p:cNvPr id="20" name="Shape 20"/>
+        <p:cNvPr id="1" name="Shape 20"/>
         <p:cNvGrpSpPr/>
         <p:nvPr/>
       </p:nvGrpSpPr>
@@ -3221,7 +3222,9 @@
       <p:sp>
         <p:nvSpPr>
           <p:cNvPr id="21" name="Google Shape;21;p5"/>
-          <p:cNvSpPr txBox="1"/>
+          <p:cNvSpPr txBox="1">
+            <a:spLocks noGrp="1"/>
+          </p:cNvSpPr>
           <p:nvPr>
             <p:ph type="title"/>
           </p:nvPr>
@@ -3236,7 +3239,7 @@
           </a:prstGeom>
         </p:spPr>
         <p:txBody>
-          <a:bodyPr anchorCtr="0" anchor="t" bIns="91425" lIns="91425" spcFirstLastPara="1" rIns="91425" wrap="square" tIns="91425">
+          <a:bodyPr spcFirstLastPara="1" wrap="square" lIns="91425" tIns="91425" rIns="91425" bIns="91425" anchor="t" anchorCtr="0">
             <a:normAutofit/>
           </a:bodyPr>
           <a:lstStyle>
@@ -3340,15 +3343,19 @@
               <a:defRPr/>
             </a:lvl9pPr>
           </a:lstStyle>
-          <a:p/>
+          <a:p>
+            <a:endParaRPr/>
+          </a:p>
         </p:txBody>
       </p:sp>
       <p:sp>
         <p:nvSpPr>
           <p:cNvPr id="22" name="Google Shape;22;p5"/>
-          <p:cNvSpPr txBox="1"/>
+          <p:cNvSpPr txBox="1">
+            <a:spLocks noGrp="1"/>
+          </p:cNvSpPr>
           <p:nvPr>
-            <p:ph idx="1" type="body"/>
+            <p:ph type="body" idx="1"/>
           </p:nvPr>
         </p:nvSpPr>
         <p:spPr>
@@ -3361,11 +3368,11 @@
           </a:prstGeom>
         </p:spPr>
         <p:txBody>
-          <a:bodyPr anchorCtr="0" anchor="t" bIns="91425" lIns="91425" spcFirstLastPara="1" rIns="91425" wrap="square" tIns="91425">
+          <a:bodyPr spcFirstLastPara="1" wrap="square" lIns="91425" tIns="91425" rIns="91425" bIns="91425" anchor="t" anchorCtr="0">
             <a:normAutofit/>
           </a:bodyPr>
           <a:lstStyle>
-            <a:lvl1pPr indent="-317500" lvl="0" marL="457200">
+            <a:lvl1pPr marL="457200" lvl="0" indent="-317500">
               <a:spcBef>
                 <a:spcPts val="0"/>
               </a:spcBef>
@@ -3376,7 +3383,7 @@
               <a:buChar char="●"/>
               <a:defRPr sz="1400"/>
             </a:lvl1pPr>
-            <a:lvl2pPr indent="-304800" lvl="1" marL="914400">
+            <a:lvl2pPr marL="914400" lvl="1" indent="-304800">
               <a:spcBef>
                 <a:spcPts val="0"/>
               </a:spcBef>
@@ -3387,7 +3394,7 @@
               <a:buChar char="○"/>
               <a:defRPr sz="1200"/>
             </a:lvl2pPr>
-            <a:lvl3pPr indent="-304800" lvl="2" marL="1371600">
+            <a:lvl3pPr marL="1371600" lvl="2" indent="-304800">
               <a:spcBef>
                 <a:spcPts val="0"/>
               </a:spcBef>
@@ -3398,7 +3405,7 @@
               <a:buChar char="■"/>
               <a:defRPr sz="1200"/>
             </a:lvl3pPr>
-            <a:lvl4pPr indent="-304800" lvl="3" marL="1828800">
+            <a:lvl4pPr marL="1828800" lvl="3" indent="-304800">
               <a:spcBef>
                 <a:spcPts val="0"/>
               </a:spcBef>
@@ -3409,7 +3416,7 @@
               <a:buChar char="●"/>
               <a:defRPr sz="1200"/>
             </a:lvl4pPr>
-            <a:lvl5pPr indent="-304800" lvl="4" marL="2286000">
+            <a:lvl5pPr marL="2286000" lvl="4" indent="-304800">
               <a:spcBef>
                 <a:spcPts val="0"/>
               </a:spcBef>
@@ -3420,7 +3427,7 @@
               <a:buChar char="○"/>
               <a:defRPr sz="1200"/>
             </a:lvl5pPr>
-            <a:lvl6pPr indent="-304800" lvl="5" marL="2743200">
+            <a:lvl6pPr marL="2743200" lvl="5" indent="-304800">
               <a:spcBef>
                 <a:spcPts val="0"/>
               </a:spcBef>
@@ -3431,7 +3438,7 @@
               <a:buChar char="■"/>
               <a:defRPr sz="1200"/>
             </a:lvl6pPr>
-            <a:lvl7pPr indent="-304800" lvl="6" marL="3200400">
+            <a:lvl7pPr marL="3200400" lvl="6" indent="-304800">
               <a:spcBef>
                 <a:spcPts val="0"/>
               </a:spcBef>
@@ -3442,7 +3449,7 @@
               <a:buChar char="●"/>
               <a:defRPr sz="1200"/>
             </a:lvl7pPr>
-            <a:lvl8pPr indent="-304800" lvl="7" marL="3657600">
+            <a:lvl8pPr marL="3657600" lvl="7" indent="-304800">
               <a:spcBef>
                 <a:spcPts val="0"/>
               </a:spcBef>
@@ -3453,7 +3460,7 @@
               <a:buChar char="○"/>
               <a:defRPr sz="1200"/>
             </a:lvl8pPr>
-            <a:lvl9pPr indent="-304800" lvl="8" marL="4114800">
+            <a:lvl9pPr marL="4114800" lvl="8" indent="-304800">
               <a:spcBef>
                 <a:spcPts val="0"/>
               </a:spcBef>
@@ -3465,15 +3472,19 @@
               <a:defRPr sz="1200"/>
             </a:lvl9pPr>
           </a:lstStyle>
-          <a:p/>
+          <a:p>
+            <a:endParaRPr/>
+          </a:p>
         </p:txBody>
       </p:sp>
       <p:sp>
         <p:nvSpPr>
           <p:cNvPr id="23" name="Google Shape;23;p5"/>
-          <p:cNvSpPr txBox="1"/>
+          <p:cNvSpPr txBox="1">
+            <a:spLocks noGrp="1"/>
+          </p:cNvSpPr>
           <p:nvPr>
-            <p:ph idx="2" type="body"/>
+            <p:ph type="body" idx="2"/>
           </p:nvPr>
         </p:nvSpPr>
         <p:spPr>
@@ -3486,11 +3497,11 @@
           </a:prstGeom>
         </p:spPr>
         <p:txBody>
-          <a:bodyPr anchorCtr="0" anchor="t" bIns="91425" lIns="91425" spcFirstLastPara="1" rIns="91425" wrap="square" tIns="91425">
+          <a:bodyPr spcFirstLastPara="1" wrap="square" lIns="91425" tIns="91425" rIns="91425" bIns="91425" anchor="t" anchorCtr="0">
             <a:normAutofit/>
           </a:bodyPr>
           <a:lstStyle>
-            <a:lvl1pPr indent="-317500" lvl="0" marL="457200">
+            <a:lvl1pPr marL="457200" lvl="0" indent="-317500">
               <a:spcBef>
                 <a:spcPts val="0"/>
               </a:spcBef>
@@ -3501,7 +3512,7 @@
               <a:buChar char="●"/>
               <a:defRPr sz="1400"/>
             </a:lvl1pPr>
-            <a:lvl2pPr indent="-304800" lvl="1" marL="914400">
+            <a:lvl2pPr marL="914400" lvl="1" indent="-304800">
               <a:spcBef>
                 <a:spcPts val="0"/>
               </a:spcBef>
@@ -3512,7 +3523,7 @@
               <a:buChar char="○"/>
               <a:defRPr sz="1200"/>
             </a:lvl2pPr>
-            <a:lvl3pPr indent="-304800" lvl="2" marL="1371600">
+            <a:lvl3pPr marL="1371600" lvl="2" indent="-304800">
               <a:spcBef>
                 <a:spcPts val="0"/>
               </a:spcBef>
@@ -3523,7 +3534,7 @@
               <a:buChar char="■"/>
               <a:defRPr sz="1200"/>
             </a:lvl3pPr>
-            <a:lvl4pPr indent="-304800" lvl="3" marL="1828800">
+            <a:lvl4pPr marL="1828800" lvl="3" indent="-304800">
               <a:spcBef>
                 <a:spcPts val="0"/>
               </a:spcBef>
@@ -3534,7 +3545,7 @@
               <a:buChar char="●"/>
               <a:defRPr sz="1200"/>
             </a:lvl4pPr>
-            <a:lvl5pPr indent="-304800" lvl="4" marL="2286000">
+            <a:lvl5pPr marL="2286000" lvl="4" indent="-304800">
               <a:spcBef>
                 <a:spcPts val="0"/>
               </a:spcBef>
@@ -3545,7 +3556,7 @@
               <a:buChar char="○"/>
               <a:defRPr sz="1200"/>
             </a:lvl5pPr>
-            <a:lvl6pPr indent="-304800" lvl="5" marL="2743200">
+            <a:lvl6pPr marL="2743200" lvl="5" indent="-304800">
               <a:spcBef>
                 <a:spcPts val="0"/>
               </a:spcBef>
@@ -3556,7 +3567,7 @@
               <a:buChar char="■"/>
               <a:defRPr sz="1200"/>
             </a:lvl6pPr>
-            <a:lvl7pPr indent="-304800" lvl="6" marL="3200400">
+            <a:lvl7pPr marL="3200400" lvl="6" indent="-304800">
               <a:spcBef>
                 <a:spcPts val="0"/>
               </a:spcBef>
@@ -3567,7 +3578,7 @@
               <a:buChar char="●"/>
               <a:defRPr sz="1200"/>
             </a:lvl7pPr>
-            <a:lvl8pPr indent="-304800" lvl="7" marL="3657600">
+            <a:lvl8pPr marL="3657600" lvl="7" indent="-304800">
               <a:spcBef>
                 <a:spcPts val="0"/>
               </a:spcBef>
@@ -3578,7 +3589,7 @@
               <a:buChar char="○"/>
               <a:defRPr sz="1200"/>
             </a:lvl8pPr>
-            <a:lvl9pPr indent="-304800" lvl="8" marL="4114800">
+            <a:lvl9pPr marL="4114800" lvl="8" indent="-304800">
               <a:spcBef>
                 <a:spcPts val="0"/>
               </a:spcBef>
@@ -3590,15 +3601,19 @@
               <a:defRPr sz="1200"/>
             </a:lvl9pPr>
           </a:lstStyle>
-          <a:p/>
+          <a:p>
+            <a:endParaRPr/>
+          </a:p>
         </p:txBody>
       </p:sp>
       <p:sp>
         <p:nvSpPr>
           <p:cNvPr id="24" name="Google Shape;24;p5"/>
-          <p:cNvSpPr txBox="1"/>
+          <p:cNvSpPr txBox="1">
+            <a:spLocks noGrp="1"/>
+          </p:cNvSpPr>
           <p:nvPr>
-            <p:ph idx="12" type="sldNum"/>
+            <p:ph type="sldNum" idx="12"/>
           </p:nvPr>
         </p:nvSpPr>
         <p:spPr>
@@ -3611,7 +3626,7 @@
           </a:prstGeom>
         </p:spPr>
         <p:txBody>
-          <a:bodyPr anchorCtr="0" anchor="ctr" bIns="91425" lIns="91425" spcFirstLastPara="1" rIns="91425" wrap="square" tIns="91425">
+          <a:bodyPr spcFirstLastPara="1" wrap="square" lIns="91425" tIns="91425" rIns="91425" bIns="91425" anchor="ctr" anchorCtr="0">
             <a:normAutofit/>
           </a:bodyPr>
           <a:lstStyle>
@@ -3653,7 +3668,7 @@
             </a:lvl9pPr>
           </a:lstStyle>
           <a:p>
-            <a:pPr indent="0" lvl="0" marL="0" rtl="0" algn="r">
+            <a:pPr marL="0" lvl="0" indent="0" algn="r" rtl="0">
               <a:spcBef>
                 <a:spcPts val="0"/>
               </a:spcBef>
@@ -3679,11 +3694,11 @@
 </file>
 
 <file path=ppt/slideLayouts/slideLayout5.xml><?xml version="1.0" encoding="utf-8"?>
-<p:sldLayout xmlns:a="http://schemas.openxmlformats.org/drawingml/2006/main" xmlns:r="http://schemas.openxmlformats.org/officeDocument/2006/relationships" xmlns:mc="http://schemas.openxmlformats.org/markup-compatibility/2006" xmlns:mv="urn:schemas-microsoft-com:mac:vml" xmlns:p="http://schemas.openxmlformats.org/presentationml/2006/main" xmlns:c="http://schemas.openxmlformats.org/drawingml/2006/chart" xmlns:dgm="http://schemas.openxmlformats.org/drawingml/2006/diagram" xmlns:o="urn:schemas-microsoft-com:office:office" xmlns:v="urn:schemas-microsoft-com:vml" xmlns:pvml="urn:schemas-microsoft-com:office:powerpoint" xmlns:com="http://schemas.openxmlformats.org/drawingml/2006/compatibility" xmlns:p14="http://schemas.microsoft.com/office/powerpoint/2010/main" xmlns:p15="http://schemas.microsoft.com/office/powerpoint/2012/main" xmlns:ahyp="http://schemas.microsoft.com/office/drawing/2018/hyperlinkcolor" matchingName="Title only" type="titleOnly">
+<p:sldLayout xmlns:a="http://schemas.openxmlformats.org/drawingml/2006/main" xmlns:r="http://schemas.openxmlformats.org/officeDocument/2006/relationships" xmlns:p="http://schemas.openxmlformats.org/presentationml/2006/main" matchingName="Title only" type="titleOnly">
   <p:cSld name="TITLE_ONLY">
     <p:spTree>
       <p:nvGrpSpPr>
-        <p:cNvPr id="25" name="Shape 25"/>
+        <p:cNvPr id="1" name="Shape 25"/>
         <p:cNvGrpSpPr/>
         <p:nvPr/>
       </p:nvGrpSpPr>
@@ -3698,7 +3713,9 @@
       <p:sp>
         <p:nvSpPr>
           <p:cNvPr id="26" name="Google Shape;26;p6"/>
-          <p:cNvSpPr txBox="1"/>
+          <p:cNvSpPr txBox="1">
+            <a:spLocks noGrp="1"/>
+          </p:cNvSpPr>
           <p:nvPr>
             <p:ph type="title"/>
           </p:nvPr>
@@ -3713,7 +3730,7 @@
           </a:prstGeom>
         </p:spPr>
         <p:txBody>
-          <a:bodyPr anchorCtr="0" anchor="t" bIns="91425" lIns="91425" spcFirstLastPara="1" rIns="91425" wrap="square" tIns="91425">
+          <a:bodyPr spcFirstLastPara="1" wrap="square" lIns="91425" tIns="91425" rIns="91425" bIns="91425" anchor="t" anchorCtr="0">
             <a:normAutofit/>
           </a:bodyPr>
           <a:lstStyle>
@@ -3817,15 +3834,19 @@
               <a:defRPr/>
             </a:lvl9pPr>
           </a:lstStyle>
-          <a:p/>
+          <a:p>
+            <a:endParaRPr/>
+          </a:p>
         </p:txBody>
       </p:sp>
       <p:sp>
         <p:nvSpPr>
           <p:cNvPr id="27" name="Google Shape;27;p6"/>
-          <p:cNvSpPr txBox="1"/>
+          <p:cNvSpPr txBox="1">
+            <a:spLocks noGrp="1"/>
+          </p:cNvSpPr>
           <p:nvPr>
-            <p:ph idx="12" type="sldNum"/>
+            <p:ph type="sldNum" idx="12"/>
           </p:nvPr>
         </p:nvSpPr>
         <p:spPr>
@@ -3838,7 +3859,7 @@
           </a:prstGeom>
         </p:spPr>
         <p:txBody>
-          <a:bodyPr anchorCtr="0" anchor="ctr" bIns="91425" lIns="91425" spcFirstLastPara="1" rIns="91425" wrap="square" tIns="91425">
+          <a:bodyPr spcFirstLastPara="1" wrap="square" lIns="91425" tIns="91425" rIns="91425" bIns="91425" anchor="ctr" anchorCtr="0">
             <a:normAutofit/>
           </a:bodyPr>
           <a:lstStyle>
@@ -3880,7 +3901,7 @@
             </a:lvl9pPr>
           </a:lstStyle>
           <a:p>
-            <a:pPr indent="0" lvl="0" marL="0" rtl="0" algn="r">
+            <a:pPr marL="0" lvl="0" indent="0" algn="r" rtl="0">
               <a:spcBef>
                 <a:spcPts val="0"/>
               </a:spcBef>
@@ -3906,11 +3927,11 @@
 </file>
 
 <file path=ppt/slideLayouts/slideLayout6.xml><?xml version="1.0" encoding="utf-8"?>
-<p:sldLayout xmlns:a="http://schemas.openxmlformats.org/drawingml/2006/main" xmlns:r="http://schemas.openxmlformats.org/officeDocument/2006/relationships" xmlns:mc="http://schemas.openxmlformats.org/markup-compatibility/2006" xmlns:mv="urn:schemas-microsoft-com:mac:vml" xmlns:p="http://schemas.openxmlformats.org/presentationml/2006/main" xmlns:c="http://schemas.openxmlformats.org/drawingml/2006/chart" xmlns:dgm="http://schemas.openxmlformats.org/drawingml/2006/diagram" xmlns:o="urn:schemas-microsoft-com:office:office" xmlns:v="urn:schemas-microsoft-com:vml" xmlns:pvml="urn:schemas-microsoft-com:office:powerpoint" xmlns:com="http://schemas.openxmlformats.org/drawingml/2006/compatibility" xmlns:p14="http://schemas.microsoft.com/office/powerpoint/2010/main" xmlns:p15="http://schemas.microsoft.com/office/powerpoint/2012/main" xmlns:ahyp="http://schemas.microsoft.com/office/drawing/2018/hyperlinkcolor" matchingName="One column text">
+<p:sldLayout xmlns:a="http://schemas.openxmlformats.org/drawingml/2006/main" xmlns:r="http://schemas.openxmlformats.org/officeDocument/2006/relationships" xmlns:p="http://schemas.openxmlformats.org/presentationml/2006/main" matchingName="One column text">
   <p:cSld name="ONE_COLUMN_TEXT">
     <p:spTree>
       <p:nvGrpSpPr>
-        <p:cNvPr id="28" name="Shape 28"/>
+        <p:cNvPr id="1" name="Shape 28"/>
         <p:cNvGrpSpPr/>
         <p:nvPr/>
       </p:nvGrpSpPr>
@@ -3925,7 +3946,9 @@
       <p:sp>
         <p:nvSpPr>
           <p:cNvPr id="29" name="Google Shape;29;p7"/>
-          <p:cNvSpPr txBox="1"/>
+          <p:cNvSpPr txBox="1">
+            <a:spLocks noGrp="1"/>
+          </p:cNvSpPr>
           <p:nvPr>
             <p:ph type="title"/>
           </p:nvPr>
@@ -3940,7 +3963,7 @@
           </a:prstGeom>
         </p:spPr>
         <p:txBody>
-          <a:bodyPr anchorCtr="0" anchor="b" bIns="91425" lIns="91425" spcFirstLastPara="1" rIns="91425" wrap="square" tIns="91425">
+          <a:bodyPr spcFirstLastPara="1" wrap="square" lIns="91425" tIns="91425" rIns="91425" bIns="91425" anchor="b" anchorCtr="0">
             <a:normAutofit/>
           </a:bodyPr>
           <a:lstStyle>
@@ -4044,15 +4067,19 @@
               <a:defRPr sz="2400"/>
             </a:lvl9pPr>
           </a:lstStyle>
-          <a:p/>
+          <a:p>
+            <a:endParaRPr/>
+          </a:p>
         </p:txBody>
       </p:sp>
       <p:sp>
         <p:nvSpPr>
           <p:cNvPr id="30" name="Google Shape;30;p7"/>
-          <p:cNvSpPr txBox="1"/>
+          <p:cNvSpPr txBox="1">
+            <a:spLocks noGrp="1"/>
+          </p:cNvSpPr>
           <p:nvPr>
-            <p:ph idx="1" type="body"/>
+            <p:ph type="body" idx="1"/>
           </p:nvPr>
         </p:nvSpPr>
         <p:spPr>
@@ -4065,11 +4092,11 @@
           </a:prstGeom>
         </p:spPr>
         <p:txBody>
-          <a:bodyPr anchorCtr="0" anchor="t" bIns="91425" lIns="91425" spcFirstLastPara="1" rIns="91425" wrap="square" tIns="91425">
+          <a:bodyPr spcFirstLastPara="1" wrap="square" lIns="91425" tIns="91425" rIns="91425" bIns="91425" anchor="t" anchorCtr="0">
             <a:normAutofit/>
           </a:bodyPr>
           <a:lstStyle>
-            <a:lvl1pPr indent="-304800" lvl="0" marL="457200">
+            <a:lvl1pPr marL="457200" lvl="0" indent="-304800">
               <a:spcBef>
                 <a:spcPts val="0"/>
               </a:spcBef>
@@ -4080,7 +4107,7 @@
               <a:buChar char="●"/>
               <a:defRPr sz="1200"/>
             </a:lvl1pPr>
-            <a:lvl2pPr indent="-304800" lvl="1" marL="914400">
+            <a:lvl2pPr marL="914400" lvl="1" indent="-304800">
               <a:spcBef>
                 <a:spcPts val="0"/>
               </a:spcBef>
@@ -4091,7 +4118,7 @@
               <a:buChar char="○"/>
               <a:defRPr sz="1200"/>
             </a:lvl2pPr>
-            <a:lvl3pPr indent="-304800" lvl="2" marL="1371600">
+            <a:lvl3pPr marL="1371600" lvl="2" indent="-304800">
               <a:spcBef>
                 <a:spcPts val="0"/>
               </a:spcBef>
@@ -4102,7 +4129,7 @@
               <a:buChar char="■"/>
               <a:defRPr sz="1200"/>
             </a:lvl3pPr>
-            <a:lvl4pPr indent="-304800" lvl="3" marL="1828800">
+            <a:lvl4pPr marL="1828800" lvl="3" indent="-304800">
               <a:spcBef>
                 <a:spcPts val="0"/>
               </a:spcBef>
@@ -4113,7 +4140,7 @@
               <a:buChar char="●"/>
               <a:defRPr sz="1200"/>
             </a:lvl4pPr>
-            <a:lvl5pPr indent="-304800" lvl="4" marL="2286000">
+            <a:lvl5pPr marL="2286000" lvl="4" indent="-304800">
               <a:spcBef>
                 <a:spcPts val="0"/>
               </a:spcBef>
@@ -4124,7 +4151,7 @@
               <a:buChar char="○"/>
               <a:defRPr sz="1200"/>
             </a:lvl5pPr>
-            <a:lvl6pPr indent="-304800" lvl="5" marL="2743200">
+            <a:lvl6pPr marL="2743200" lvl="5" indent="-304800">
               <a:spcBef>
                 <a:spcPts val="0"/>
               </a:spcBef>
@@ -4135,7 +4162,7 @@
               <a:buChar char="■"/>
               <a:defRPr sz="1200"/>
             </a:lvl6pPr>
-            <a:lvl7pPr indent="-304800" lvl="6" marL="3200400">
+            <a:lvl7pPr marL="3200400" lvl="6" indent="-304800">
               <a:spcBef>
                 <a:spcPts val="0"/>
               </a:spcBef>
@@ -4146,7 +4173,7 @@
               <a:buChar char="●"/>
               <a:defRPr sz="1200"/>
             </a:lvl7pPr>
-            <a:lvl8pPr indent="-304800" lvl="7" marL="3657600">
+            <a:lvl8pPr marL="3657600" lvl="7" indent="-304800">
               <a:spcBef>
                 <a:spcPts val="0"/>
               </a:spcBef>
@@ -4157,7 +4184,7 @@
               <a:buChar char="○"/>
               <a:defRPr sz="1200"/>
             </a:lvl8pPr>
-            <a:lvl9pPr indent="-304800" lvl="8" marL="4114800">
+            <a:lvl9pPr marL="4114800" lvl="8" indent="-304800">
               <a:spcBef>
                 <a:spcPts val="0"/>
               </a:spcBef>
@@ -4169,15 +4196,19 @@
               <a:defRPr sz="1200"/>
             </a:lvl9pPr>
           </a:lstStyle>
-          <a:p/>
+          <a:p>
+            <a:endParaRPr/>
+          </a:p>
         </p:txBody>
       </p:sp>
       <p:sp>
         <p:nvSpPr>
           <p:cNvPr id="31" name="Google Shape;31;p7"/>
-          <p:cNvSpPr txBox="1"/>
+          <p:cNvSpPr txBox="1">
+            <a:spLocks noGrp="1"/>
+          </p:cNvSpPr>
           <p:nvPr>
-            <p:ph idx="12" type="sldNum"/>
+            <p:ph type="sldNum" idx="12"/>
           </p:nvPr>
         </p:nvSpPr>
         <p:spPr>
@@ -4190,7 +4221,7 @@
           </a:prstGeom>
         </p:spPr>
         <p:txBody>
-          <a:bodyPr anchorCtr="0" anchor="ctr" bIns="91425" lIns="91425" spcFirstLastPara="1" rIns="91425" wrap="square" tIns="91425">
+          <a:bodyPr spcFirstLastPara="1" wrap="square" lIns="91425" tIns="91425" rIns="91425" bIns="91425" anchor="ctr" anchorCtr="0">
             <a:normAutofit/>
           </a:bodyPr>
           <a:lstStyle>
@@ -4232,7 +4263,7 @@
             </a:lvl9pPr>
           </a:lstStyle>
           <a:p>
-            <a:pPr indent="0" lvl="0" marL="0" rtl="0" algn="r">
+            <a:pPr marL="0" lvl="0" indent="0" algn="r" rtl="0">
               <a:spcBef>
                 <a:spcPts val="0"/>
               </a:spcBef>
@@ -4258,11 +4289,11 @@
 </file>
 
 <file path=ppt/slideLayouts/slideLayout7.xml><?xml version="1.0" encoding="utf-8"?>
-<p:sldLayout xmlns:a="http://schemas.openxmlformats.org/drawingml/2006/main" xmlns:r="http://schemas.openxmlformats.org/officeDocument/2006/relationships" xmlns:mc="http://schemas.openxmlformats.org/markup-compatibility/2006" xmlns:mv="urn:schemas-microsoft-com:mac:vml" xmlns:p="http://schemas.openxmlformats.org/presentationml/2006/main" xmlns:c="http://schemas.openxmlformats.org/drawingml/2006/chart" xmlns:dgm="http://schemas.openxmlformats.org/drawingml/2006/diagram" xmlns:o="urn:schemas-microsoft-com:office:office" xmlns:v="urn:schemas-microsoft-com:vml" xmlns:pvml="urn:schemas-microsoft-com:office:powerpoint" xmlns:com="http://schemas.openxmlformats.org/drawingml/2006/compatibility" xmlns:p14="http://schemas.microsoft.com/office/powerpoint/2010/main" xmlns:p15="http://schemas.microsoft.com/office/powerpoint/2012/main" xmlns:ahyp="http://schemas.microsoft.com/office/drawing/2018/hyperlinkcolor" matchingName="Main point">
+<p:sldLayout xmlns:a="http://schemas.openxmlformats.org/drawingml/2006/main" xmlns:r="http://schemas.openxmlformats.org/officeDocument/2006/relationships" xmlns:p="http://schemas.openxmlformats.org/presentationml/2006/main" matchingName="Main point">
   <p:cSld name="MAIN_POINT">
     <p:spTree>
       <p:nvGrpSpPr>
-        <p:cNvPr id="32" name="Shape 32"/>
+        <p:cNvPr id="1" name="Shape 32"/>
         <p:cNvGrpSpPr/>
         <p:nvPr/>
       </p:nvGrpSpPr>
@@ -4277,7 +4308,9 @@
       <p:sp>
         <p:nvSpPr>
           <p:cNvPr id="33" name="Google Shape;33;p8"/>
-          <p:cNvSpPr txBox="1"/>
+          <p:cNvSpPr txBox="1">
+            <a:spLocks noGrp="1"/>
+          </p:cNvSpPr>
           <p:nvPr>
             <p:ph type="title"/>
           </p:nvPr>
@@ -4292,7 +4325,7 @@
           </a:prstGeom>
         </p:spPr>
         <p:txBody>
-          <a:bodyPr anchorCtr="0" anchor="ctr" bIns="91425" lIns="91425" spcFirstLastPara="1" rIns="91425" wrap="square" tIns="91425">
+          <a:bodyPr spcFirstLastPara="1" wrap="square" lIns="91425" tIns="91425" rIns="91425" bIns="91425" anchor="ctr" anchorCtr="0">
             <a:normAutofit/>
           </a:bodyPr>
           <a:lstStyle>
@@ -4396,15 +4429,19 @@
               <a:defRPr sz="4800"/>
             </a:lvl9pPr>
           </a:lstStyle>
-          <a:p/>
+          <a:p>
+            <a:endParaRPr/>
+          </a:p>
         </p:txBody>
       </p:sp>
       <p:sp>
         <p:nvSpPr>
           <p:cNvPr id="34" name="Google Shape;34;p8"/>
-          <p:cNvSpPr txBox="1"/>
+          <p:cNvSpPr txBox="1">
+            <a:spLocks noGrp="1"/>
+          </p:cNvSpPr>
           <p:nvPr>
-            <p:ph idx="12" type="sldNum"/>
+            <p:ph type="sldNum" idx="12"/>
           </p:nvPr>
         </p:nvSpPr>
         <p:spPr>
@@ -4417,7 +4454,7 @@
           </a:prstGeom>
         </p:spPr>
         <p:txBody>
-          <a:bodyPr anchorCtr="0" anchor="ctr" bIns="91425" lIns="91425" spcFirstLastPara="1" rIns="91425" wrap="square" tIns="91425">
+          <a:bodyPr spcFirstLastPara="1" wrap="square" lIns="91425" tIns="91425" rIns="91425" bIns="91425" anchor="ctr" anchorCtr="0">
             <a:normAutofit/>
           </a:bodyPr>
           <a:lstStyle>
@@ -4459,7 +4496,7 @@
             </a:lvl9pPr>
           </a:lstStyle>
           <a:p>
-            <a:pPr indent="0" lvl="0" marL="0" rtl="0" algn="r">
+            <a:pPr marL="0" lvl="0" indent="0" algn="r" rtl="0">
               <a:spcBef>
                 <a:spcPts val="0"/>
               </a:spcBef>
@@ -4485,11 +4522,11 @@
 </file>
 
 <file path=ppt/slideLayouts/slideLayout8.xml><?xml version="1.0" encoding="utf-8"?>
-<p:sldLayout xmlns:a="http://schemas.openxmlformats.org/drawingml/2006/main" xmlns:r="http://schemas.openxmlformats.org/officeDocument/2006/relationships" xmlns:mc="http://schemas.openxmlformats.org/markup-compatibility/2006" xmlns:mv="urn:schemas-microsoft-com:mac:vml" xmlns:p="http://schemas.openxmlformats.org/presentationml/2006/main" xmlns:c="http://schemas.openxmlformats.org/drawingml/2006/chart" xmlns:dgm="http://schemas.openxmlformats.org/drawingml/2006/diagram" xmlns:o="urn:schemas-microsoft-com:office:office" xmlns:v="urn:schemas-microsoft-com:vml" xmlns:pvml="urn:schemas-microsoft-com:office:powerpoint" xmlns:com="http://schemas.openxmlformats.org/drawingml/2006/compatibility" xmlns:p14="http://schemas.microsoft.com/office/powerpoint/2010/main" xmlns:p15="http://schemas.microsoft.com/office/powerpoint/2012/main" xmlns:ahyp="http://schemas.microsoft.com/office/drawing/2018/hyperlinkcolor" matchingName="Section title and description">
+<p:sldLayout xmlns:a="http://schemas.openxmlformats.org/drawingml/2006/main" xmlns:r="http://schemas.openxmlformats.org/officeDocument/2006/relationships" xmlns:p="http://schemas.openxmlformats.org/presentationml/2006/main" matchingName="Section title and description">
   <p:cSld name="SECTION_TITLE_AND_DESCRIPTION">
     <p:spTree>
       <p:nvGrpSpPr>
-        <p:cNvPr id="35" name="Shape 35"/>
+        <p:cNvPr id="1" name="Shape 35"/>
         <p:cNvGrpSpPr/>
         <p:nvPr/>
       </p:nvGrpSpPr>
@@ -4523,12 +4560,12 @@
           </a:ln>
         </p:spPr>
         <p:txBody>
-          <a:bodyPr anchorCtr="0" anchor="ctr" bIns="91425" lIns="91425" spcFirstLastPara="1" rIns="91425" wrap="square" tIns="91425">
+          <a:bodyPr spcFirstLastPara="1" wrap="square" lIns="91425" tIns="91425" rIns="91425" bIns="91425" anchor="ctr" anchorCtr="0">
             <a:noAutofit/>
           </a:bodyPr>
           <a:lstStyle/>
           <a:p>
-            <a:pPr indent="0" lvl="0" marL="0" rtl="0" algn="l">
+            <a:pPr marL="0" lvl="0" indent="0" algn="l" rtl="0">
               <a:spcBef>
                 <a:spcPts val="0"/>
               </a:spcBef>
@@ -4537,9 +4574,6 @@
               </a:spcAft>
               <a:buNone/>
             </a:pPr>
-            <a:r>
-              <a:t/>
-            </a:r>
             <a:endParaRPr/>
           </a:p>
         </p:txBody>
@@ -4547,7 +4581,9 @@
       <p:sp>
         <p:nvSpPr>
           <p:cNvPr id="37" name="Google Shape;37;p9"/>
-          <p:cNvSpPr txBox="1"/>
+          <p:cNvSpPr txBox="1">
+            <a:spLocks noGrp="1"/>
+          </p:cNvSpPr>
           <p:nvPr>
             <p:ph type="title"/>
           </p:nvPr>
@@ -4562,7 +4598,7 @@
           </a:prstGeom>
         </p:spPr>
         <p:txBody>
-          <a:bodyPr anchorCtr="0" anchor="b" bIns="91425" lIns="91425" spcFirstLastPara="1" rIns="91425" wrap="square" tIns="91425">
+          <a:bodyPr spcFirstLastPara="1" wrap="square" lIns="91425" tIns="91425" rIns="91425" bIns="91425" anchor="b" anchorCtr="0">
             <a:normAutofit/>
           </a:bodyPr>
           <a:lstStyle>
@@ -4666,15 +4702,19 @@
               <a:defRPr sz="4200"/>
             </a:lvl9pPr>
           </a:lstStyle>
-          <a:p/>
+          <a:p>
+            <a:endParaRPr/>
+          </a:p>
         </p:txBody>
       </p:sp>
       <p:sp>
         <p:nvSpPr>
           <p:cNvPr id="38" name="Google Shape;38;p9"/>
-          <p:cNvSpPr txBox="1"/>
+          <p:cNvSpPr txBox="1">
+            <a:spLocks noGrp="1"/>
+          </p:cNvSpPr>
           <p:nvPr>
-            <p:ph idx="1" type="subTitle"/>
+            <p:ph type="subTitle" idx="1"/>
           </p:nvPr>
         </p:nvSpPr>
         <p:spPr>
@@ -4687,7 +4727,7 @@
           </a:prstGeom>
         </p:spPr>
         <p:txBody>
-          <a:bodyPr anchorCtr="0" anchor="t" bIns="91425" lIns="91425" spcFirstLastPara="1" rIns="91425" wrap="square" tIns="91425">
+          <a:bodyPr spcFirstLastPara="1" wrap="square" lIns="91425" tIns="91425" rIns="91425" bIns="91425" anchor="t" anchorCtr="0">
             <a:normAutofit/>
           </a:bodyPr>
           <a:lstStyle>
@@ -4818,15 +4858,19 @@
               <a:defRPr sz="2100"/>
             </a:lvl9pPr>
           </a:lstStyle>
-          <a:p/>
+          <a:p>
+            <a:endParaRPr/>
+          </a:p>
         </p:txBody>
       </p:sp>
       <p:sp>
         <p:nvSpPr>
           <p:cNvPr id="39" name="Google Shape;39;p9"/>
-          <p:cNvSpPr txBox="1"/>
+          <p:cNvSpPr txBox="1">
+            <a:spLocks noGrp="1"/>
+          </p:cNvSpPr>
           <p:nvPr>
-            <p:ph idx="2" type="body"/>
+            <p:ph type="body" idx="2"/>
           </p:nvPr>
         </p:nvSpPr>
         <p:spPr>
@@ -4839,11 +4883,11 @@
           </a:prstGeom>
         </p:spPr>
         <p:txBody>
-          <a:bodyPr anchorCtr="0" anchor="ctr" bIns="91425" lIns="91425" spcFirstLastPara="1" rIns="91425" wrap="square" tIns="91425">
+          <a:bodyPr spcFirstLastPara="1" wrap="square" lIns="91425" tIns="91425" rIns="91425" bIns="91425" anchor="ctr" anchorCtr="0">
             <a:normAutofit/>
           </a:bodyPr>
           <a:lstStyle>
-            <a:lvl1pPr indent="-342900" lvl="0" marL="457200">
+            <a:lvl1pPr marL="457200" lvl="0" indent="-342900">
               <a:spcBef>
                 <a:spcPts val="0"/>
               </a:spcBef>
@@ -4854,7 +4898,7 @@
               <a:buChar char="●"/>
               <a:defRPr/>
             </a:lvl1pPr>
-            <a:lvl2pPr indent="-317500" lvl="1" marL="914400">
+            <a:lvl2pPr marL="914400" lvl="1" indent="-317500">
               <a:spcBef>
                 <a:spcPts val="0"/>
               </a:spcBef>
@@ -4865,7 +4909,7 @@
               <a:buChar char="○"/>
               <a:defRPr/>
             </a:lvl2pPr>
-            <a:lvl3pPr indent="-317500" lvl="2" marL="1371600">
+            <a:lvl3pPr marL="1371600" lvl="2" indent="-317500">
               <a:spcBef>
                 <a:spcPts val="0"/>
               </a:spcBef>
@@ -4876,7 +4920,7 @@
               <a:buChar char="■"/>
               <a:defRPr/>
             </a:lvl3pPr>
-            <a:lvl4pPr indent="-317500" lvl="3" marL="1828800">
+            <a:lvl4pPr marL="1828800" lvl="3" indent="-317500">
               <a:spcBef>
                 <a:spcPts val="0"/>
               </a:spcBef>
@@ -4887,7 +4931,7 @@
               <a:buChar char="●"/>
               <a:defRPr/>
             </a:lvl4pPr>
-            <a:lvl5pPr indent="-317500" lvl="4" marL="2286000">
+            <a:lvl5pPr marL="2286000" lvl="4" indent="-317500">
               <a:spcBef>
                 <a:spcPts val="0"/>
               </a:spcBef>
@@ -4898,7 +4942,7 @@
               <a:buChar char="○"/>
               <a:defRPr/>
             </a:lvl5pPr>
-            <a:lvl6pPr indent="-317500" lvl="5" marL="2743200">
+            <a:lvl6pPr marL="2743200" lvl="5" indent="-317500">
               <a:spcBef>
                 <a:spcPts val="0"/>
               </a:spcBef>
@@ -4909,7 +4953,7 @@
               <a:buChar char="■"/>
               <a:defRPr/>
             </a:lvl6pPr>
-            <a:lvl7pPr indent="-317500" lvl="6" marL="3200400">
+            <a:lvl7pPr marL="3200400" lvl="6" indent="-317500">
               <a:spcBef>
                 <a:spcPts val="0"/>
               </a:spcBef>
@@ -4920,7 +4964,7 @@
               <a:buChar char="●"/>
               <a:defRPr/>
             </a:lvl7pPr>
-            <a:lvl8pPr indent="-317500" lvl="7" marL="3657600">
+            <a:lvl8pPr marL="3657600" lvl="7" indent="-317500">
               <a:spcBef>
                 <a:spcPts val="0"/>
               </a:spcBef>
@@ -4931,7 +4975,7 @@
               <a:buChar char="○"/>
               <a:defRPr/>
             </a:lvl8pPr>
-            <a:lvl9pPr indent="-317500" lvl="8" marL="4114800">
+            <a:lvl9pPr marL="4114800" lvl="8" indent="-317500">
               <a:spcBef>
                 <a:spcPts val="0"/>
               </a:spcBef>
@@ -4943,15 +4987,19 @@
               <a:defRPr/>
             </a:lvl9pPr>
           </a:lstStyle>
-          <a:p/>
+          <a:p>
+            <a:endParaRPr/>
+          </a:p>
         </p:txBody>
       </p:sp>
       <p:sp>
         <p:nvSpPr>
           <p:cNvPr id="40" name="Google Shape;40;p9"/>
-          <p:cNvSpPr txBox="1"/>
+          <p:cNvSpPr txBox="1">
+            <a:spLocks noGrp="1"/>
+          </p:cNvSpPr>
           <p:nvPr>
-            <p:ph idx="12" type="sldNum"/>
+            <p:ph type="sldNum" idx="12"/>
           </p:nvPr>
         </p:nvSpPr>
         <p:spPr>
@@ -4964,7 +5012,7 @@
           </a:prstGeom>
         </p:spPr>
         <p:txBody>
-          <a:bodyPr anchorCtr="0" anchor="ctr" bIns="91425" lIns="91425" spcFirstLastPara="1" rIns="91425" wrap="square" tIns="91425">
+          <a:bodyPr spcFirstLastPara="1" wrap="square" lIns="91425" tIns="91425" rIns="91425" bIns="91425" anchor="ctr" anchorCtr="0">
             <a:normAutofit/>
           </a:bodyPr>
           <a:lstStyle>
@@ -5006,7 +5054,7 @@
             </a:lvl9pPr>
           </a:lstStyle>
           <a:p>
-            <a:pPr indent="0" lvl="0" marL="0" rtl="0" algn="r">
+            <a:pPr marL="0" lvl="0" indent="0" algn="r" rtl="0">
               <a:spcBef>
                 <a:spcPts val="0"/>
               </a:spcBef>
@@ -5032,11 +5080,11 @@
 </file>
 
 <file path=ppt/slideLayouts/slideLayout9.xml><?xml version="1.0" encoding="utf-8"?>
-<p:sldLayout xmlns:a="http://schemas.openxmlformats.org/drawingml/2006/main" xmlns:r="http://schemas.openxmlformats.org/officeDocument/2006/relationships" xmlns:mc="http://schemas.openxmlformats.org/markup-compatibility/2006" xmlns:mv="urn:schemas-microsoft-com:mac:vml" xmlns:p="http://schemas.openxmlformats.org/presentationml/2006/main" xmlns:c="http://schemas.openxmlformats.org/drawingml/2006/chart" xmlns:dgm="http://schemas.openxmlformats.org/drawingml/2006/diagram" xmlns:o="urn:schemas-microsoft-com:office:office" xmlns:v="urn:schemas-microsoft-com:vml" xmlns:pvml="urn:schemas-microsoft-com:office:powerpoint" xmlns:com="http://schemas.openxmlformats.org/drawingml/2006/compatibility" xmlns:p14="http://schemas.microsoft.com/office/powerpoint/2010/main" xmlns:p15="http://schemas.microsoft.com/office/powerpoint/2012/main" xmlns:ahyp="http://schemas.microsoft.com/office/drawing/2018/hyperlinkcolor" matchingName="Caption">
+<p:sldLayout xmlns:a="http://schemas.openxmlformats.org/drawingml/2006/main" xmlns:r="http://schemas.openxmlformats.org/officeDocument/2006/relationships" xmlns:p="http://schemas.openxmlformats.org/presentationml/2006/main" matchingName="Caption">
   <p:cSld name="CAPTION_ONLY">
     <p:spTree>
       <p:nvGrpSpPr>
-        <p:cNvPr id="41" name="Shape 41"/>
+        <p:cNvPr id="1" name="Shape 41"/>
         <p:cNvGrpSpPr/>
         <p:nvPr/>
       </p:nvGrpSpPr>
@@ -5051,9 +5099,11 @@
       <p:sp>
         <p:nvSpPr>
           <p:cNvPr id="42" name="Google Shape;42;p10"/>
-          <p:cNvSpPr txBox="1"/>
+          <p:cNvSpPr txBox="1">
+            <a:spLocks noGrp="1"/>
+          </p:cNvSpPr>
           <p:nvPr>
-            <p:ph idx="1" type="body"/>
+            <p:ph type="body" idx="1"/>
           </p:nvPr>
         </p:nvSpPr>
         <p:spPr>
@@ -5066,11 +5116,11 @@
           </a:prstGeom>
         </p:spPr>
         <p:txBody>
-          <a:bodyPr anchorCtr="0" anchor="ctr" bIns="91425" lIns="91425" spcFirstLastPara="1" rIns="91425" wrap="square" tIns="91425">
+          <a:bodyPr spcFirstLastPara="1" wrap="square" lIns="91425" tIns="91425" rIns="91425" bIns="91425" anchor="ctr" anchorCtr="0">
             <a:normAutofit/>
           </a:bodyPr>
           <a:lstStyle>
-            <a:lvl1pPr indent="-228600" lvl="0" marL="457200">
+            <a:lvl1pPr marL="457200" lvl="0" indent="-228600">
               <a:lnSpc>
                 <a:spcPct val="100000"/>
               </a:lnSpc>
@@ -5085,15 +5135,19 @@
               <a:defRPr/>
             </a:lvl1pPr>
           </a:lstStyle>
-          <a:p/>
+          <a:p>
+            <a:endParaRPr/>
+          </a:p>
         </p:txBody>
       </p:sp>
       <p:sp>
         <p:nvSpPr>
           <p:cNvPr id="43" name="Google Shape;43;p10"/>
-          <p:cNvSpPr txBox="1"/>
+          <p:cNvSpPr txBox="1">
+            <a:spLocks noGrp="1"/>
+          </p:cNvSpPr>
           <p:nvPr>
-            <p:ph idx="12" type="sldNum"/>
+            <p:ph type="sldNum" idx="12"/>
           </p:nvPr>
         </p:nvSpPr>
         <p:spPr>
@@ -5106,7 +5160,7 @@
           </a:prstGeom>
         </p:spPr>
         <p:txBody>
-          <a:bodyPr anchorCtr="0" anchor="ctr" bIns="91425" lIns="91425" spcFirstLastPara="1" rIns="91425" wrap="square" tIns="91425">
+          <a:bodyPr spcFirstLastPara="1" wrap="square" lIns="91425" tIns="91425" rIns="91425" bIns="91425" anchor="ctr" anchorCtr="0">
             <a:normAutofit/>
           </a:bodyPr>
           <a:lstStyle>
@@ -5148,7 +5202,7 @@
             </a:lvl9pPr>
           </a:lstStyle>
           <a:p>
-            <a:pPr indent="0" lvl="0" marL="0" rtl="0" algn="r">
+            <a:pPr marL="0" lvl="0" indent="0" algn="r" rtl="0">
               <a:spcBef>
                 <a:spcPts val="0"/>
               </a:spcBef>
@@ -5174,18 +5228,19 @@
 </file>
 
 <file path=ppt/slideMasters/slideMaster1.xml><?xml version="1.0" encoding="utf-8"?>
-<p:sldMaster xmlns:a="http://schemas.openxmlformats.org/drawingml/2006/main" xmlns:r="http://schemas.openxmlformats.org/officeDocument/2006/relationships" xmlns:mc="http://schemas.openxmlformats.org/markup-compatibility/2006" xmlns:mv="urn:schemas-microsoft-com:mac:vml" xmlns:p="http://schemas.openxmlformats.org/presentationml/2006/main" xmlns:c="http://schemas.openxmlformats.org/drawingml/2006/chart" xmlns:dgm="http://schemas.openxmlformats.org/drawingml/2006/diagram" xmlns:o="urn:schemas-microsoft-com:office:office" xmlns:v="urn:schemas-microsoft-com:vml" xmlns:pvml="urn:schemas-microsoft-com:office:powerpoint" xmlns:com="http://schemas.openxmlformats.org/drawingml/2006/compatibility" xmlns:p14="http://schemas.microsoft.com/office/powerpoint/2010/main" xmlns:p15="http://schemas.microsoft.com/office/powerpoint/2012/main" xmlns:ahyp="http://schemas.microsoft.com/office/drawing/2018/hyperlinkcolor">
+<p:sldMaster xmlns:a="http://schemas.openxmlformats.org/drawingml/2006/main" xmlns:r="http://schemas.openxmlformats.org/officeDocument/2006/relationships" xmlns:p="http://schemas.openxmlformats.org/presentationml/2006/main">
   <p:cSld name="simple-light-2">
     <p:bg>
       <p:bgPr>
         <a:solidFill>
           <a:schemeClr val="lt1"/>
         </a:solidFill>
+        <a:effectLst/>
       </p:bgPr>
     </p:bg>
     <p:spTree>
       <p:nvGrpSpPr>
-        <p:cNvPr id="5" name="Shape 5"/>
+        <p:cNvPr id="1" name="Shape 5"/>
         <p:cNvGrpSpPr/>
         <p:nvPr/>
       </p:nvGrpSpPr>
@@ -5200,7 +5255,9 @@
       <p:sp>
         <p:nvSpPr>
           <p:cNvPr id="6" name="Google Shape;6;p1"/>
-          <p:cNvSpPr txBox="1"/>
+          <p:cNvSpPr txBox="1">
+            <a:spLocks noGrp="1"/>
+          </p:cNvSpPr>
           <p:nvPr>
             <p:ph type="title"/>
           </p:nvPr>
@@ -5219,7 +5276,7 @@
           </a:ln>
         </p:spPr>
         <p:txBody>
-          <a:bodyPr anchorCtr="0" anchor="t" bIns="91425" lIns="91425" spcFirstLastPara="1" rIns="91425" wrap="square" tIns="91425">
+          <a:bodyPr spcFirstLastPara="1" wrap="square" lIns="91425" tIns="91425" rIns="91425" bIns="91425" anchor="t" anchorCtr="0">
             <a:normAutofit/>
           </a:bodyPr>
           <a:lstStyle>
@@ -5386,15 +5443,19 @@
               </a:defRPr>
             </a:lvl9pPr>
           </a:lstStyle>
-          <a:p/>
+          <a:p>
+            <a:endParaRPr/>
+          </a:p>
         </p:txBody>
       </p:sp>
       <p:sp>
         <p:nvSpPr>
           <p:cNvPr id="7" name="Google Shape;7;p1"/>
-          <p:cNvSpPr txBox="1"/>
+          <p:cNvSpPr txBox="1">
+            <a:spLocks noGrp="1"/>
+          </p:cNvSpPr>
           <p:nvPr>
-            <p:ph idx="1" type="body"/>
+            <p:ph type="body" idx="1"/>
           </p:nvPr>
         </p:nvSpPr>
         <p:spPr>
@@ -5411,11 +5472,11 @@
           </a:ln>
         </p:spPr>
         <p:txBody>
-          <a:bodyPr anchorCtr="0" anchor="t" bIns="91425" lIns="91425" spcFirstLastPara="1" rIns="91425" wrap="square" tIns="91425">
+          <a:bodyPr spcFirstLastPara="1" wrap="square" lIns="91425" tIns="91425" rIns="91425" bIns="91425" anchor="t" anchorCtr="0">
             <a:normAutofit/>
           </a:bodyPr>
           <a:lstStyle>
-            <a:lvl1pPr indent="-342900" lvl="0" marL="457200">
+            <a:lvl1pPr marL="457200" lvl="0" indent="-342900">
               <a:lnSpc>
                 <a:spcPct val="115000"/>
               </a:lnSpc>
@@ -5436,7 +5497,7 @@
                 </a:solidFill>
               </a:defRPr>
             </a:lvl1pPr>
-            <a:lvl2pPr indent="-317500" lvl="1" marL="914400">
+            <a:lvl2pPr marL="914400" lvl="1" indent="-317500">
               <a:lnSpc>
                 <a:spcPct val="115000"/>
               </a:lnSpc>
@@ -5457,7 +5518,7 @@
                 </a:solidFill>
               </a:defRPr>
             </a:lvl2pPr>
-            <a:lvl3pPr indent="-317500" lvl="2" marL="1371600">
+            <a:lvl3pPr marL="1371600" lvl="2" indent="-317500">
               <a:lnSpc>
                 <a:spcPct val="115000"/>
               </a:lnSpc>
@@ -5478,7 +5539,7 @@
                 </a:solidFill>
               </a:defRPr>
             </a:lvl3pPr>
-            <a:lvl4pPr indent="-317500" lvl="3" marL="1828800">
+            <a:lvl4pPr marL="1828800" lvl="3" indent="-317500">
               <a:lnSpc>
                 <a:spcPct val="115000"/>
               </a:lnSpc>
@@ -5499,7 +5560,7 @@
                 </a:solidFill>
               </a:defRPr>
             </a:lvl4pPr>
-            <a:lvl5pPr indent="-317500" lvl="4" marL="2286000">
+            <a:lvl5pPr marL="2286000" lvl="4" indent="-317500">
               <a:lnSpc>
                 <a:spcPct val="115000"/>
               </a:lnSpc>
@@ -5520,7 +5581,7 @@
                 </a:solidFill>
               </a:defRPr>
             </a:lvl5pPr>
-            <a:lvl6pPr indent="-317500" lvl="5" marL="2743200">
+            <a:lvl6pPr marL="2743200" lvl="5" indent="-317500">
               <a:lnSpc>
                 <a:spcPct val="115000"/>
               </a:lnSpc>
@@ -5541,7 +5602,7 @@
                 </a:solidFill>
               </a:defRPr>
             </a:lvl6pPr>
-            <a:lvl7pPr indent="-317500" lvl="6" marL="3200400">
+            <a:lvl7pPr marL="3200400" lvl="6" indent="-317500">
               <a:lnSpc>
                 <a:spcPct val="115000"/>
               </a:lnSpc>
@@ -5562,7 +5623,7 @@
                 </a:solidFill>
               </a:defRPr>
             </a:lvl7pPr>
-            <a:lvl8pPr indent="-317500" lvl="7" marL="3657600">
+            <a:lvl8pPr marL="3657600" lvl="7" indent="-317500">
               <a:lnSpc>
                 <a:spcPct val="115000"/>
               </a:lnSpc>
@@ -5583,7 +5644,7 @@
                 </a:solidFill>
               </a:defRPr>
             </a:lvl8pPr>
-            <a:lvl9pPr indent="-317500" lvl="8" marL="4114800">
+            <a:lvl9pPr marL="4114800" lvl="8" indent="-317500">
               <a:lnSpc>
                 <a:spcPct val="115000"/>
               </a:lnSpc>
@@ -5605,15 +5666,19 @@
               </a:defRPr>
             </a:lvl9pPr>
           </a:lstStyle>
-          <a:p/>
+          <a:p>
+            <a:endParaRPr/>
+          </a:p>
         </p:txBody>
       </p:sp>
       <p:sp>
         <p:nvSpPr>
           <p:cNvPr id="8" name="Google Shape;8;p1"/>
-          <p:cNvSpPr txBox="1"/>
+          <p:cNvSpPr txBox="1">
+            <a:spLocks noGrp="1"/>
+          </p:cNvSpPr>
           <p:nvPr>
-            <p:ph idx="12" type="sldNum"/>
+            <p:ph type="sldNum" idx="12"/>
           </p:nvPr>
         </p:nvSpPr>
         <p:spPr>
@@ -5630,7 +5695,7 @@
           </a:ln>
         </p:spPr>
         <p:txBody>
-          <a:bodyPr anchorCtr="0" anchor="ctr" bIns="91425" lIns="91425" spcFirstLastPara="1" rIns="91425" wrap="square" tIns="91425">
+          <a:bodyPr spcFirstLastPara="1" wrap="square" lIns="91425" tIns="91425" rIns="91425" bIns="91425" anchor="ctr" anchorCtr="0">
             <a:normAutofit/>
           </a:bodyPr>
           <a:lstStyle>
@@ -5708,7 +5773,7 @@
             </a:lvl9pPr>
           </a:lstStyle>
           <a:p>
-            <a:pPr indent="0" lvl="0" marL="0" rtl="0" algn="r">
+            <a:pPr marL="0" lvl="0" indent="0" algn="r" rtl="0">
               <a:spcBef>
                 <a:spcPts val="0"/>
               </a:spcBef>
@@ -5727,7 +5792,7 @@
       </p:sp>
     </p:spTree>
   </p:cSld>
-  <p:clrMap accent1="accent1" accent2="accent2" accent3="accent3" accent4="accent4" accent5="accent5" accent6="accent6" bg1="lt1" bg2="dk2" tx1="dk1" tx2="lt2" folHlink="folHlink" hlink="hlink"/>
+  <p:clrMap bg1="lt1" tx1="dk1" bg2="dk2" tx2="lt2" accent1="accent1" accent2="accent2" accent3="accent3" accent4="accent4" accent5="accent5" accent6="accent6" hlink="hlink" folHlink="folHlink"/>
   <p:sldLayoutIdLst>
     <p:sldLayoutId id="2147483648" r:id="rId1"/>
     <p:sldLayoutId id="2147483649" r:id="rId2"/>
@@ -5741,10 +5806,10 @@
     <p:sldLayoutId id="2147483657" r:id="rId10"/>
     <p:sldLayoutId id="2147483658" r:id="rId11"/>
   </p:sldLayoutIdLst>
-  <p:hf dt="0" ftr="0" hdr="0" sldNum="0"/>
+  <p:hf sldNum="0" hdr="0" ftr="0" dt="0"/>
   <p:txStyles>
     <p:titleStyle>
-      <a:defPPr lvl="0" marR="0" rtl="0" algn="l">
+      <a:defPPr marR="0" lvl="0" algn="l" rtl="0">
         <a:lnSpc>
           <a:spcPct val="100000"/>
         </a:lnSpc>
@@ -5755,7 +5820,7 @@
           <a:spcPts val="0"/>
         </a:spcAft>
       </a:defPPr>
-      <a:lvl1pPr lvl="0" marR="0" rtl="0" algn="l">
+      <a:lvl1pPr marR="0" lvl="0" algn="l" rtl="0">
         <a:lnSpc>
           <a:spcPct val="100000"/>
         </a:lnSpc>
@@ -5769,7 +5834,7 @@
           <a:srgbClr val="000000"/>
         </a:buClr>
         <a:buFont typeface="Arial"/>
-        <a:defRPr b="0" i="0" sz="1400" u="none" cap="none" strike="noStrike">
+        <a:defRPr sz="1400" b="0" i="0" u="none" strike="noStrike" cap="none">
           <a:solidFill>
             <a:srgbClr val="000000"/>
           </a:solidFill>
@@ -5779,7 +5844,7 @@
           <a:sym typeface="Arial"/>
         </a:defRPr>
       </a:lvl1pPr>
-      <a:lvl2pPr lvl="1" marR="0" rtl="0" algn="l">
+      <a:lvl2pPr marR="0" lvl="1" algn="l" rtl="0">
         <a:lnSpc>
           <a:spcPct val="100000"/>
         </a:lnSpc>
@@ -5793,7 +5858,7 @@
           <a:srgbClr val="000000"/>
         </a:buClr>
         <a:buFont typeface="Arial"/>
-        <a:defRPr b="0" i="0" sz="1400" u="none" cap="none" strike="noStrike">
+        <a:defRPr sz="1400" b="0" i="0" u="none" strike="noStrike" cap="none">
           <a:solidFill>
             <a:srgbClr val="000000"/>
           </a:solidFill>
@@ -5803,7 +5868,7 @@
           <a:sym typeface="Arial"/>
         </a:defRPr>
       </a:lvl2pPr>
-      <a:lvl3pPr lvl="2" marR="0" rtl="0" algn="l">
+      <a:lvl3pPr marR="0" lvl="2" algn="l" rtl="0">
         <a:lnSpc>
           <a:spcPct val="100000"/>
         </a:lnSpc>
@@ -5817,7 +5882,7 @@
           <a:srgbClr val="000000"/>
         </a:buClr>
         <a:buFont typeface="Arial"/>
-        <a:defRPr b="0" i="0" sz="1400" u="none" cap="none" strike="noStrike">
+        <a:defRPr sz="1400" b="0" i="0" u="none" strike="noStrike" cap="none">
           <a:solidFill>
             <a:srgbClr val="000000"/>
           </a:solidFill>
@@ -5827,7 +5892,7 @@
           <a:sym typeface="Arial"/>
         </a:defRPr>
       </a:lvl3pPr>
-      <a:lvl4pPr lvl="3" marR="0" rtl="0" algn="l">
+      <a:lvl4pPr marR="0" lvl="3" algn="l" rtl="0">
         <a:lnSpc>
           <a:spcPct val="100000"/>
         </a:lnSpc>
@@ -5841,7 +5906,7 @@
           <a:srgbClr val="000000"/>
         </a:buClr>
         <a:buFont typeface="Arial"/>
-        <a:defRPr b="0" i="0" sz="1400" u="none" cap="none" strike="noStrike">
+        <a:defRPr sz="1400" b="0" i="0" u="none" strike="noStrike" cap="none">
           <a:solidFill>
             <a:srgbClr val="000000"/>
           </a:solidFill>
@@ -5851,7 +5916,7 @@
           <a:sym typeface="Arial"/>
         </a:defRPr>
       </a:lvl4pPr>
-      <a:lvl5pPr lvl="4" marR="0" rtl="0" algn="l">
+      <a:lvl5pPr marR="0" lvl="4" algn="l" rtl="0">
         <a:lnSpc>
           <a:spcPct val="100000"/>
         </a:lnSpc>
@@ -5865,7 +5930,7 @@
           <a:srgbClr val="000000"/>
         </a:buClr>
         <a:buFont typeface="Arial"/>
-        <a:defRPr b="0" i="0" sz="1400" u="none" cap="none" strike="noStrike">
+        <a:defRPr sz="1400" b="0" i="0" u="none" strike="noStrike" cap="none">
           <a:solidFill>
             <a:srgbClr val="000000"/>
           </a:solidFill>
@@ -5875,7 +5940,7 @@
           <a:sym typeface="Arial"/>
         </a:defRPr>
       </a:lvl5pPr>
-      <a:lvl6pPr lvl="5" marR="0" rtl="0" algn="l">
+      <a:lvl6pPr marR="0" lvl="5" algn="l" rtl="0">
         <a:lnSpc>
           <a:spcPct val="100000"/>
         </a:lnSpc>
@@ -5889,7 +5954,7 @@
           <a:srgbClr val="000000"/>
         </a:buClr>
         <a:buFont typeface="Arial"/>
-        <a:defRPr b="0" i="0" sz="1400" u="none" cap="none" strike="noStrike">
+        <a:defRPr sz="1400" b="0" i="0" u="none" strike="noStrike" cap="none">
           <a:solidFill>
             <a:srgbClr val="000000"/>
           </a:solidFill>
@@ -5899,7 +5964,7 @@
           <a:sym typeface="Arial"/>
         </a:defRPr>
       </a:lvl6pPr>
-      <a:lvl7pPr lvl="6" marR="0" rtl="0" algn="l">
+      <a:lvl7pPr marR="0" lvl="6" algn="l" rtl="0">
         <a:lnSpc>
           <a:spcPct val="100000"/>
         </a:lnSpc>
@@ -5913,7 +5978,7 @@
           <a:srgbClr val="000000"/>
         </a:buClr>
         <a:buFont typeface="Arial"/>
-        <a:defRPr b="0" i="0" sz="1400" u="none" cap="none" strike="noStrike">
+        <a:defRPr sz="1400" b="0" i="0" u="none" strike="noStrike" cap="none">
           <a:solidFill>
             <a:srgbClr val="000000"/>
           </a:solidFill>
@@ -5923,7 +5988,7 @@
           <a:sym typeface="Arial"/>
         </a:defRPr>
       </a:lvl7pPr>
-      <a:lvl8pPr lvl="7" marR="0" rtl="0" algn="l">
+      <a:lvl8pPr marR="0" lvl="7" algn="l" rtl="0">
         <a:lnSpc>
           <a:spcPct val="100000"/>
         </a:lnSpc>
@@ -5937,7 +6002,7 @@
           <a:srgbClr val="000000"/>
         </a:buClr>
         <a:buFont typeface="Arial"/>
-        <a:defRPr b="0" i="0" sz="1400" u="none" cap="none" strike="noStrike">
+        <a:defRPr sz="1400" b="0" i="0" u="none" strike="noStrike" cap="none">
           <a:solidFill>
             <a:srgbClr val="000000"/>
           </a:solidFill>
@@ -5947,7 +6012,7 @@
           <a:sym typeface="Arial"/>
         </a:defRPr>
       </a:lvl8pPr>
-      <a:lvl9pPr lvl="8" marR="0" rtl="0" algn="l">
+      <a:lvl9pPr marR="0" lvl="8" algn="l" rtl="0">
         <a:lnSpc>
           <a:spcPct val="100000"/>
         </a:lnSpc>
@@ -5961,7 +6026,7 @@
           <a:srgbClr val="000000"/>
         </a:buClr>
         <a:buFont typeface="Arial"/>
-        <a:defRPr b="0" i="0" sz="1400" u="none" cap="none" strike="noStrike">
+        <a:defRPr sz="1400" b="0" i="0" u="none" strike="noStrike" cap="none">
           <a:solidFill>
             <a:srgbClr val="000000"/>
           </a:solidFill>
@@ -5973,7 +6038,7 @@
       </a:lvl9pPr>
     </p:titleStyle>
     <p:bodyStyle>
-      <a:defPPr lvl="0" marR="0" rtl="0" algn="l">
+      <a:defPPr marR="0" lvl="0" algn="l" rtl="0">
         <a:lnSpc>
           <a:spcPct val="100000"/>
         </a:lnSpc>
@@ -5984,7 +6049,7 @@
           <a:spcPts val="0"/>
         </a:spcAft>
       </a:defPPr>
-      <a:lvl1pPr lvl="0" marR="0" rtl="0" algn="l">
+      <a:lvl1pPr marR="0" lvl="0" algn="l" rtl="0">
         <a:lnSpc>
           <a:spcPct val="100000"/>
         </a:lnSpc>
@@ -5998,7 +6063,7 @@
           <a:srgbClr val="000000"/>
         </a:buClr>
         <a:buFont typeface="Arial"/>
-        <a:defRPr b="0" i="0" sz="1400" u="none" cap="none" strike="noStrike">
+        <a:defRPr sz="1400" b="0" i="0" u="none" strike="noStrike" cap="none">
           <a:solidFill>
             <a:srgbClr val="000000"/>
           </a:solidFill>
@@ -6008,7 +6073,7 @@
           <a:sym typeface="Arial"/>
         </a:defRPr>
       </a:lvl1pPr>
-      <a:lvl2pPr lvl="1" marR="0" rtl="0" algn="l">
+      <a:lvl2pPr marR="0" lvl="1" algn="l" rtl="0">
         <a:lnSpc>
           <a:spcPct val="100000"/>
         </a:lnSpc>
@@ -6022,7 +6087,7 @@
           <a:srgbClr val="000000"/>
         </a:buClr>
         <a:buFont typeface="Arial"/>
-        <a:defRPr b="0" i="0" sz="1400" u="none" cap="none" strike="noStrike">
+        <a:defRPr sz="1400" b="0" i="0" u="none" strike="noStrike" cap="none">
           <a:solidFill>
             <a:srgbClr val="000000"/>
           </a:solidFill>
@@ -6032,7 +6097,7 @@
           <a:sym typeface="Arial"/>
         </a:defRPr>
       </a:lvl2pPr>
-      <a:lvl3pPr lvl="2" marR="0" rtl="0" algn="l">
+      <a:lvl3pPr marR="0" lvl="2" algn="l" rtl="0">
         <a:lnSpc>
           <a:spcPct val="100000"/>
         </a:lnSpc>
@@ -6046,7 +6111,7 @@
           <a:srgbClr val="000000"/>
         </a:buClr>
         <a:buFont typeface="Arial"/>
-        <a:defRPr b="0" i="0" sz="1400" u="none" cap="none" strike="noStrike">
+        <a:defRPr sz="1400" b="0" i="0" u="none" strike="noStrike" cap="none">
           <a:solidFill>
             <a:srgbClr val="000000"/>
           </a:solidFill>
@@ -6056,7 +6121,7 @@
           <a:sym typeface="Arial"/>
         </a:defRPr>
       </a:lvl3pPr>
-      <a:lvl4pPr lvl="3" marR="0" rtl="0" algn="l">
+      <a:lvl4pPr marR="0" lvl="3" algn="l" rtl="0">
         <a:lnSpc>
           <a:spcPct val="100000"/>
         </a:lnSpc>
@@ -6070,7 +6135,7 @@
           <a:srgbClr val="000000"/>
         </a:buClr>
         <a:buFont typeface="Arial"/>
-        <a:defRPr b="0" i="0" sz="1400" u="none" cap="none" strike="noStrike">
+        <a:defRPr sz="1400" b="0" i="0" u="none" strike="noStrike" cap="none">
           <a:solidFill>
             <a:srgbClr val="000000"/>
           </a:solidFill>
@@ -6080,7 +6145,7 @@
           <a:sym typeface="Arial"/>
         </a:defRPr>
       </a:lvl4pPr>
-      <a:lvl5pPr lvl="4" marR="0" rtl="0" algn="l">
+      <a:lvl5pPr marR="0" lvl="4" algn="l" rtl="0">
         <a:lnSpc>
           <a:spcPct val="100000"/>
         </a:lnSpc>
@@ -6094,7 +6159,7 @@
           <a:srgbClr val="000000"/>
         </a:buClr>
         <a:buFont typeface="Arial"/>
-        <a:defRPr b="0" i="0" sz="1400" u="none" cap="none" strike="noStrike">
+        <a:defRPr sz="1400" b="0" i="0" u="none" strike="noStrike" cap="none">
           <a:solidFill>
             <a:srgbClr val="000000"/>
           </a:solidFill>
@@ -6104,7 +6169,7 @@
           <a:sym typeface="Arial"/>
         </a:defRPr>
       </a:lvl5pPr>
-      <a:lvl6pPr lvl="5" marR="0" rtl="0" algn="l">
+      <a:lvl6pPr marR="0" lvl="5" algn="l" rtl="0">
         <a:lnSpc>
           <a:spcPct val="100000"/>
         </a:lnSpc>
@@ -6118,7 +6183,7 @@
           <a:srgbClr val="000000"/>
         </a:buClr>
         <a:buFont typeface="Arial"/>
-        <a:defRPr b="0" i="0" sz="1400" u="none" cap="none" strike="noStrike">
+        <a:defRPr sz="1400" b="0" i="0" u="none" strike="noStrike" cap="none">
           <a:solidFill>
             <a:srgbClr val="000000"/>
           </a:solidFill>
@@ -6128,7 +6193,7 @@
           <a:sym typeface="Arial"/>
         </a:defRPr>
       </a:lvl6pPr>
-      <a:lvl7pPr lvl="6" marR="0" rtl="0" algn="l">
+      <a:lvl7pPr marR="0" lvl="6" algn="l" rtl="0">
         <a:lnSpc>
           <a:spcPct val="100000"/>
         </a:lnSpc>
@@ -6142,7 +6207,7 @@
           <a:srgbClr val="000000"/>
         </a:buClr>
         <a:buFont typeface="Arial"/>
-        <a:defRPr b="0" i="0" sz="1400" u="none" cap="none" strike="noStrike">
+        <a:defRPr sz="1400" b="0" i="0" u="none" strike="noStrike" cap="none">
           <a:solidFill>
             <a:srgbClr val="000000"/>
           </a:solidFill>
@@ -6152,7 +6217,7 @@
           <a:sym typeface="Arial"/>
         </a:defRPr>
       </a:lvl7pPr>
-      <a:lvl8pPr lvl="7" marR="0" rtl="0" algn="l">
+      <a:lvl8pPr marR="0" lvl="7" algn="l" rtl="0">
         <a:lnSpc>
           <a:spcPct val="100000"/>
         </a:lnSpc>
@@ -6166,7 +6231,7 @@
           <a:srgbClr val="000000"/>
         </a:buClr>
         <a:buFont typeface="Arial"/>
-        <a:defRPr b="0" i="0" sz="1400" u="none" cap="none" strike="noStrike">
+        <a:defRPr sz="1400" b="0" i="0" u="none" strike="noStrike" cap="none">
           <a:solidFill>
             <a:srgbClr val="000000"/>
           </a:solidFill>
@@ -6176,7 +6241,7 @@
           <a:sym typeface="Arial"/>
         </a:defRPr>
       </a:lvl8pPr>
-      <a:lvl9pPr lvl="8" marR="0" rtl="0" algn="l">
+      <a:lvl9pPr marR="0" lvl="8" algn="l" rtl="0">
         <a:lnSpc>
           <a:spcPct val="100000"/>
         </a:lnSpc>
@@ -6190,7 +6255,7 @@
           <a:srgbClr val="000000"/>
         </a:buClr>
         <a:buFont typeface="Arial"/>
-        <a:defRPr b="0" i="0" sz="1400" u="none" cap="none" strike="noStrike">
+        <a:defRPr sz="1400" b="0" i="0" u="none" strike="noStrike" cap="none">
           <a:solidFill>
             <a:srgbClr val="000000"/>
           </a:solidFill>
@@ -6202,7 +6267,7 @@
       </a:lvl9pPr>
     </p:bodyStyle>
     <p:otherStyle>
-      <a:defPPr lvl="0" marR="0" rtl="0" algn="l">
+      <a:defPPr marR="0" lvl="0" algn="l" rtl="0">
         <a:lnSpc>
           <a:spcPct val="100000"/>
         </a:lnSpc>
@@ -6213,7 +6278,7 @@
           <a:spcPts val="0"/>
         </a:spcAft>
       </a:defPPr>
-      <a:lvl1pPr lvl="0" marR="0" rtl="0" algn="l">
+      <a:lvl1pPr marR="0" lvl="0" algn="l" rtl="0">
         <a:lnSpc>
           <a:spcPct val="100000"/>
         </a:lnSpc>
@@ -6227,7 +6292,7 @@
           <a:srgbClr val="000000"/>
         </a:buClr>
         <a:buFont typeface="Arial"/>
-        <a:defRPr b="0" i="0" sz="1400" u="none" cap="none" strike="noStrike">
+        <a:defRPr sz="1400" b="0" i="0" u="none" strike="noStrike" cap="none">
           <a:solidFill>
             <a:srgbClr val="000000"/>
           </a:solidFill>
@@ -6237,7 +6302,7 @@
           <a:sym typeface="Arial"/>
         </a:defRPr>
       </a:lvl1pPr>
-      <a:lvl2pPr lvl="1" marR="0" rtl="0" algn="l">
+      <a:lvl2pPr marR="0" lvl="1" algn="l" rtl="0">
         <a:lnSpc>
           <a:spcPct val="100000"/>
         </a:lnSpc>
@@ -6251,7 +6316,7 @@
           <a:srgbClr val="000000"/>
         </a:buClr>
         <a:buFont typeface="Arial"/>
-        <a:defRPr b="0" i="0" sz="1400" u="none" cap="none" strike="noStrike">
+        <a:defRPr sz="1400" b="0" i="0" u="none" strike="noStrike" cap="none">
           <a:solidFill>
             <a:srgbClr val="000000"/>
           </a:solidFill>
@@ -6261,7 +6326,7 @@
           <a:sym typeface="Arial"/>
         </a:defRPr>
       </a:lvl2pPr>
-      <a:lvl3pPr lvl="2" marR="0" rtl="0" algn="l">
+      <a:lvl3pPr marR="0" lvl="2" algn="l" rtl="0">
         <a:lnSpc>
           <a:spcPct val="100000"/>
         </a:lnSpc>
@@ -6275,7 +6340,7 @@
           <a:srgbClr val="000000"/>
         </a:buClr>
         <a:buFont typeface="Arial"/>
-        <a:defRPr b="0" i="0" sz="1400" u="none" cap="none" strike="noStrike">
+        <a:defRPr sz="1400" b="0" i="0" u="none" strike="noStrike" cap="none">
           <a:solidFill>
             <a:srgbClr val="000000"/>
           </a:solidFill>
@@ -6285,7 +6350,7 @@
           <a:sym typeface="Arial"/>
         </a:defRPr>
       </a:lvl3pPr>
-      <a:lvl4pPr lvl="3" marR="0" rtl="0" algn="l">
+      <a:lvl4pPr marR="0" lvl="3" algn="l" rtl="0">
         <a:lnSpc>
           <a:spcPct val="100000"/>
         </a:lnSpc>
@@ -6299,7 +6364,7 @@
           <a:srgbClr val="000000"/>
         </a:buClr>
         <a:buFont typeface="Arial"/>
-        <a:defRPr b="0" i="0" sz="1400" u="none" cap="none" strike="noStrike">
+        <a:defRPr sz="1400" b="0" i="0" u="none" strike="noStrike" cap="none">
           <a:solidFill>
             <a:srgbClr val="000000"/>
           </a:solidFill>
@@ -6309,7 +6374,7 @@
           <a:sym typeface="Arial"/>
         </a:defRPr>
       </a:lvl4pPr>
-      <a:lvl5pPr lvl="4" marR="0" rtl="0" algn="l">
+      <a:lvl5pPr marR="0" lvl="4" algn="l" rtl="0">
         <a:lnSpc>
           <a:spcPct val="100000"/>
         </a:lnSpc>
@@ -6323,7 +6388,7 @@
           <a:srgbClr val="000000"/>
         </a:buClr>
         <a:buFont typeface="Arial"/>
-        <a:defRPr b="0" i="0" sz="1400" u="none" cap="none" strike="noStrike">
+        <a:defRPr sz="1400" b="0" i="0" u="none" strike="noStrike" cap="none">
           <a:solidFill>
             <a:srgbClr val="000000"/>
           </a:solidFill>
@@ -6333,7 +6398,7 @@
           <a:sym typeface="Arial"/>
         </a:defRPr>
       </a:lvl5pPr>
-      <a:lvl6pPr lvl="5" marR="0" rtl="0" algn="l">
+      <a:lvl6pPr marR="0" lvl="5" algn="l" rtl="0">
         <a:lnSpc>
           <a:spcPct val="100000"/>
         </a:lnSpc>
@@ -6347,7 +6412,7 @@
           <a:srgbClr val="000000"/>
         </a:buClr>
         <a:buFont typeface="Arial"/>
-        <a:defRPr b="0" i="0" sz="1400" u="none" cap="none" strike="noStrike">
+        <a:defRPr sz="1400" b="0" i="0" u="none" strike="noStrike" cap="none">
           <a:solidFill>
             <a:srgbClr val="000000"/>
           </a:solidFill>
@@ -6357,7 +6422,7 @@
           <a:sym typeface="Arial"/>
         </a:defRPr>
       </a:lvl6pPr>
-      <a:lvl7pPr lvl="6" marR="0" rtl="0" algn="l">
+      <a:lvl7pPr marR="0" lvl="6" algn="l" rtl="0">
         <a:lnSpc>
           <a:spcPct val="100000"/>
         </a:lnSpc>
@@ -6371,7 +6436,7 @@
           <a:srgbClr val="000000"/>
         </a:buClr>
         <a:buFont typeface="Arial"/>
-        <a:defRPr b="0" i="0" sz="1400" u="none" cap="none" strike="noStrike">
+        <a:defRPr sz="1400" b="0" i="0" u="none" strike="noStrike" cap="none">
           <a:solidFill>
             <a:srgbClr val="000000"/>
           </a:solidFill>
@@ -6381,7 +6446,7 @@
           <a:sym typeface="Arial"/>
         </a:defRPr>
       </a:lvl7pPr>
-      <a:lvl8pPr lvl="7" marR="0" rtl="0" algn="l">
+      <a:lvl8pPr marR="0" lvl="7" algn="l" rtl="0">
         <a:lnSpc>
           <a:spcPct val="100000"/>
         </a:lnSpc>
@@ -6395,7 +6460,7 @@
           <a:srgbClr val="000000"/>
         </a:buClr>
         <a:buFont typeface="Arial"/>
-        <a:defRPr b="0" i="0" sz="1400" u="none" cap="none" strike="noStrike">
+        <a:defRPr sz="1400" b="0" i="0" u="none" strike="noStrike" cap="none">
           <a:solidFill>
             <a:srgbClr val="000000"/>
           </a:solidFill>
@@ -6405,7 +6470,7 @@
           <a:sym typeface="Arial"/>
         </a:defRPr>
       </a:lvl8pPr>
-      <a:lvl9pPr lvl="8" marR="0" rtl="0" algn="l">
+      <a:lvl9pPr marR="0" lvl="8" algn="l" rtl="0">
         <a:lnSpc>
           <a:spcPct val="100000"/>
         </a:lnSpc>
@@ -6419,7 +6484,7 @@
           <a:srgbClr val="000000"/>
         </a:buClr>
         <a:buFont typeface="Arial"/>
-        <a:defRPr b="0" i="0" sz="1400" u="none" cap="none" strike="noStrike">
+        <a:defRPr sz="1400" b="0" i="0" u="none" strike="noStrike" cap="none">
           <a:solidFill>
             <a:srgbClr val="000000"/>
           </a:solidFill>
@@ -6435,11 +6500,11 @@
 </file>
 
 <file path=ppt/slides/slide1.xml><?xml version="1.0" encoding="utf-8"?>
-<p:sld xmlns:a="http://schemas.openxmlformats.org/drawingml/2006/main" xmlns:r="http://schemas.openxmlformats.org/officeDocument/2006/relationships" xmlns:mc="http://schemas.openxmlformats.org/markup-compatibility/2006" xmlns:mv="urn:schemas-microsoft-com:mac:vml" xmlns:p="http://schemas.openxmlformats.org/presentationml/2006/main" xmlns:c="http://schemas.openxmlformats.org/drawingml/2006/chart" xmlns:dgm="http://schemas.openxmlformats.org/drawingml/2006/diagram" xmlns:o="urn:schemas-microsoft-com:office:office" xmlns:v="urn:schemas-microsoft-com:vml" xmlns:pvml="urn:schemas-microsoft-com:office:powerpoint" xmlns:com="http://schemas.openxmlformats.org/drawingml/2006/compatibility" xmlns:p14="http://schemas.microsoft.com/office/powerpoint/2010/main" xmlns:p15="http://schemas.microsoft.com/office/powerpoint/2012/main" xmlns:ahyp="http://schemas.microsoft.com/office/drawing/2018/hyperlinkcolor">
+<p:sld xmlns:a="http://schemas.openxmlformats.org/drawingml/2006/main" xmlns:r="http://schemas.openxmlformats.org/officeDocument/2006/relationships" xmlns:p="http://schemas.openxmlformats.org/presentationml/2006/main">
   <p:cSld>
     <p:spTree>
       <p:nvGrpSpPr>
-        <p:cNvPr id="53" name="Shape 53"/>
+        <p:cNvPr id="1" name="Shape 53"/>
         <p:cNvGrpSpPr/>
         <p:nvPr/>
       </p:nvGrpSpPr>
@@ -6454,7 +6519,9 @@
       <p:sp>
         <p:nvSpPr>
           <p:cNvPr id="54" name="Google Shape;54;p13"/>
-          <p:cNvSpPr txBox="1"/>
+          <p:cNvSpPr txBox="1">
+            <a:spLocks noGrp="1"/>
+          </p:cNvSpPr>
           <p:nvPr>
             <p:ph type="ctrTitle"/>
           </p:nvPr>
@@ -6469,12 +6536,12 @@
           </a:prstGeom>
         </p:spPr>
         <p:txBody>
-          <a:bodyPr anchorCtr="0" anchor="b" bIns="91425" lIns="91425" spcFirstLastPara="1" rIns="91425" wrap="square" tIns="91425">
+          <a:bodyPr spcFirstLastPara="1" wrap="square" lIns="91425" tIns="91425" rIns="91425" bIns="91425" anchor="b" anchorCtr="0">
             <a:normAutofit fontScale="90000"/>
           </a:bodyPr>
           <a:lstStyle/>
           <a:p>
-            <a:pPr indent="0" lvl="0" marL="0" rtl="0" algn="ctr">
+            <a:pPr marL="0" lvl="0" indent="0" algn="ctr" rtl="0">
               <a:spcBef>
                 <a:spcPts val="0"/>
               </a:spcBef>
@@ -6500,11 +6567,11 @@
 </file>
 
 <file path=ppt/slides/slide10.xml><?xml version="1.0" encoding="utf-8"?>
-<p:sld xmlns:a="http://schemas.openxmlformats.org/drawingml/2006/main" xmlns:r="http://schemas.openxmlformats.org/officeDocument/2006/relationships" xmlns:mc="http://schemas.openxmlformats.org/markup-compatibility/2006" xmlns:mv="urn:schemas-microsoft-com:mac:vml" xmlns:p="http://schemas.openxmlformats.org/presentationml/2006/main" xmlns:c="http://schemas.openxmlformats.org/drawingml/2006/chart" xmlns:dgm="http://schemas.openxmlformats.org/drawingml/2006/diagram" xmlns:o="urn:schemas-microsoft-com:office:office" xmlns:v="urn:schemas-microsoft-com:vml" xmlns:pvml="urn:schemas-microsoft-com:office:powerpoint" xmlns:com="http://schemas.openxmlformats.org/drawingml/2006/compatibility" xmlns:p14="http://schemas.microsoft.com/office/powerpoint/2010/main" xmlns:p15="http://schemas.microsoft.com/office/powerpoint/2012/main" xmlns:ahyp="http://schemas.microsoft.com/office/drawing/2018/hyperlinkcolor">
+<p:sld xmlns:a="http://schemas.openxmlformats.org/drawingml/2006/main" xmlns:r="http://schemas.openxmlformats.org/officeDocument/2006/relationships" xmlns:p="http://schemas.openxmlformats.org/presentationml/2006/main">
   <p:cSld>
     <p:spTree>
       <p:nvGrpSpPr>
-        <p:cNvPr id="110" name="Shape 110"/>
+        <p:cNvPr id="1" name="Shape 117"/>
         <p:cNvGrpSpPr/>
         <p:nvPr/>
       </p:nvGrpSpPr>
@@ -6518,8 +6585,10 @@
       </p:grpSpPr>
       <p:sp>
         <p:nvSpPr>
-          <p:cNvPr id="111" name="Google Shape;111;p22"/>
-          <p:cNvSpPr txBox="1"/>
+          <p:cNvPr id="118" name="Google Shape;118;p23"/>
+          <p:cNvSpPr txBox="1">
+            <a:spLocks noGrp="1"/>
+          </p:cNvSpPr>
           <p:nvPr>
             <p:ph type="title"/>
           </p:nvPr>
@@ -6534,173 +6603,12 @@
           </a:prstGeom>
         </p:spPr>
         <p:txBody>
-          <a:bodyPr anchorCtr="0" anchor="t" bIns="91425" lIns="91425" spcFirstLastPara="1" rIns="91425" wrap="square" tIns="91425">
+          <a:bodyPr spcFirstLastPara="1" wrap="square" lIns="91425" tIns="91425" rIns="91425" bIns="91425" anchor="t" anchorCtr="0">
             <a:normAutofit fontScale="90000"/>
           </a:bodyPr>
           <a:lstStyle/>
           <a:p>
-            <a:pPr indent="0" lvl="0" marL="0" rtl="0" algn="l">
-              <a:spcBef>
-                <a:spcPts val="0"/>
-              </a:spcBef>
-              <a:spcAft>
-                <a:spcPts val="0"/>
-              </a:spcAft>
-              <a:buClr>
-                <a:schemeClr val="dk1"/>
-              </a:buClr>
-              <a:buSzPct val="39285"/>
-              <a:buFont typeface="Arial"/>
-              <a:buNone/>
-            </a:pPr>
-            <a:r>
-              <a:rPr lang="en"/>
-              <a:t>Results summary</a:t>
-            </a:r>
-            <a:endParaRPr/>
-          </a:p>
-          <a:p>
-            <a:pPr indent="0" lvl="0" marL="0" rtl="0" algn="l">
-              <a:spcBef>
-                <a:spcPts val="0"/>
-              </a:spcBef>
-              <a:spcAft>
-                <a:spcPts val="0"/>
-              </a:spcAft>
-              <a:buClr>
-                <a:schemeClr val="dk1"/>
-              </a:buClr>
-              <a:buSzPct val="39285"/>
-              <a:buFont typeface="Arial"/>
-              <a:buNone/>
-            </a:pPr>
-            <a:r>
-              <a:t/>
-            </a:r>
-            <a:endParaRPr/>
-          </a:p>
-          <a:p>
-            <a:pPr indent="0" lvl="0" marL="0" rtl="0" algn="l">
-              <a:spcBef>
-                <a:spcPts val="0"/>
-              </a:spcBef>
-              <a:spcAft>
-                <a:spcPts val="0"/>
-              </a:spcAft>
-              <a:buNone/>
-            </a:pPr>
-            <a:r>
-              <a:t/>
-            </a:r>
-            <a:endParaRPr/>
-          </a:p>
-        </p:txBody>
-      </p:sp>
-      <p:pic>
-        <p:nvPicPr>
-          <p:cNvPr id="112" name="Google Shape;112;p22"/>
-          <p:cNvPicPr preferRelativeResize="0"/>
-          <p:nvPr/>
-        </p:nvPicPr>
-        <p:blipFill>
-          <a:blip r:embed="rId3">
-            <a:alphaModFix/>
-          </a:blip>
-          <a:stretch>
-            <a:fillRect/>
-          </a:stretch>
-        </p:blipFill>
-        <p:spPr>
-          <a:xfrm>
-            <a:off x="700050" y="1547125"/>
-            <a:ext cx="3448050" cy="2533650"/>
-          </a:xfrm>
-          <a:prstGeom prst="rect">
-            <a:avLst/>
-          </a:prstGeom>
-          <a:noFill/>
-          <a:ln>
-            <a:noFill/>
-          </a:ln>
-        </p:spPr>
-      </p:pic>
-      <p:pic>
-        <p:nvPicPr>
-          <p:cNvPr id="113" name="Google Shape;113;p22"/>
-          <p:cNvPicPr preferRelativeResize="0"/>
-          <p:nvPr/>
-        </p:nvPicPr>
-        <p:blipFill>
-          <a:blip r:embed="rId4">
-            <a:alphaModFix/>
-          </a:blip>
-          <a:stretch>
-            <a:fillRect/>
-          </a:stretch>
-        </p:blipFill>
-        <p:spPr>
-          <a:xfrm>
-            <a:off x="4746650" y="2266400"/>
-            <a:ext cx="3552825" cy="838200"/>
-          </a:xfrm>
-          <a:prstGeom prst="rect">
-            <a:avLst/>
-          </a:prstGeom>
-          <a:noFill/>
-          <a:ln>
-            <a:noFill/>
-          </a:ln>
-        </p:spPr>
-      </p:pic>
-    </p:spTree>
-  </p:cSld>
-  <p:clrMapOvr>
-    <a:masterClrMapping/>
-  </p:clrMapOvr>
-</p:sld>
-</file>
-
-<file path=ppt/slides/slide11.xml><?xml version="1.0" encoding="utf-8"?>
-<p:sld xmlns:a="http://schemas.openxmlformats.org/drawingml/2006/main" xmlns:r="http://schemas.openxmlformats.org/officeDocument/2006/relationships" xmlns:mc="http://schemas.openxmlformats.org/markup-compatibility/2006" xmlns:mv="urn:schemas-microsoft-com:mac:vml" xmlns:p="http://schemas.openxmlformats.org/presentationml/2006/main" xmlns:c="http://schemas.openxmlformats.org/drawingml/2006/chart" xmlns:dgm="http://schemas.openxmlformats.org/drawingml/2006/diagram" xmlns:o="urn:schemas-microsoft-com:office:office" xmlns:v="urn:schemas-microsoft-com:vml" xmlns:pvml="urn:schemas-microsoft-com:office:powerpoint" xmlns:com="http://schemas.openxmlformats.org/drawingml/2006/compatibility" xmlns:p14="http://schemas.microsoft.com/office/powerpoint/2010/main" xmlns:p15="http://schemas.microsoft.com/office/powerpoint/2012/main" xmlns:ahyp="http://schemas.microsoft.com/office/drawing/2018/hyperlinkcolor">
-  <p:cSld>
-    <p:spTree>
-      <p:nvGrpSpPr>
-        <p:cNvPr id="117" name="Shape 117"/>
-        <p:cNvGrpSpPr/>
-        <p:nvPr/>
-      </p:nvGrpSpPr>
-      <p:grpSpPr>
-        <a:xfrm>
-          <a:off x="0" y="0"/>
-          <a:ext cx="0" cy="0"/>
-          <a:chOff x="0" y="0"/>
-          <a:chExt cx="0" cy="0"/>
-        </a:xfrm>
-      </p:grpSpPr>
-      <p:sp>
-        <p:nvSpPr>
-          <p:cNvPr id="118" name="Google Shape;118;p23"/>
-          <p:cNvSpPr txBox="1"/>
-          <p:nvPr>
-            <p:ph type="title"/>
-          </p:nvPr>
-        </p:nvSpPr>
-        <p:spPr>
-          <a:xfrm>
-            <a:off x="311700" y="445025"/>
-            <a:ext cx="8520600" cy="572700"/>
-          </a:xfrm>
-          <a:prstGeom prst="rect">
-            <a:avLst/>
-          </a:prstGeom>
-        </p:spPr>
-        <p:txBody>
-          <a:bodyPr anchorCtr="0" anchor="t" bIns="91425" lIns="91425" spcFirstLastPara="1" rIns="91425" wrap="square" tIns="91425">
-            <a:normAutofit fontScale="90000"/>
-          </a:bodyPr>
-          <a:lstStyle/>
-          <a:p>
-            <a:pPr indent="0" lvl="0" marL="0" rtl="0" algn="l">
+            <a:pPr marL="0" lvl="0" indent="0" algn="l" rtl="0">
               <a:spcBef>
                 <a:spcPts val="0"/>
               </a:spcBef>
@@ -6735,9 +6643,11 @@
       <p:sp>
         <p:nvSpPr>
           <p:cNvPr id="119" name="Google Shape;119;p23"/>
-          <p:cNvSpPr txBox="1"/>
+          <p:cNvSpPr txBox="1">
+            <a:spLocks noGrp="1"/>
+          </p:cNvSpPr>
           <p:nvPr>
-            <p:ph idx="1" type="body"/>
+            <p:ph type="body" idx="1"/>
           </p:nvPr>
         </p:nvSpPr>
         <p:spPr>
@@ -6750,12 +6660,12 @@
           </a:prstGeom>
         </p:spPr>
         <p:txBody>
-          <a:bodyPr anchorCtr="0" anchor="t" bIns="91425" lIns="91425" spcFirstLastPara="1" rIns="91425" wrap="square" tIns="91425">
-            <a:normAutofit fontScale="92500"/>
+          <a:bodyPr spcFirstLastPara="1" wrap="square" lIns="91425" tIns="91425" rIns="91425" bIns="91425" anchor="t" anchorCtr="0">
+            <a:normAutofit fontScale="85000" lnSpcReduction="10000"/>
           </a:bodyPr>
           <a:lstStyle/>
           <a:p>
-            <a:pPr indent="-334327" lvl="0" marL="457200" rtl="0" algn="just">
+            <a:pPr marL="457200" lvl="0" indent="-334327" algn="just" rtl="0">
               <a:lnSpc>
                 <a:spcPct val="150000"/>
               </a:lnSpc>
@@ -6770,7 +6680,7 @@
               <a:buChar char="●"/>
             </a:pPr>
             <a:r>
-              <a:rPr lang="en">
+              <a:rPr lang="en" dirty="0">
                 <a:latin typeface="Times New Roman"/>
                 <a:ea typeface="Times New Roman"/>
                 <a:cs typeface="Times New Roman"/>
@@ -6778,7 +6688,7 @@
               </a:rPr>
               <a:t>This work presents the use of Probabilistic neural network based on the bayesian theorem for automatic detection of pneumonia, non pneumonia chest X-Ray.</a:t>
             </a:r>
-            <a:endParaRPr>
+            <a:endParaRPr dirty="0">
               <a:latin typeface="Times New Roman"/>
               <a:ea typeface="Times New Roman"/>
               <a:cs typeface="Times New Roman"/>
@@ -6786,7 +6696,7 @@
             </a:endParaRPr>
           </a:p>
           <a:p>
-            <a:pPr indent="-334327" lvl="0" marL="457200" rtl="0" algn="just">
+            <a:pPr marL="457200" lvl="0" indent="-334327" algn="just" rtl="0">
               <a:lnSpc>
                 <a:spcPct val="150000"/>
               </a:lnSpc>
@@ -6801,7 +6711,7 @@
               <a:buChar char="●"/>
             </a:pPr>
             <a:r>
-              <a:rPr lang="en">
+              <a:rPr lang="en" dirty="0">
                 <a:latin typeface="Times New Roman"/>
                 <a:ea typeface="Times New Roman"/>
                 <a:cs typeface="Times New Roman"/>
@@ -6809,7 +6719,7 @@
               </a:rPr>
               <a:t>The models were trained based on two binary classes.</a:t>
             </a:r>
-            <a:endParaRPr>
+            <a:endParaRPr dirty="0">
               <a:latin typeface="Times New Roman"/>
               <a:ea typeface="Times New Roman"/>
               <a:cs typeface="Times New Roman"/>
@@ -6817,7 +6727,7 @@
             </a:endParaRPr>
           </a:p>
           <a:p>
-            <a:pPr indent="-334327" lvl="0" marL="457200" rtl="0" algn="just">
+            <a:pPr marL="457200" lvl="0" indent="-334327" algn="just" rtl="0">
               <a:lnSpc>
                 <a:spcPct val="150000"/>
               </a:lnSpc>
@@ -6832,7 +6742,7 @@
               <a:buChar char="●"/>
             </a:pPr>
             <a:r>
-              <a:rPr lang="en">
+              <a:rPr lang="en" dirty="0">
                 <a:latin typeface="Times New Roman"/>
                 <a:ea typeface="Times New Roman"/>
                 <a:cs typeface="Times New Roman"/>
@@ -6840,7 +6750,7 @@
               </a:rPr>
               <a:t>The models were evaluated based on accuracy, sensitivity, and specificity.</a:t>
             </a:r>
-            <a:endParaRPr>
+            <a:endParaRPr dirty="0">
               <a:latin typeface="Times New Roman"/>
               <a:ea typeface="Times New Roman"/>
               <a:cs typeface="Times New Roman"/>
@@ -6848,7 +6758,7 @@
             </a:endParaRPr>
           </a:p>
           <a:p>
-            <a:pPr indent="-334327" lvl="0" marL="457200" rtl="0" algn="just">
+            <a:pPr marL="457200" lvl="0" indent="-334327" algn="just" rtl="0">
               <a:lnSpc>
                 <a:spcPct val="150000"/>
               </a:lnSpc>
@@ -6863,15 +6773,15 @@
               <a:buChar char="●"/>
             </a:pPr>
             <a:r>
-              <a:rPr lang="en">
+              <a:rPr lang="en" dirty="0">
                 <a:latin typeface="Times New Roman"/>
                 <a:ea typeface="Times New Roman"/>
                 <a:cs typeface="Times New Roman"/>
                 <a:sym typeface="Times New Roman"/>
               </a:rPr>
-              <a:t>However, the result has shown that for classification of for non viral pneumonia and healthy datasets, the model achieved 60% testing accuracy, 61% sensitivity, and 61% specificity.</a:t>
+              <a:t>However, the result has shown that for classification of for non viral pneumonia and healthy datasets, the model achieved 90% testing accuracy, 61% sensitivity, and 61% specificity.</a:t>
             </a:r>
-            <a:endParaRPr>
+            <a:endParaRPr dirty="0">
               <a:latin typeface="Times New Roman"/>
               <a:ea typeface="Times New Roman"/>
               <a:cs typeface="Times New Roman"/>
@@ -6879,7 +6789,7 @@
             </a:endParaRPr>
           </a:p>
           <a:p>
-            <a:pPr indent="-334327" lvl="0" marL="457200" rtl="0" algn="just">
+            <a:pPr marL="457200" lvl="0" indent="-334327" algn="just" rtl="0">
               <a:lnSpc>
                 <a:spcPct val="150000"/>
               </a:lnSpc>
@@ -6894,7 +6804,7 @@
               <a:buChar char="●"/>
             </a:pPr>
             <a:r>
-              <a:rPr lang="en">
+              <a:rPr lang="en" dirty="0">
                 <a:latin typeface="Times New Roman"/>
                 <a:ea typeface="Times New Roman"/>
                 <a:cs typeface="Times New Roman"/>
@@ -6902,7 +6812,7 @@
               </a:rPr>
               <a:t>One of the limitations of this research is the fact that we used a small dataset of pneumonia. </a:t>
             </a:r>
-            <a:endParaRPr>
+            <a:endParaRPr dirty="0">
               <a:latin typeface="Times New Roman"/>
               <a:ea typeface="Times New Roman"/>
               <a:cs typeface="Times New Roman"/>
@@ -6910,7 +6820,7 @@
             </a:endParaRPr>
           </a:p>
           <a:p>
-            <a:pPr indent="-334327" lvl="0" marL="457200" rtl="0" algn="just">
+            <a:pPr marL="457200" lvl="0" indent="-334327" algn="just" rtl="0">
               <a:lnSpc>
                 <a:spcPct val="150000"/>
               </a:lnSpc>
@@ -6925,7 +6835,7 @@
               <a:buChar char="●"/>
             </a:pPr>
             <a:r>
-              <a:rPr lang="en">
+              <a:rPr lang="en" dirty="0">
                 <a:latin typeface="Times New Roman"/>
                 <a:ea typeface="Times New Roman"/>
                 <a:cs typeface="Times New Roman"/>
@@ -6933,7 +6843,7 @@
               </a:rPr>
               <a:t>We can increase the performance using pretrained model.</a:t>
             </a:r>
-            <a:endParaRPr>
+            <a:endParaRPr dirty="0">
               <a:latin typeface="Times New Roman"/>
               <a:ea typeface="Times New Roman"/>
               <a:cs typeface="Times New Roman"/>
@@ -6951,11 +6861,11 @@
 </file>
 
 <file path=ppt/slides/slide2.xml><?xml version="1.0" encoding="utf-8"?>
-<p:sld xmlns:a="http://schemas.openxmlformats.org/drawingml/2006/main" xmlns:r="http://schemas.openxmlformats.org/officeDocument/2006/relationships" xmlns:mc="http://schemas.openxmlformats.org/markup-compatibility/2006" xmlns:mv="urn:schemas-microsoft-com:mac:vml" xmlns:p="http://schemas.openxmlformats.org/presentationml/2006/main" xmlns:c="http://schemas.openxmlformats.org/drawingml/2006/chart" xmlns:dgm="http://schemas.openxmlformats.org/drawingml/2006/diagram" xmlns:o="urn:schemas-microsoft-com:office:office" xmlns:v="urn:schemas-microsoft-com:vml" xmlns:pvml="urn:schemas-microsoft-com:office:powerpoint" xmlns:com="http://schemas.openxmlformats.org/drawingml/2006/compatibility" xmlns:p14="http://schemas.microsoft.com/office/powerpoint/2010/main" xmlns:p15="http://schemas.microsoft.com/office/powerpoint/2012/main" xmlns:ahyp="http://schemas.microsoft.com/office/drawing/2018/hyperlinkcolor">
+<p:sld xmlns:a="http://schemas.openxmlformats.org/drawingml/2006/main" xmlns:r="http://schemas.openxmlformats.org/officeDocument/2006/relationships" xmlns:p="http://schemas.openxmlformats.org/presentationml/2006/main">
   <p:cSld>
     <p:spTree>
       <p:nvGrpSpPr>
-        <p:cNvPr id="58" name="Shape 58"/>
+        <p:cNvPr id="1" name="Shape 58"/>
         <p:cNvGrpSpPr/>
         <p:nvPr/>
       </p:nvGrpSpPr>
@@ -6970,7 +6880,9 @@
       <p:sp>
         <p:nvSpPr>
           <p:cNvPr id="59" name="Google Shape;59;p14"/>
-          <p:cNvSpPr txBox="1"/>
+          <p:cNvSpPr txBox="1">
+            <a:spLocks noGrp="1"/>
+          </p:cNvSpPr>
           <p:nvPr>
             <p:ph type="title"/>
           </p:nvPr>
@@ -6985,12 +6897,12 @@
           </a:prstGeom>
         </p:spPr>
         <p:txBody>
-          <a:bodyPr anchorCtr="0" anchor="t" bIns="91425" lIns="91425" spcFirstLastPara="1" rIns="91425" wrap="square" tIns="91425">
+          <a:bodyPr spcFirstLastPara="1" wrap="square" lIns="91425" tIns="91425" rIns="91425" bIns="91425" anchor="t" anchorCtr="0">
             <a:normAutofit fontScale="90000"/>
           </a:bodyPr>
           <a:lstStyle/>
           <a:p>
-            <a:pPr indent="0" lvl="0" marL="0" rtl="0" algn="l">
+            <a:pPr marL="0" lvl="0" indent="0" algn="l" rtl="0">
               <a:spcBef>
                 <a:spcPts val="0"/>
               </a:spcBef>
@@ -7021,7 +6933,7 @@
             </a:endParaRPr>
           </a:p>
           <a:p>
-            <a:pPr indent="0" lvl="0" marL="0" rtl="0" algn="l">
+            <a:pPr marL="0" lvl="0" indent="0" algn="l" rtl="0">
               <a:spcBef>
                 <a:spcPts val="0"/>
               </a:spcBef>
@@ -7035,9 +6947,6 @@
               <a:buFont typeface="Arial"/>
               <a:buNone/>
             </a:pPr>
-            <a:r>
-              <a:t/>
-            </a:r>
             <a:endParaRPr>
               <a:latin typeface="Times New Roman"/>
               <a:ea typeface="Times New Roman"/>
@@ -7046,7 +6955,7 @@
             </a:endParaRPr>
           </a:p>
           <a:p>
-            <a:pPr indent="0" lvl="0" marL="0" rtl="0" algn="l">
+            <a:pPr marL="0" lvl="0" indent="0" algn="l" rtl="0">
               <a:spcBef>
                 <a:spcPts val="0"/>
               </a:spcBef>
@@ -7055,9 +6964,6 @@
               </a:spcAft>
               <a:buNone/>
             </a:pPr>
-            <a:r>
-              <a:t/>
-            </a:r>
             <a:endParaRPr>
               <a:latin typeface="Times New Roman"/>
               <a:ea typeface="Times New Roman"/>
@@ -7070,9 +6976,11 @@
       <p:sp>
         <p:nvSpPr>
           <p:cNvPr id="60" name="Google Shape;60;p14"/>
-          <p:cNvSpPr txBox="1"/>
+          <p:cNvSpPr txBox="1">
+            <a:spLocks noGrp="1"/>
+          </p:cNvSpPr>
           <p:nvPr>
-            <p:ph idx="1" type="body"/>
+            <p:ph type="body" idx="1"/>
           </p:nvPr>
         </p:nvSpPr>
         <p:spPr>
@@ -7085,12 +6993,12 @@
           </a:prstGeom>
         </p:spPr>
         <p:txBody>
-          <a:bodyPr anchorCtr="0" anchor="t" bIns="91425" lIns="91425" spcFirstLastPara="1" rIns="91425" wrap="square" tIns="91425">
+          <a:bodyPr spcFirstLastPara="1" wrap="square" lIns="91425" tIns="91425" rIns="91425" bIns="91425" anchor="t" anchorCtr="0">
             <a:normAutofit fontScale="70000"/>
           </a:bodyPr>
           <a:lstStyle/>
           <a:p>
-            <a:pPr indent="-308610" lvl="0" marL="457200" rtl="0" algn="just">
+            <a:pPr marL="457200" lvl="0" indent="-308610" algn="just" rtl="0">
               <a:lnSpc>
                 <a:spcPct val="150000"/>
               </a:lnSpc>
@@ -7121,7 +7029,7 @@
             </a:endParaRPr>
           </a:p>
           <a:p>
-            <a:pPr indent="-308610" lvl="0" marL="457200" rtl="0" algn="just">
+            <a:pPr marL="457200" lvl="0" indent="-308610" algn="just" rtl="0">
               <a:lnSpc>
                 <a:spcPct val="150000"/>
               </a:lnSpc>
@@ -7152,7 +7060,7 @@
             </a:endParaRPr>
           </a:p>
           <a:p>
-            <a:pPr indent="-308610" lvl="0" marL="457200" rtl="0" algn="just">
+            <a:pPr marL="457200" lvl="0" indent="-308610" algn="just" rtl="0">
               <a:lnSpc>
                 <a:spcPct val="150000"/>
               </a:lnSpc>
@@ -7183,7 +7091,7 @@
             </a:endParaRPr>
           </a:p>
           <a:p>
-            <a:pPr indent="-308610" lvl="0" marL="457200" rtl="0" algn="just">
+            <a:pPr marL="457200" lvl="0" indent="-308610" algn="just" rtl="0">
               <a:lnSpc>
                 <a:spcPct val="150000"/>
               </a:lnSpc>
@@ -7214,7 +7122,7 @@
             </a:endParaRPr>
           </a:p>
           <a:p>
-            <a:pPr indent="-308610" lvl="0" marL="457200" rtl="0" algn="just">
+            <a:pPr marL="457200" lvl="0" indent="-308610" algn="just" rtl="0">
               <a:lnSpc>
                 <a:spcPct val="150000"/>
               </a:lnSpc>
@@ -7245,7 +7153,7 @@
             </a:endParaRPr>
           </a:p>
           <a:p>
-            <a:pPr indent="-308610" lvl="0" marL="457200" rtl="0" algn="just">
+            <a:pPr marL="457200" lvl="0" indent="-308610" algn="just" rtl="0">
               <a:lnSpc>
                 <a:spcPct val="150000"/>
               </a:lnSpc>
@@ -7266,25 +7174,7 @@
                 <a:cs typeface="Times New Roman"/>
                 <a:sym typeface="Times New Roman"/>
               </a:rPr>
-              <a:t>Hence, in this project, we propose </a:t>
-            </a:r>
-            <a:r>
-              <a:rPr lang="en">
-                <a:latin typeface="Times New Roman"/>
-                <a:ea typeface="Times New Roman"/>
-                <a:cs typeface="Times New Roman"/>
-                <a:sym typeface="Times New Roman"/>
-              </a:rPr>
-              <a:t>a Convolutional Neural Network</a:t>
-            </a:r>
-            <a:r>
-              <a:rPr lang="en">
-                <a:latin typeface="Times New Roman"/>
-                <a:ea typeface="Times New Roman"/>
-                <a:cs typeface="Times New Roman"/>
-                <a:sym typeface="Times New Roman"/>
-              </a:rPr>
-              <a:t> to diagnose pneumonia through X-ray images automatically and obtain results of  high accuracy score.</a:t>
+              <a:t>Hence, in this project, we propose a Convolutional Neural Network to diagnose pneumonia through X-ray images automatically and obtain results of  high accuracy score.</a:t>
             </a:r>
             <a:endParaRPr>
               <a:latin typeface="Times New Roman"/>
@@ -7304,11 +7194,11 @@
 </file>
 
 <file path=ppt/slides/slide3.xml><?xml version="1.0" encoding="utf-8"?>
-<p:sld xmlns:a="http://schemas.openxmlformats.org/drawingml/2006/main" xmlns:r="http://schemas.openxmlformats.org/officeDocument/2006/relationships" xmlns:mc="http://schemas.openxmlformats.org/markup-compatibility/2006" xmlns:mv="urn:schemas-microsoft-com:mac:vml" xmlns:p="http://schemas.openxmlformats.org/presentationml/2006/main" xmlns:c="http://schemas.openxmlformats.org/drawingml/2006/chart" xmlns:dgm="http://schemas.openxmlformats.org/drawingml/2006/diagram" xmlns:o="urn:schemas-microsoft-com:office:office" xmlns:v="urn:schemas-microsoft-com:vml" xmlns:pvml="urn:schemas-microsoft-com:office:powerpoint" xmlns:com="http://schemas.openxmlformats.org/drawingml/2006/compatibility" xmlns:p14="http://schemas.microsoft.com/office/powerpoint/2010/main" xmlns:p15="http://schemas.microsoft.com/office/powerpoint/2012/main" xmlns:ahyp="http://schemas.microsoft.com/office/drawing/2018/hyperlinkcolor">
+<p:sld xmlns:a="http://schemas.openxmlformats.org/drawingml/2006/main" xmlns:r="http://schemas.openxmlformats.org/officeDocument/2006/relationships" xmlns:p="http://schemas.openxmlformats.org/presentationml/2006/main">
   <p:cSld>
     <p:spTree>
       <p:nvGrpSpPr>
-        <p:cNvPr id="64" name="Shape 64"/>
+        <p:cNvPr id="1" name="Shape 64"/>
         <p:cNvGrpSpPr/>
         <p:nvPr/>
       </p:nvGrpSpPr>
@@ -7323,7 +7213,9 @@
       <p:sp>
         <p:nvSpPr>
           <p:cNvPr id="65" name="Google Shape;65;p15"/>
-          <p:cNvSpPr txBox="1"/>
+          <p:cNvSpPr txBox="1">
+            <a:spLocks noGrp="1"/>
+          </p:cNvSpPr>
           <p:nvPr>
             <p:ph type="title"/>
           </p:nvPr>
@@ -7338,12 +7230,12 @@
           </a:prstGeom>
         </p:spPr>
         <p:txBody>
-          <a:bodyPr anchorCtr="0" anchor="t" bIns="91425" lIns="91425" spcFirstLastPara="1" rIns="91425" wrap="square" tIns="91425">
+          <a:bodyPr spcFirstLastPara="1" wrap="square" lIns="91425" tIns="91425" rIns="91425" bIns="91425" anchor="t" anchorCtr="0">
             <a:normAutofit fontScale="90000"/>
           </a:bodyPr>
           <a:lstStyle/>
           <a:p>
-            <a:pPr indent="0" lvl="0" marL="0" rtl="0" algn="l">
+            <a:pPr marL="0" lvl="0" indent="0" algn="l" rtl="0">
               <a:spcBef>
                 <a:spcPts val="0"/>
               </a:spcBef>
@@ -7374,7 +7266,7 @@
             </a:endParaRPr>
           </a:p>
           <a:p>
-            <a:pPr indent="0" lvl="0" marL="0" rtl="0" algn="l">
+            <a:pPr marL="0" lvl="0" indent="0" algn="l" rtl="0">
               <a:spcBef>
                 <a:spcPts val="0"/>
               </a:spcBef>
@@ -7388,9 +7280,6 @@
               <a:buFont typeface="Arial"/>
               <a:buNone/>
             </a:pPr>
-            <a:r>
-              <a:t/>
-            </a:r>
             <a:endParaRPr>
               <a:latin typeface="Times New Roman"/>
               <a:ea typeface="Times New Roman"/>
@@ -7399,7 +7288,7 @@
             </a:endParaRPr>
           </a:p>
           <a:p>
-            <a:pPr indent="0" lvl="0" marL="0" rtl="0" algn="l">
+            <a:pPr marL="0" lvl="0" indent="0" algn="l" rtl="0">
               <a:spcBef>
                 <a:spcPts val="0"/>
               </a:spcBef>
@@ -7408,9 +7297,6 @@
               </a:spcAft>
               <a:buNone/>
             </a:pPr>
-            <a:r>
-              <a:t/>
-            </a:r>
             <a:endParaRPr>
               <a:latin typeface="Times New Roman"/>
               <a:ea typeface="Times New Roman"/>
@@ -7423,9 +7309,11 @@
       <p:sp>
         <p:nvSpPr>
           <p:cNvPr id="66" name="Google Shape;66;p15"/>
-          <p:cNvSpPr txBox="1"/>
+          <p:cNvSpPr txBox="1">
+            <a:spLocks noGrp="1"/>
+          </p:cNvSpPr>
           <p:nvPr>
-            <p:ph idx="1" type="body"/>
+            <p:ph type="body" idx="1"/>
           </p:nvPr>
         </p:nvSpPr>
         <p:spPr>
@@ -7438,12 +7326,12 @@
           </a:prstGeom>
         </p:spPr>
         <p:txBody>
-          <a:bodyPr anchorCtr="0" anchor="t" bIns="91425" lIns="91425" spcFirstLastPara="1" rIns="91425" wrap="square" tIns="91425">
+          <a:bodyPr spcFirstLastPara="1" wrap="square" lIns="91425" tIns="91425" rIns="91425" bIns="91425" anchor="t" anchorCtr="0">
             <a:normAutofit fontScale="70000"/>
           </a:bodyPr>
           <a:lstStyle/>
           <a:p>
-            <a:pPr indent="-308610" lvl="0" marL="457200" rtl="0" algn="just">
+            <a:pPr marL="457200" lvl="0" indent="-308610" algn="just" rtl="0">
               <a:lnSpc>
                 <a:spcPct val="150000"/>
               </a:lnSpc>
@@ -7474,7 +7362,7 @@
             </a:endParaRPr>
           </a:p>
           <a:p>
-            <a:pPr indent="-308610" lvl="0" marL="457200" rtl="0" algn="just">
+            <a:pPr marL="457200" lvl="0" indent="-308610" algn="just" rtl="0">
               <a:lnSpc>
                 <a:spcPct val="150000"/>
               </a:lnSpc>
@@ -7505,7 +7393,7 @@
             </a:endParaRPr>
           </a:p>
           <a:p>
-            <a:pPr indent="-308610" lvl="0" marL="457200" rtl="0" algn="just">
+            <a:pPr marL="457200" lvl="0" indent="-308610" algn="just" rtl="0">
               <a:lnSpc>
                 <a:spcPct val="150000"/>
               </a:lnSpc>
@@ -7536,7 +7424,7 @@
             </a:endParaRPr>
           </a:p>
           <a:p>
-            <a:pPr indent="-308610" lvl="0" marL="457200" rtl="0" algn="just">
+            <a:pPr marL="457200" lvl="0" indent="-308610" algn="just" rtl="0">
               <a:lnSpc>
                 <a:spcPct val="150000"/>
               </a:lnSpc>
@@ -7567,7 +7455,7 @@
             </a:endParaRPr>
           </a:p>
           <a:p>
-            <a:pPr indent="-308610" lvl="0" marL="457200" rtl="0" algn="just">
+            <a:pPr marL="457200" lvl="0" indent="-308610" algn="just" rtl="0">
               <a:lnSpc>
                 <a:spcPct val="150000"/>
               </a:lnSpc>
@@ -7598,7 +7486,7 @@
             </a:endParaRPr>
           </a:p>
           <a:p>
-            <a:pPr indent="-308610" lvl="0" marL="457200" rtl="0" algn="just">
+            <a:pPr marL="457200" lvl="0" indent="-308610" algn="just" rtl="0">
               <a:lnSpc>
                 <a:spcPct val="150000"/>
               </a:lnSpc>
@@ -7629,7 +7517,7 @@
             </a:endParaRPr>
           </a:p>
           <a:p>
-            <a:pPr indent="-308610" lvl="0" marL="457200" rtl="0" algn="just">
+            <a:pPr marL="457200" lvl="0" indent="-308610" algn="just" rtl="0">
               <a:lnSpc>
                 <a:spcPct val="150000"/>
               </a:lnSpc>
@@ -7660,7 +7548,7 @@
             </a:endParaRPr>
           </a:p>
           <a:p>
-            <a:pPr indent="-308610" lvl="0" marL="457200" rtl="0" algn="just">
+            <a:pPr marL="457200" lvl="0" indent="-308610" algn="just" rtl="0">
               <a:lnSpc>
                 <a:spcPct val="150000"/>
               </a:lnSpc>
@@ -7714,11 +7602,11 @@
 </file>
 
 <file path=ppt/slides/slide4.xml><?xml version="1.0" encoding="utf-8"?>
-<p:sld xmlns:a="http://schemas.openxmlformats.org/drawingml/2006/main" xmlns:r="http://schemas.openxmlformats.org/officeDocument/2006/relationships" xmlns:mc="http://schemas.openxmlformats.org/markup-compatibility/2006" xmlns:mv="urn:schemas-microsoft-com:mac:vml" xmlns:p="http://schemas.openxmlformats.org/presentationml/2006/main" xmlns:c="http://schemas.openxmlformats.org/drawingml/2006/chart" xmlns:dgm="http://schemas.openxmlformats.org/drawingml/2006/diagram" xmlns:o="urn:schemas-microsoft-com:office:office" xmlns:v="urn:schemas-microsoft-com:vml" xmlns:pvml="urn:schemas-microsoft-com:office:powerpoint" xmlns:com="http://schemas.openxmlformats.org/drawingml/2006/compatibility" xmlns:p14="http://schemas.microsoft.com/office/powerpoint/2010/main" xmlns:p15="http://schemas.microsoft.com/office/powerpoint/2012/main" xmlns:ahyp="http://schemas.microsoft.com/office/drawing/2018/hyperlinkcolor">
+<p:sld xmlns:a="http://schemas.openxmlformats.org/drawingml/2006/main" xmlns:r="http://schemas.openxmlformats.org/officeDocument/2006/relationships" xmlns:p="http://schemas.openxmlformats.org/presentationml/2006/main">
   <p:cSld>
     <p:spTree>
       <p:nvGrpSpPr>
-        <p:cNvPr id="70" name="Shape 70"/>
+        <p:cNvPr id="1" name="Shape 70"/>
         <p:cNvGrpSpPr/>
         <p:nvPr/>
       </p:nvGrpSpPr>
@@ -7733,7 +7621,9 @@
       <p:sp>
         <p:nvSpPr>
           <p:cNvPr id="71" name="Google Shape;71;p16"/>
-          <p:cNvSpPr txBox="1"/>
+          <p:cNvSpPr txBox="1">
+            <a:spLocks noGrp="1"/>
+          </p:cNvSpPr>
           <p:nvPr>
             <p:ph type="title"/>
           </p:nvPr>
@@ -7748,12 +7638,12 @@
           </a:prstGeom>
         </p:spPr>
         <p:txBody>
-          <a:bodyPr anchorCtr="0" anchor="t" bIns="91425" lIns="91425" spcFirstLastPara="1" rIns="91425" wrap="square" tIns="91425">
+          <a:bodyPr spcFirstLastPara="1" wrap="square" lIns="91425" tIns="91425" rIns="91425" bIns="91425" anchor="t" anchorCtr="0">
             <a:normAutofit fontScale="90000"/>
           </a:bodyPr>
           <a:lstStyle/>
           <a:p>
-            <a:pPr indent="0" lvl="0" marL="0" rtl="0" algn="l">
+            <a:pPr marL="0" lvl="0" indent="0" algn="l" rtl="0">
               <a:spcBef>
                 <a:spcPts val="0"/>
               </a:spcBef>
@@ -7774,7 +7664,7 @@
             <a:endParaRPr/>
           </a:p>
           <a:p>
-            <a:pPr indent="0" lvl="0" marL="0" rtl="0" algn="l">
+            <a:pPr marL="0" lvl="0" indent="0" algn="l" rtl="0">
               <a:spcBef>
                 <a:spcPts val="0"/>
               </a:spcBef>
@@ -7788,13 +7678,10 @@
               <a:buFont typeface="Arial"/>
               <a:buNone/>
             </a:pPr>
-            <a:r>
-              <a:t/>
-            </a:r>
             <a:endParaRPr/>
           </a:p>
           <a:p>
-            <a:pPr indent="0" lvl="0" marL="0" rtl="0" algn="l">
+            <a:pPr marL="0" lvl="0" indent="0" algn="l" rtl="0">
               <a:spcBef>
                 <a:spcPts val="0"/>
               </a:spcBef>
@@ -7803,9 +7690,6 @@
               </a:spcAft>
               <a:buNone/>
             </a:pPr>
-            <a:r>
-              <a:t/>
-            </a:r>
             <a:endParaRPr/>
           </a:p>
         </p:txBody>
@@ -7903,11 +7787,11 @@
 </file>
 
 <file path=ppt/slides/slide5.xml><?xml version="1.0" encoding="utf-8"?>
-<p:sld xmlns:a="http://schemas.openxmlformats.org/drawingml/2006/main" xmlns:r="http://schemas.openxmlformats.org/officeDocument/2006/relationships" xmlns:mc="http://schemas.openxmlformats.org/markup-compatibility/2006" xmlns:mv="urn:schemas-microsoft-com:mac:vml" xmlns:p="http://schemas.openxmlformats.org/presentationml/2006/main" xmlns:c="http://schemas.openxmlformats.org/drawingml/2006/chart" xmlns:dgm="http://schemas.openxmlformats.org/drawingml/2006/diagram" xmlns:o="urn:schemas-microsoft-com:office:office" xmlns:v="urn:schemas-microsoft-com:vml" xmlns:pvml="urn:schemas-microsoft-com:office:powerpoint" xmlns:com="http://schemas.openxmlformats.org/drawingml/2006/compatibility" xmlns:p14="http://schemas.microsoft.com/office/powerpoint/2010/main" xmlns:p15="http://schemas.microsoft.com/office/powerpoint/2012/main" xmlns:ahyp="http://schemas.microsoft.com/office/drawing/2018/hyperlinkcolor">
+<p:sld xmlns:a="http://schemas.openxmlformats.org/drawingml/2006/main" xmlns:r="http://schemas.openxmlformats.org/officeDocument/2006/relationships" xmlns:p="http://schemas.openxmlformats.org/presentationml/2006/main">
   <p:cSld>
     <p:spTree>
       <p:nvGrpSpPr>
-        <p:cNvPr id="78" name="Shape 78"/>
+        <p:cNvPr id="1" name="Shape 78"/>
         <p:cNvGrpSpPr/>
         <p:nvPr/>
       </p:nvGrpSpPr>
@@ -7922,7 +7806,9 @@
       <p:sp>
         <p:nvSpPr>
           <p:cNvPr id="79" name="Google Shape;79;p17"/>
-          <p:cNvSpPr txBox="1"/>
+          <p:cNvSpPr txBox="1">
+            <a:spLocks noGrp="1"/>
+          </p:cNvSpPr>
           <p:nvPr>
             <p:ph type="title"/>
           </p:nvPr>
@@ -7937,12 +7823,12 @@
           </a:prstGeom>
         </p:spPr>
         <p:txBody>
-          <a:bodyPr anchorCtr="0" anchor="t" bIns="91425" lIns="91425" spcFirstLastPara="1" rIns="91425" wrap="square" tIns="91425">
+          <a:bodyPr spcFirstLastPara="1" wrap="square" lIns="91425" tIns="91425" rIns="91425" bIns="91425" anchor="t" anchorCtr="0">
             <a:normAutofit fontScale="90000"/>
           </a:bodyPr>
           <a:lstStyle/>
           <a:p>
-            <a:pPr indent="0" lvl="0" marL="0" rtl="0" algn="l">
+            <a:pPr marL="0" lvl="0" indent="0" algn="l" rtl="0">
               <a:spcBef>
                 <a:spcPts val="0"/>
               </a:spcBef>
@@ -7973,7 +7859,7 @@
             </a:endParaRPr>
           </a:p>
           <a:p>
-            <a:pPr indent="0" lvl="0" marL="0" rtl="0" algn="l">
+            <a:pPr marL="0" lvl="0" indent="0" algn="l" rtl="0">
               <a:spcBef>
                 <a:spcPts val="0"/>
               </a:spcBef>
@@ -7987,9 +7873,6 @@
               <a:buFont typeface="Arial"/>
               <a:buNone/>
             </a:pPr>
-            <a:r>
-              <a:t/>
-            </a:r>
             <a:endParaRPr>
               <a:latin typeface="Times New Roman"/>
               <a:ea typeface="Times New Roman"/>
@@ -7998,7 +7881,7 @@
             </a:endParaRPr>
           </a:p>
           <a:p>
-            <a:pPr indent="0" lvl="0" marL="0" rtl="0" algn="l">
+            <a:pPr marL="0" lvl="0" indent="0" algn="l" rtl="0">
               <a:spcBef>
                 <a:spcPts val="0"/>
               </a:spcBef>
@@ -8007,9 +7890,6 @@
               </a:spcAft>
               <a:buNone/>
             </a:pPr>
-            <a:r>
-              <a:t/>
-            </a:r>
             <a:endParaRPr>
               <a:latin typeface="Times New Roman"/>
               <a:ea typeface="Times New Roman"/>
@@ -8022,9 +7902,11 @@
       <p:sp>
         <p:nvSpPr>
           <p:cNvPr id="80" name="Google Shape;80;p17"/>
-          <p:cNvSpPr txBox="1"/>
+          <p:cNvSpPr txBox="1">
+            <a:spLocks noGrp="1"/>
+          </p:cNvSpPr>
           <p:nvPr>
-            <p:ph idx="1" type="body"/>
+            <p:ph type="body" idx="1"/>
           </p:nvPr>
         </p:nvSpPr>
         <p:spPr>
@@ -8037,12 +7919,12 @@
           </a:prstGeom>
         </p:spPr>
         <p:txBody>
-          <a:bodyPr anchorCtr="0" anchor="t" bIns="91425" lIns="91425" spcFirstLastPara="1" rIns="91425" wrap="square" tIns="91425">
+          <a:bodyPr spcFirstLastPara="1" wrap="square" lIns="91425" tIns="91425" rIns="91425" bIns="91425" anchor="t" anchorCtr="0">
             <a:normAutofit fontScale="62500" lnSpcReduction="20000"/>
           </a:bodyPr>
           <a:lstStyle/>
           <a:p>
-            <a:pPr indent="-300037" lvl="0" marL="457200" rtl="0" algn="just">
+            <a:pPr marL="457200" lvl="0" indent="-300037" algn="just" rtl="0">
               <a:lnSpc>
                 <a:spcPct val="150000"/>
               </a:lnSpc>
@@ -8073,7 +7955,7 @@
             </a:endParaRPr>
           </a:p>
           <a:p>
-            <a:pPr indent="-284162" lvl="1" marL="914400" rtl="0" algn="just">
+            <a:pPr marL="914400" lvl="1" indent="-284162" algn="just" rtl="0">
               <a:lnSpc>
                 <a:spcPct val="150000"/>
               </a:lnSpc>
@@ -8104,7 +7986,7 @@
             </a:endParaRPr>
           </a:p>
           <a:p>
-            <a:pPr indent="-284162" lvl="1" marL="914400" rtl="0" algn="just">
+            <a:pPr marL="914400" lvl="1" indent="-284162" algn="just" rtl="0">
               <a:lnSpc>
                 <a:spcPct val="150000"/>
               </a:lnSpc>
@@ -8135,7 +8017,7 @@
             </a:endParaRPr>
           </a:p>
           <a:p>
-            <a:pPr indent="-284162" lvl="1" marL="914400" rtl="0" algn="just">
+            <a:pPr marL="914400" lvl="1" indent="-284162" algn="just" rtl="0">
               <a:lnSpc>
                 <a:spcPct val="150000"/>
               </a:lnSpc>
@@ -8166,7 +8048,7 @@
             </a:endParaRPr>
           </a:p>
           <a:p>
-            <a:pPr indent="-284162" lvl="1" marL="914400" rtl="0" algn="just">
+            <a:pPr marL="914400" lvl="1" indent="-284162" algn="just" rtl="0">
               <a:lnSpc>
                 <a:spcPct val="150000"/>
               </a:lnSpc>
@@ -8197,7 +8079,7 @@
             </a:endParaRPr>
           </a:p>
           <a:p>
-            <a:pPr indent="-284162" lvl="1" marL="914400" rtl="0" algn="just">
+            <a:pPr marL="914400" lvl="1" indent="-284162" algn="just" rtl="0">
               <a:lnSpc>
                 <a:spcPct val="150000"/>
               </a:lnSpc>
@@ -8228,7 +8110,7 @@
             </a:endParaRPr>
           </a:p>
           <a:p>
-            <a:pPr indent="-284162" lvl="1" marL="914400" rtl="0" algn="just">
+            <a:pPr marL="914400" lvl="1" indent="-284162" algn="just" rtl="0">
               <a:lnSpc>
                 <a:spcPct val="150000"/>
               </a:lnSpc>
@@ -8259,7 +8141,7 @@
             </a:endParaRPr>
           </a:p>
           <a:p>
-            <a:pPr indent="-284162" lvl="1" marL="914400" rtl="0" algn="just">
+            <a:pPr marL="914400" lvl="1" indent="-284162" algn="just" rtl="0">
               <a:lnSpc>
                 <a:spcPct val="150000"/>
               </a:lnSpc>
@@ -8290,7 +8172,7 @@
             </a:endParaRPr>
           </a:p>
           <a:p>
-            <a:pPr indent="-284162" lvl="1" marL="914400" rtl="0" algn="just">
+            <a:pPr marL="914400" lvl="1" indent="-284162" algn="just" rtl="0">
               <a:lnSpc>
                 <a:spcPct val="150000"/>
               </a:lnSpc>
@@ -8321,7 +8203,7 @@
             </a:endParaRPr>
           </a:p>
           <a:p>
-            <a:pPr indent="-300037" lvl="0" marL="457200" rtl="0" algn="just">
+            <a:pPr marL="457200" lvl="0" indent="-300037" algn="just" rtl="0">
               <a:lnSpc>
                 <a:spcPct val="150000"/>
               </a:lnSpc>
@@ -8352,7 +8234,7 @@
             </a:endParaRPr>
           </a:p>
           <a:p>
-            <a:pPr indent="-300037" lvl="0" marL="457200" rtl="0" algn="just">
+            <a:pPr marL="457200" lvl="0" indent="-300037" algn="just" rtl="0">
               <a:lnSpc>
                 <a:spcPct val="150000"/>
               </a:lnSpc>
@@ -8383,7 +8265,7 @@
             </a:endParaRPr>
           </a:p>
           <a:p>
-            <a:pPr indent="-300037" lvl="0" marL="457200" rtl="0" algn="just">
+            <a:pPr marL="457200" lvl="0" indent="-300037" algn="just" rtl="0">
               <a:lnSpc>
                 <a:spcPct val="150000"/>
               </a:lnSpc>
@@ -8452,11 +8334,11 @@
 </file>
 
 <file path=ppt/slides/slide6.xml><?xml version="1.0" encoding="utf-8"?>
-<p:sld xmlns:a="http://schemas.openxmlformats.org/drawingml/2006/main" xmlns:r="http://schemas.openxmlformats.org/officeDocument/2006/relationships" xmlns:mc="http://schemas.openxmlformats.org/markup-compatibility/2006" xmlns:mv="urn:schemas-microsoft-com:mac:vml" xmlns:p="http://schemas.openxmlformats.org/presentationml/2006/main" xmlns:c="http://schemas.openxmlformats.org/drawingml/2006/chart" xmlns:dgm="http://schemas.openxmlformats.org/drawingml/2006/diagram" xmlns:o="urn:schemas-microsoft-com:office:office" xmlns:v="urn:schemas-microsoft-com:vml" xmlns:pvml="urn:schemas-microsoft-com:office:powerpoint" xmlns:com="http://schemas.openxmlformats.org/drawingml/2006/compatibility" xmlns:p14="http://schemas.microsoft.com/office/powerpoint/2010/main" xmlns:p15="http://schemas.microsoft.com/office/powerpoint/2012/main" xmlns:ahyp="http://schemas.microsoft.com/office/drawing/2018/hyperlinkcolor">
+<p:sld xmlns:a="http://schemas.openxmlformats.org/drawingml/2006/main" xmlns:r="http://schemas.openxmlformats.org/officeDocument/2006/relationships" xmlns:p="http://schemas.openxmlformats.org/presentationml/2006/main">
   <p:cSld>
     <p:spTree>
       <p:nvGrpSpPr>
-        <p:cNvPr id="85" name="Shape 85"/>
+        <p:cNvPr id="1" name="Shape 85"/>
         <p:cNvGrpSpPr/>
         <p:nvPr/>
       </p:nvGrpSpPr>
@@ -8471,7 +8353,9 @@
       <p:sp>
         <p:nvSpPr>
           <p:cNvPr id="86" name="Google Shape;86;p18"/>
-          <p:cNvSpPr txBox="1"/>
+          <p:cNvSpPr txBox="1">
+            <a:spLocks noGrp="1"/>
+          </p:cNvSpPr>
           <p:nvPr>
             <p:ph type="title"/>
           </p:nvPr>
@@ -8486,12 +8370,12 @@
           </a:prstGeom>
         </p:spPr>
         <p:txBody>
-          <a:bodyPr anchorCtr="0" anchor="t" bIns="91425" lIns="91425" spcFirstLastPara="1" rIns="91425" wrap="square" tIns="91425">
+          <a:bodyPr spcFirstLastPara="1" wrap="square" lIns="91425" tIns="91425" rIns="91425" bIns="91425" anchor="t" anchorCtr="0">
             <a:normAutofit fontScale="90000"/>
           </a:bodyPr>
           <a:lstStyle/>
           <a:p>
-            <a:pPr indent="0" lvl="0" marL="0" rtl="0" algn="l">
+            <a:pPr marL="0" lvl="0" indent="0" algn="l" rtl="0">
               <a:spcBef>
                 <a:spcPts val="0"/>
               </a:spcBef>
@@ -8522,7 +8406,7 @@
             </a:endParaRPr>
           </a:p>
           <a:p>
-            <a:pPr indent="0" lvl="0" marL="0" rtl="0" algn="l">
+            <a:pPr marL="0" lvl="0" indent="0" algn="l" rtl="0">
               <a:spcBef>
                 <a:spcPts val="0"/>
               </a:spcBef>
@@ -8536,9 +8420,6 @@
               <a:buFont typeface="Arial"/>
               <a:buNone/>
             </a:pPr>
-            <a:r>
-              <a:t/>
-            </a:r>
             <a:endParaRPr>
               <a:latin typeface="Times New Roman"/>
               <a:ea typeface="Times New Roman"/>
@@ -8547,7 +8428,7 @@
             </a:endParaRPr>
           </a:p>
           <a:p>
-            <a:pPr indent="0" lvl="0" marL="0" rtl="0" algn="l">
+            <a:pPr marL="0" lvl="0" indent="0" algn="l" rtl="0">
               <a:spcBef>
                 <a:spcPts val="0"/>
               </a:spcBef>
@@ -8556,9 +8437,6 @@
               </a:spcAft>
               <a:buNone/>
             </a:pPr>
-            <a:r>
-              <a:t/>
-            </a:r>
             <a:endParaRPr>
               <a:latin typeface="Times New Roman"/>
               <a:ea typeface="Times New Roman"/>
@@ -8571,9 +8449,11 @@
       <p:sp>
         <p:nvSpPr>
           <p:cNvPr id="87" name="Google Shape;87;p18"/>
-          <p:cNvSpPr txBox="1"/>
+          <p:cNvSpPr txBox="1">
+            <a:spLocks noGrp="1"/>
+          </p:cNvSpPr>
           <p:nvPr>
-            <p:ph idx="1" type="body"/>
+            <p:ph type="body" idx="1"/>
           </p:nvPr>
         </p:nvSpPr>
         <p:spPr>
@@ -8586,12 +8466,12 @@
           </a:prstGeom>
         </p:spPr>
         <p:txBody>
-          <a:bodyPr anchorCtr="0" anchor="t" bIns="91425" lIns="91425" spcFirstLastPara="1" rIns="91425" wrap="square" tIns="91425">
+          <a:bodyPr spcFirstLastPara="1" wrap="square" lIns="91425" tIns="91425" rIns="91425" bIns="91425" anchor="t" anchorCtr="0">
             <a:normAutofit/>
           </a:bodyPr>
           <a:lstStyle/>
           <a:p>
-            <a:pPr indent="-317500" lvl="0" marL="457200" rtl="0" algn="just">
+            <a:pPr marL="457200" lvl="0" indent="-317500" algn="just" rtl="0">
               <a:lnSpc>
                 <a:spcPct val="150000"/>
               </a:lnSpc>
@@ -8631,7 +8511,7 @@
             </a:endParaRPr>
           </a:p>
           <a:p>
-            <a:pPr indent="-317500" lvl="0" marL="457200" rtl="0" algn="just">
+            <a:pPr marL="457200" lvl="0" indent="-317500" algn="just" rtl="0">
               <a:lnSpc>
                 <a:spcPct val="150000"/>
               </a:lnSpc>
@@ -8671,7 +8551,7 @@
             </a:endParaRPr>
           </a:p>
           <a:p>
-            <a:pPr indent="-317500" lvl="0" marL="457200" rtl="0" algn="just">
+            <a:pPr marL="457200" lvl="0" indent="-317500" algn="just" rtl="0">
               <a:lnSpc>
                 <a:spcPct val="150000"/>
               </a:lnSpc>
@@ -8711,7 +8591,7 @@
             </a:endParaRPr>
           </a:p>
           <a:p>
-            <a:pPr indent="-317500" lvl="0" marL="457200" rtl="0" algn="just">
+            <a:pPr marL="457200" lvl="0" indent="-317500" algn="just" rtl="0">
               <a:lnSpc>
                 <a:spcPct val="150000"/>
               </a:lnSpc>
@@ -8751,7 +8631,7 @@
             </a:endParaRPr>
           </a:p>
           <a:p>
-            <a:pPr indent="-317500" lvl="0" marL="457200" rtl="0" algn="just">
+            <a:pPr marL="457200" lvl="0" indent="-317500" algn="just" rtl="0">
               <a:lnSpc>
                 <a:spcPct val="150000"/>
               </a:lnSpc>
@@ -8801,11 +8681,11 @@
 </file>
 
 <file path=ppt/slides/slide7.xml><?xml version="1.0" encoding="utf-8"?>
-<p:sld xmlns:a="http://schemas.openxmlformats.org/drawingml/2006/main" xmlns:r="http://schemas.openxmlformats.org/officeDocument/2006/relationships" xmlns:mc="http://schemas.openxmlformats.org/markup-compatibility/2006" xmlns:mv="urn:schemas-microsoft-com:mac:vml" xmlns:p="http://schemas.openxmlformats.org/presentationml/2006/main" xmlns:c="http://schemas.openxmlformats.org/drawingml/2006/chart" xmlns:dgm="http://schemas.openxmlformats.org/drawingml/2006/diagram" xmlns:o="urn:schemas-microsoft-com:office:office" xmlns:v="urn:schemas-microsoft-com:vml" xmlns:pvml="urn:schemas-microsoft-com:office:powerpoint" xmlns:com="http://schemas.openxmlformats.org/drawingml/2006/compatibility" xmlns:p14="http://schemas.microsoft.com/office/powerpoint/2010/main" xmlns:p15="http://schemas.microsoft.com/office/powerpoint/2012/main" xmlns:ahyp="http://schemas.microsoft.com/office/drawing/2018/hyperlinkcolor">
+<p:sld xmlns:a="http://schemas.openxmlformats.org/drawingml/2006/main" xmlns:r="http://schemas.openxmlformats.org/officeDocument/2006/relationships" xmlns:p="http://schemas.openxmlformats.org/presentationml/2006/main">
   <p:cSld>
     <p:spTree>
       <p:nvGrpSpPr>
-        <p:cNvPr id="91" name="Shape 91"/>
+        <p:cNvPr id="1" name="Shape 91"/>
         <p:cNvGrpSpPr/>
         <p:nvPr/>
       </p:nvGrpSpPr>
@@ -8820,7 +8700,9 @@
       <p:sp>
         <p:nvSpPr>
           <p:cNvPr id="92" name="Google Shape;92;p19"/>
-          <p:cNvSpPr txBox="1"/>
+          <p:cNvSpPr txBox="1">
+            <a:spLocks noGrp="1"/>
+          </p:cNvSpPr>
           <p:nvPr>
             <p:ph type="title"/>
           </p:nvPr>
@@ -8835,12 +8717,12 @@
           </a:prstGeom>
         </p:spPr>
         <p:txBody>
-          <a:bodyPr anchorCtr="0" anchor="t" bIns="91425" lIns="91425" spcFirstLastPara="1" rIns="91425" wrap="square" tIns="91425">
+          <a:bodyPr spcFirstLastPara="1" wrap="square" lIns="91425" tIns="91425" rIns="91425" bIns="91425" anchor="t" anchorCtr="0">
             <a:normAutofit fontScale="90000"/>
           </a:bodyPr>
           <a:lstStyle/>
           <a:p>
-            <a:pPr indent="0" lvl="0" marL="0" rtl="0" algn="l">
+            <a:pPr marL="0" lvl="0" indent="0" algn="l" rtl="0">
               <a:spcBef>
                 <a:spcPts val="0"/>
               </a:spcBef>
@@ -8861,7 +8743,7 @@
             <a:endParaRPr/>
           </a:p>
           <a:p>
-            <a:pPr indent="0" lvl="0" marL="0" rtl="0" algn="l">
+            <a:pPr marL="0" lvl="0" indent="0" algn="l" rtl="0">
               <a:spcBef>
                 <a:spcPts val="0"/>
               </a:spcBef>
@@ -8875,13 +8757,10 @@
               <a:buFont typeface="Arial"/>
               <a:buNone/>
             </a:pPr>
-            <a:r>
-              <a:t/>
-            </a:r>
             <a:endParaRPr/>
           </a:p>
           <a:p>
-            <a:pPr indent="0" lvl="0" marL="0" rtl="0" algn="l">
+            <a:pPr marL="0" lvl="0" indent="0" algn="l" rtl="0">
               <a:spcBef>
                 <a:spcPts val="0"/>
               </a:spcBef>
@@ -8890,9 +8769,6 @@
               </a:spcAft>
               <a:buNone/>
             </a:pPr>
-            <a:r>
-              <a:t/>
-            </a:r>
             <a:endParaRPr/>
           </a:p>
         </p:txBody>
@@ -8900,9 +8776,11 @@
       <p:sp>
         <p:nvSpPr>
           <p:cNvPr id="93" name="Google Shape;93;p19"/>
-          <p:cNvSpPr txBox="1"/>
+          <p:cNvSpPr txBox="1">
+            <a:spLocks noGrp="1"/>
+          </p:cNvSpPr>
           <p:nvPr>
-            <p:ph idx="1" type="body"/>
+            <p:ph type="body" idx="1"/>
           </p:nvPr>
         </p:nvSpPr>
         <p:spPr>
@@ -8915,12 +8793,12 @@
           </a:prstGeom>
         </p:spPr>
         <p:txBody>
-          <a:bodyPr anchorCtr="0" anchor="t" bIns="91425" lIns="91425" spcFirstLastPara="1" rIns="91425" wrap="square" tIns="91425">
+          <a:bodyPr spcFirstLastPara="1" wrap="square" lIns="91425" tIns="91425" rIns="91425" bIns="91425" anchor="t" anchorCtr="0">
             <a:normAutofit fontScale="55000" lnSpcReduction="20000"/>
           </a:bodyPr>
           <a:lstStyle/>
           <a:p>
-            <a:pPr indent="0" lvl="0" marL="0" rtl="0" algn="just">
+            <a:pPr marL="0" lvl="0" indent="0" algn="just" rtl="0">
               <a:lnSpc>
                 <a:spcPct val="150000"/>
               </a:lnSpc>
@@ -8938,7 +8816,7 @@
               <a:buNone/>
             </a:pPr>
             <a:r>
-              <a:rPr b="1" lang="en">
+              <a:rPr lang="en" b="1">
                 <a:latin typeface="Times New Roman"/>
                 <a:ea typeface="Times New Roman"/>
                 <a:cs typeface="Times New Roman"/>
@@ -8954,7 +8832,7 @@
             </a:endParaRPr>
           </a:p>
           <a:p>
-            <a:pPr indent="0" lvl="0" marL="0" rtl="0" algn="just">
+            <a:pPr marL="0" lvl="0" indent="0" algn="just" rtl="0">
               <a:lnSpc>
                 <a:spcPct val="150000"/>
               </a:lnSpc>
@@ -8988,7 +8866,7 @@
             </a:endParaRPr>
           </a:p>
           <a:p>
-            <a:pPr indent="0" lvl="0" marL="0" rtl="0" algn="just">
+            <a:pPr marL="0" lvl="0" indent="0" algn="just" rtl="0">
               <a:lnSpc>
                 <a:spcPct val="150000"/>
               </a:lnSpc>
@@ -9006,7 +8884,7 @@
               <a:buNone/>
             </a:pPr>
             <a:r>
-              <a:rPr b="1" lang="en">
+              <a:rPr lang="en" b="1">
                 <a:latin typeface="Times New Roman"/>
                 <a:ea typeface="Times New Roman"/>
                 <a:cs typeface="Times New Roman"/>
@@ -9022,7 +8900,7 @@
             </a:endParaRPr>
           </a:p>
           <a:p>
-            <a:pPr indent="0" lvl="0" marL="0" rtl="0" algn="just">
+            <a:pPr marL="0" lvl="0" indent="0" algn="just" rtl="0">
               <a:lnSpc>
                 <a:spcPct val="150000"/>
               </a:lnSpc>
@@ -9056,7 +8934,7 @@
             </a:endParaRPr>
           </a:p>
           <a:p>
-            <a:pPr indent="0" lvl="0" marL="0" rtl="0" algn="just">
+            <a:pPr marL="0" lvl="0" indent="0" algn="just" rtl="0">
               <a:lnSpc>
                 <a:spcPct val="150000"/>
               </a:lnSpc>
@@ -9074,7 +8952,7 @@
               <a:buNone/>
             </a:pPr>
             <a:r>
-              <a:rPr b="1" lang="en">
+              <a:rPr lang="en" b="1">
                 <a:latin typeface="Times New Roman"/>
                 <a:ea typeface="Times New Roman"/>
                 <a:cs typeface="Times New Roman"/>
@@ -9090,7 +8968,7 @@
             </a:endParaRPr>
           </a:p>
           <a:p>
-            <a:pPr indent="0" lvl="0" marL="0" rtl="0" algn="just">
+            <a:pPr marL="0" lvl="0" indent="0" algn="just" rtl="0">
               <a:lnSpc>
                 <a:spcPct val="150000"/>
               </a:lnSpc>
@@ -9124,7 +9002,7 @@
             </a:endParaRPr>
           </a:p>
           <a:p>
-            <a:pPr indent="0" lvl="0" marL="0" rtl="0" algn="just">
+            <a:pPr marL="0" lvl="0" indent="0" algn="just" rtl="0">
               <a:lnSpc>
                 <a:spcPct val="150000"/>
               </a:lnSpc>
@@ -9142,7 +9020,7 @@
               <a:buNone/>
             </a:pPr>
             <a:r>
-              <a:rPr b="1" lang="en">
+              <a:rPr lang="en" b="1">
                 <a:latin typeface="Times New Roman"/>
                 <a:ea typeface="Times New Roman"/>
                 <a:cs typeface="Times New Roman"/>
@@ -9158,7 +9036,7 @@
             </a:endParaRPr>
           </a:p>
           <a:p>
-            <a:pPr indent="0" lvl="0" marL="0" rtl="0" algn="just">
+            <a:pPr marL="0" lvl="0" indent="0" algn="just" rtl="0">
               <a:lnSpc>
                 <a:spcPct val="150000"/>
               </a:lnSpc>
@@ -9225,11 +9103,11 @@
 </file>
 
 <file path=ppt/slides/slide8.xml><?xml version="1.0" encoding="utf-8"?>
-<p:sld xmlns:a="http://schemas.openxmlformats.org/drawingml/2006/main" xmlns:r="http://schemas.openxmlformats.org/officeDocument/2006/relationships" xmlns:mc="http://schemas.openxmlformats.org/markup-compatibility/2006" xmlns:mv="urn:schemas-microsoft-com:mac:vml" xmlns:p="http://schemas.openxmlformats.org/presentationml/2006/main" xmlns:c="http://schemas.openxmlformats.org/drawingml/2006/chart" xmlns:dgm="http://schemas.openxmlformats.org/drawingml/2006/diagram" xmlns:o="urn:schemas-microsoft-com:office:office" xmlns:v="urn:schemas-microsoft-com:vml" xmlns:pvml="urn:schemas-microsoft-com:office:powerpoint" xmlns:com="http://schemas.openxmlformats.org/drawingml/2006/compatibility" xmlns:p14="http://schemas.microsoft.com/office/powerpoint/2010/main" xmlns:p15="http://schemas.microsoft.com/office/powerpoint/2012/main" xmlns:ahyp="http://schemas.microsoft.com/office/drawing/2018/hyperlinkcolor">
+<p:sld xmlns:a="http://schemas.openxmlformats.org/drawingml/2006/main" xmlns:r="http://schemas.openxmlformats.org/officeDocument/2006/relationships" xmlns:p="http://schemas.openxmlformats.org/presentationml/2006/main">
   <p:cSld>
     <p:spTree>
       <p:nvGrpSpPr>
-        <p:cNvPr id="98" name="Shape 98"/>
+        <p:cNvPr id="1" name="Shape 98"/>
         <p:cNvGrpSpPr/>
         <p:nvPr/>
       </p:nvGrpSpPr>
@@ -9244,7 +9122,9 @@
       <p:sp>
         <p:nvSpPr>
           <p:cNvPr id="99" name="Google Shape;99;p20"/>
-          <p:cNvSpPr txBox="1"/>
+          <p:cNvSpPr txBox="1">
+            <a:spLocks noGrp="1"/>
+          </p:cNvSpPr>
           <p:nvPr>
             <p:ph type="title"/>
           </p:nvPr>
@@ -9259,12 +9139,12 @@
           </a:prstGeom>
         </p:spPr>
         <p:txBody>
-          <a:bodyPr anchorCtr="0" anchor="t" bIns="91425" lIns="91425" spcFirstLastPara="1" rIns="91425" wrap="square" tIns="91425">
+          <a:bodyPr spcFirstLastPara="1" wrap="square" lIns="91425" tIns="91425" rIns="91425" bIns="91425" anchor="t" anchorCtr="0">
             <a:normAutofit fontScale="90000"/>
           </a:bodyPr>
           <a:lstStyle/>
           <a:p>
-            <a:pPr indent="0" lvl="0" marL="0" rtl="0" algn="l">
+            <a:pPr marL="0" lvl="0" indent="0" algn="l" rtl="0">
               <a:spcBef>
                 <a:spcPts val="0"/>
               </a:spcBef>
@@ -9294,9 +9174,11 @@
       <p:sp>
         <p:nvSpPr>
           <p:cNvPr id="100" name="Google Shape;100;p20"/>
-          <p:cNvSpPr txBox="1"/>
+          <p:cNvSpPr txBox="1">
+            <a:spLocks noGrp="1"/>
+          </p:cNvSpPr>
           <p:nvPr>
-            <p:ph idx="1" type="body"/>
+            <p:ph type="body" idx="1"/>
           </p:nvPr>
         </p:nvSpPr>
         <p:spPr>
@@ -9309,12 +9191,12 @@
           </a:prstGeom>
         </p:spPr>
         <p:txBody>
-          <a:bodyPr anchorCtr="0" anchor="t" bIns="91425" lIns="91425" spcFirstLastPara="1" rIns="91425" wrap="square" tIns="91425">
+          <a:bodyPr spcFirstLastPara="1" wrap="square" lIns="91425" tIns="91425" rIns="91425" bIns="91425" anchor="t" anchorCtr="0">
             <a:normAutofit lnSpcReduction="20000"/>
           </a:bodyPr>
           <a:lstStyle/>
           <a:p>
-            <a:pPr indent="0" lvl="0" marL="0" rtl="0" algn="just">
+            <a:pPr marL="0" lvl="0" indent="0" algn="just" rtl="0">
               <a:lnSpc>
                 <a:spcPct val="150000"/>
               </a:lnSpc>
@@ -9349,7 +9231,7 @@
             </a:endParaRPr>
           </a:p>
           <a:p>
-            <a:pPr indent="0" lvl="0" marL="0" rtl="0" algn="just">
+            <a:pPr marL="0" lvl="0" indent="0" algn="just" rtl="0">
               <a:lnSpc>
                 <a:spcPct val="150000"/>
               </a:lnSpc>
@@ -9384,7 +9266,7 @@
             </a:endParaRPr>
           </a:p>
           <a:p>
-            <a:pPr indent="0" lvl="0" marL="0" rtl="0" algn="just">
+            <a:pPr marL="0" lvl="0" indent="0" algn="just" rtl="0">
               <a:lnSpc>
                 <a:spcPct val="150000"/>
               </a:lnSpc>
@@ -9424,7 +9306,7 @@
             </a:endParaRPr>
           </a:p>
           <a:p>
-            <a:pPr indent="0" lvl="0" marL="0" rtl="0" algn="just">
+            <a:pPr marL="0" lvl="0" indent="0" algn="just" rtl="0">
               <a:lnSpc>
                 <a:spcPct val="150000"/>
               </a:lnSpc>
@@ -9464,7 +9346,7 @@
             </a:endParaRPr>
           </a:p>
           <a:p>
-            <a:pPr indent="0" lvl="0" marL="0" rtl="0" algn="just">
+            <a:pPr marL="0" lvl="0" indent="0" algn="just" rtl="0">
               <a:lnSpc>
                 <a:spcPct val="150000"/>
               </a:lnSpc>
@@ -9504,7 +9386,7 @@
             </a:endParaRPr>
           </a:p>
           <a:p>
-            <a:pPr indent="0" lvl="0" marL="0" rtl="0" algn="just">
+            <a:pPr marL="0" lvl="0" indent="0" algn="just" rtl="0">
               <a:lnSpc>
                 <a:spcPct val="150000"/>
               </a:lnSpc>
@@ -9544,7 +9426,7 @@
             </a:endParaRPr>
           </a:p>
           <a:p>
-            <a:pPr indent="0" lvl="0" marL="0" rtl="0" algn="just">
+            <a:pPr marL="0" lvl="0" indent="0" algn="just" rtl="0">
               <a:lnSpc>
                 <a:spcPct val="150000"/>
               </a:lnSpc>
@@ -9556,9 +9438,6 @@
               </a:spcAft>
               <a:buNone/>
             </a:pPr>
-            <a:r>
-              <a:t/>
-            </a:r>
             <a:endParaRPr sz="1400">
               <a:solidFill>
                 <a:srgbClr val="444444"/>
@@ -9570,7 +9449,7 @@
             </a:endParaRPr>
           </a:p>
           <a:p>
-            <a:pPr indent="0" lvl="0" marL="0" rtl="0" algn="just">
+            <a:pPr marL="0" lvl="0" indent="0" algn="just" rtl="0">
               <a:lnSpc>
                 <a:spcPct val="150000"/>
               </a:lnSpc>
@@ -9582,9 +9461,6 @@
               </a:spcAft>
               <a:buNone/>
             </a:pPr>
-            <a:r>
-              <a:t/>
-            </a:r>
             <a:endParaRPr sz="1400">
               <a:solidFill>
                 <a:srgbClr val="444444"/>
@@ -9606,11 +9482,11 @@
 </file>
 
 <file path=ppt/slides/slide9.xml><?xml version="1.0" encoding="utf-8"?>
-<p:sld xmlns:a="http://schemas.openxmlformats.org/drawingml/2006/main" xmlns:r="http://schemas.openxmlformats.org/officeDocument/2006/relationships" xmlns:mc="http://schemas.openxmlformats.org/markup-compatibility/2006" xmlns:mv="urn:schemas-microsoft-com:mac:vml" xmlns:p="http://schemas.openxmlformats.org/presentationml/2006/main" xmlns:c="http://schemas.openxmlformats.org/drawingml/2006/chart" xmlns:dgm="http://schemas.openxmlformats.org/drawingml/2006/diagram" xmlns:o="urn:schemas-microsoft-com:office:office" xmlns:v="urn:schemas-microsoft-com:vml" xmlns:pvml="urn:schemas-microsoft-com:office:powerpoint" xmlns:com="http://schemas.openxmlformats.org/drawingml/2006/compatibility" xmlns:p14="http://schemas.microsoft.com/office/powerpoint/2010/main" xmlns:p15="http://schemas.microsoft.com/office/powerpoint/2012/main" xmlns:ahyp="http://schemas.microsoft.com/office/drawing/2018/hyperlinkcolor">
+<p:sld xmlns:a="http://schemas.openxmlformats.org/drawingml/2006/main" xmlns:r="http://schemas.openxmlformats.org/officeDocument/2006/relationships" xmlns:p="http://schemas.openxmlformats.org/presentationml/2006/main">
   <p:cSld>
     <p:spTree>
       <p:nvGrpSpPr>
-        <p:cNvPr id="104" name="Shape 104"/>
+        <p:cNvPr id="1" name="Shape 104"/>
         <p:cNvGrpSpPr/>
         <p:nvPr/>
       </p:nvGrpSpPr>
@@ -9625,7 +9501,9 @@
       <p:sp>
         <p:nvSpPr>
           <p:cNvPr id="105" name="Google Shape;105;p21"/>
-          <p:cNvSpPr txBox="1"/>
+          <p:cNvSpPr txBox="1">
+            <a:spLocks noGrp="1"/>
+          </p:cNvSpPr>
           <p:nvPr>
             <p:ph type="title"/>
           </p:nvPr>
@@ -9640,12 +9518,12 @@
           </a:prstGeom>
         </p:spPr>
         <p:txBody>
-          <a:bodyPr anchorCtr="0" anchor="t" bIns="91425" lIns="91425" spcFirstLastPara="1" rIns="91425" wrap="square" tIns="91425">
+          <a:bodyPr spcFirstLastPara="1" wrap="square" lIns="91425" tIns="91425" rIns="91425" bIns="91425" anchor="t" anchorCtr="0">
             <a:normAutofit fontScale="90000"/>
           </a:bodyPr>
           <a:lstStyle/>
           <a:p>
-            <a:pPr indent="0" lvl="0" marL="0" rtl="0" algn="l">
+            <a:pPr marL="0" lvl="0" indent="0" algn="l" rtl="0">
               <a:spcBef>
                 <a:spcPts val="0"/>
               </a:spcBef>
@@ -9676,7 +9554,7 @@
             </a:endParaRPr>
           </a:p>
           <a:p>
-            <a:pPr indent="0" lvl="0" marL="0" rtl="0" algn="l">
+            <a:pPr marL="0" lvl="0" indent="0" algn="l" rtl="0">
               <a:spcBef>
                 <a:spcPts val="0"/>
               </a:spcBef>
@@ -9685,9 +9563,6 @@
               </a:spcAft>
               <a:buNone/>
             </a:pPr>
-            <a:r>
-              <a:t/>
-            </a:r>
             <a:endParaRPr>
               <a:latin typeface="Times New Roman"/>
               <a:ea typeface="Times New Roman"/>
@@ -9700,9 +9575,11 @@
       <p:sp>
         <p:nvSpPr>
           <p:cNvPr id="106" name="Google Shape;106;p21"/>
-          <p:cNvSpPr txBox="1"/>
+          <p:cNvSpPr txBox="1">
+            <a:spLocks noGrp="1"/>
+          </p:cNvSpPr>
           <p:nvPr>
-            <p:ph idx="1" type="body"/>
+            <p:ph type="body" idx="1"/>
           </p:nvPr>
         </p:nvSpPr>
         <p:spPr>
@@ -9715,12 +9592,12 @@
           </a:prstGeom>
         </p:spPr>
         <p:txBody>
-          <a:bodyPr anchorCtr="0" anchor="t" bIns="91425" lIns="91425" spcFirstLastPara="1" rIns="91425" wrap="square" tIns="91425">
+          <a:bodyPr spcFirstLastPara="1" wrap="square" lIns="91425" tIns="91425" rIns="91425" bIns="91425" anchor="t" anchorCtr="0">
             <a:normAutofit/>
           </a:bodyPr>
           <a:lstStyle/>
           <a:p>
-            <a:pPr indent="-342900" lvl="0" marL="457200" rtl="0" algn="just">
+            <a:pPr marL="457200" lvl="0" indent="-342900" algn="just" rtl="0">
               <a:lnSpc>
                 <a:spcPct val="150000"/>
               </a:lnSpc>
@@ -9735,7 +9612,7 @@
               <a:buChar char="●"/>
             </a:pPr>
             <a:r>
-              <a:rPr lang="en">
+              <a:rPr lang="en" dirty="0">
                 <a:latin typeface="Times New Roman"/>
                 <a:ea typeface="Times New Roman"/>
                 <a:cs typeface="Times New Roman"/>
@@ -9743,7 +9620,7 @@
               </a:rPr>
               <a:t>The datasets are divided into two: 70% used in training and 30% used for testing. </a:t>
             </a:r>
-            <a:endParaRPr>
+            <a:endParaRPr dirty="0">
               <a:latin typeface="Times New Roman"/>
               <a:ea typeface="Times New Roman"/>
               <a:cs typeface="Times New Roman"/>
@@ -9751,7 +9628,7 @@
             </a:endParaRPr>
           </a:p>
           <a:p>
-            <a:pPr indent="-342900" lvl="0" marL="457200" rtl="0" algn="just">
+            <a:pPr marL="457200" lvl="0" indent="-342900" algn="just" rtl="0">
               <a:lnSpc>
                 <a:spcPct val="150000"/>
               </a:lnSpc>
@@ -9766,7 +9643,7 @@
               <a:buChar char="●"/>
             </a:pPr>
             <a:r>
-              <a:rPr lang="en">
+              <a:rPr lang="en" dirty="0">
                 <a:latin typeface="Times New Roman"/>
                 <a:ea typeface="Times New Roman"/>
                 <a:cs typeface="Times New Roman"/>
@@ -9774,7 +9651,7 @@
               </a:rPr>
               <a:t>The performances of the models are evaluated based on testing accuracy, sensitivity, and specificity from the confusion matrix. </a:t>
             </a:r>
-            <a:endParaRPr>
+            <a:endParaRPr dirty="0">
               <a:latin typeface="Times New Roman"/>
               <a:ea typeface="Times New Roman"/>
               <a:cs typeface="Times New Roman"/>
@@ -9782,7 +9659,7 @@
             </a:endParaRPr>
           </a:p>
           <a:p>
-            <a:pPr indent="-342900" lvl="0" marL="457200" rtl="0" algn="just">
+            <a:pPr marL="457200" lvl="0" indent="-342900" algn="just" rtl="0">
               <a:lnSpc>
                 <a:spcPct val="150000"/>
               </a:lnSpc>
@@ -9797,7 +9674,7 @@
               <a:buChar char="●"/>
             </a:pPr>
             <a:r>
-              <a:rPr lang="en">
+              <a:rPr lang="en" dirty="0">
                 <a:latin typeface="Times New Roman"/>
                 <a:ea typeface="Times New Roman"/>
                 <a:cs typeface="Times New Roman"/>
@@ -9805,7 +9682,7 @@
               </a:rPr>
               <a:t>Carried out a multiclass classification, we trained each type of pneumonia with healthy (non-pneumonia or non infected) CXR images.</a:t>
             </a:r>
-            <a:endParaRPr>
+            <a:endParaRPr dirty="0">
               <a:latin typeface="Times New Roman"/>
               <a:ea typeface="Times New Roman"/>
               <a:cs typeface="Times New Roman"/>
@@ -9813,7 +9690,7 @@
             </a:endParaRPr>
           </a:p>
           <a:p>
-            <a:pPr indent="-342900" lvl="0" marL="457200" rtl="0" algn="just">
+            <a:pPr marL="457200" lvl="0" indent="-342900" algn="just" rtl="0">
               <a:lnSpc>
                 <a:spcPct val="150000"/>
               </a:lnSpc>
@@ -9828,15 +9705,15 @@
               <a:buChar char="●"/>
             </a:pPr>
             <a:r>
-              <a:rPr lang="en">
+              <a:rPr lang="en" dirty="0">
                 <a:latin typeface="Times New Roman"/>
                 <a:ea typeface="Times New Roman"/>
                 <a:cs typeface="Times New Roman"/>
                 <a:sym typeface="Times New Roman"/>
               </a:rPr>
-              <a:t>Achieved 60% testing accuracy, 61% sensitivity, and 61% specificity.</a:t>
+              <a:t>Achieved 90% testing accuracy, 61% sensitivity, and 61% specificity.</a:t>
             </a:r>
-            <a:endParaRPr>
+            <a:endParaRPr dirty="0">
               <a:latin typeface="Times New Roman"/>
               <a:ea typeface="Times New Roman"/>
               <a:cs typeface="Times New Roman"/>
@@ -9854,7 +9731,7 @@
 </file>
 
 <file path=ppt/theme/theme1.xml><?xml version="1.0" encoding="utf-8"?>
-<a:theme xmlns:a="http://schemas.openxmlformats.org/drawingml/2006/main" xmlns:r="http://schemas.openxmlformats.org/officeDocument/2006/relationships" name="Simple Light">
+<a:theme xmlns:a="http://schemas.openxmlformats.org/drawingml/2006/main" name="Simple Light">
   <a:themeElements>
     <a:clrScheme name="Simple Light">
       <a:dk1>
@@ -10129,11 +10006,13 @@
       </a:bgFillStyleLst>
     </a:fmtScheme>
   </a:themeElements>
+  <a:objectDefaults/>
+  <a:extraClrSchemeLst/>
 </a:theme>
 </file>
 
 <file path=ppt/theme/theme2.xml><?xml version="1.0" encoding="utf-8"?>
-<a:theme xmlns:a="http://schemas.openxmlformats.org/drawingml/2006/main" xmlns:r="http://schemas.openxmlformats.org/officeDocument/2006/relationships">
+<a:theme xmlns:a="http://schemas.openxmlformats.org/drawingml/2006/main">
   <a:themeElements>
     <a:clrScheme name="Default">
       <a:dk1>
@@ -10408,5 +10287,7 @@
       </a:bgFillStyleLst>
     </a:fmtScheme>
   </a:themeElements>
+  <a:objectDefaults/>
+  <a:extraClrSchemeLst/>
 </a:theme>
 </file>